--- a/github/fig/fig.pptx
+++ b/github/fig/fig.pptx
@@ -5,12 +5,15 @@
     <p:sldMasterId id="2147483648" r:id="rId1"/>
   </p:sldMasterIdLst>
   <p:notesMasterIdLst>
-    <p:notesMasterId r:id="rId5"/>
+    <p:notesMasterId r:id="rId8"/>
   </p:notesMasterIdLst>
   <p:sldIdLst>
     <p:sldId id="256" r:id="rId2"/>
     <p:sldId id="257" r:id="rId3"/>
     <p:sldId id="258" r:id="rId4"/>
+    <p:sldId id="259" r:id="rId5"/>
+    <p:sldId id="260" r:id="rId6"/>
+    <p:sldId id="261" r:id="rId7"/>
   </p:sldIdLst>
   <p:sldSz cx="9144000" cy="6858000" type="screen4x3"/>
   <p:notesSz cx="6858000" cy="9144000"/>
@@ -180,7 +183,7 @@
             </a:lvl1pPr>
           </a:lstStyle>
           <a:p>
-            <a:endParaRPr lang="ja-JP" altLang="en-US"/>
+            <a:endParaRPr lang="ja-JP" altLang="en-US" dirty="0"/>
           </a:p>
         </p:txBody>
       </p:sp>
@@ -214,9 +217,9 @@
             <a:fld id="{D2C63D3F-0352-EF45-A95C-C8137A1B6577}" type="datetimeFigureOut">
               <a:rPr lang="ja-JP" altLang="en-US" smtClean="0"/>
               <a:pPr/>
-              <a:t>2020/4/12</a:t>
+              <a:t>2020/4/13</a:t>
             </a:fld>
-            <a:endParaRPr lang="ja-JP" altLang="en-US"/>
+            <a:endParaRPr lang="ja-JP" altLang="en-US" dirty="0"/>
           </a:p>
         </p:txBody>
       </p:sp>
@@ -249,7 +252,7 @@
           <a:bodyPr vert="horz" lIns="91440" tIns="45720" rIns="91440" bIns="45720" rtlCol="0" anchor="ctr"/>
           <a:lstStyle/>
           <a:p>
-            <a:endParaRPr lang="ja-JP" altLang="en-US"/>
+            <a:endParaRPr lang="ja-JP" altLang="en-US" dirty="0"/>
           </a:p>
         </p:txBody>
       </p:sp>
@@ -373,7 +376,7 @@
             </a:lvl1pPr>
           </a:lstStyle>
           <a:p>
-            <a:endParaRPr lang="ja-JP" altLang="en-US"/>
+            <a:endParaRPr lang="ja-JP" altLang="en-US" dirty="0"/>
           </a:p>
         </p:txBody>
       </p:sp>
@@ -409,7 +412,7 @@
               <a:pPr/>
               <a:t>‹#›</a:t>
             </a:fld>
-            <a:endParaRPr lang="ja-JP" altLang="en-US"/>
+            <a:endParaRPr lang="ja-JP" altLang="en-US" dirty="0"/>
           </a:p>
         </p:txBody>
       </p:sp>
@@ -1172,6 +1175,3054 @@
     <p:extLst>
       <p:ext uri="{BB962C8B-B14F-4D97-AF65-F5344CB8AC3E}">
         <p14:creationId xmlns:p14="http://schemas.microsoft.com/office/powerpoint/2010/main" val="237126510"/>
+      </p:ext>
+    </p:extLst>
+  </p:cSld>
+  <p:clrMapOvr>
+    <a:masterClrMapping/>
+  </p:clrMapOvr>
+</p:sld>
+</file>
+
+<file path=ppt/slides/slide4.xml><?xml version="1.0" encoding="utf-8"?>
+<p:sld xmlns:a="http://schemas.openxmlformats.org/drawingml/2006/main" xmlns:r="http://schemas.openxmlformats.org/officeDocument/2006/relationships" xmlns:p="http://schemas.openxmlformats.org/presentationml/2006/main">
+  <p:cSld>
+    <p:spTree>
+      <p:nvGrpSpPr>
+        <p:cNvPr id="1" name=""/>
+        <p:cNvGrpSpPr/>
+        <p:nvPr/>
+      </p:nvGrpSpPr>
+      <p:grpSpPr>
+        <a:xfrm>
+          <a:off x="0" y="0"/>
+          <a:ext cx="0" cy="0"/>
+          <a:chOff x="0" y="0"/>
+          <a:chExt cx="0" cy="0"/>
+        </a:xfrm>
+      </p:grpSpPr>
+      <p:sp>
+        <p:nvSpPr>
+          <p:cNvPr id="2" name="楕円 1"/>
+          <p:cNvSpPr/>
+          <p:nvPr/>
+        </p:nvSpPr>
+        <p:spPr>
+          <a:xfrm>
+            <a:off x="2883872" y="6093296"/>
+            <a:ext cx="432048" cy="432048"/>
+          </a:xfrm>
+          <a:prstGeom prst="ellipse">
+            <a:avLst/>
+          </a:prstGeom>
+          <a:solidFill>
+            <a:srgbClr val="011893"/>
+          </a:solidFill>
+          <a:ln>
+            <a:solidFill>
+              <a:schemeClr val="tx1"/>
+            </a:solidFill>
+          </a:ln>
+        </p:spPr>
+        <p:style>
+          <a:lnRef idx="2">
+            <a:schemeClr val="accent1">
+              <a:shade val="50000"/>
+            </a:schemeClr>
+          </a:lnRef>
+          <a:fillRef idx="1">
+            <a:schemeClr val="accent1"/>
+          </a:fillRef>
+          <a:effectRef idx="0">
+            <a:schemeClr val="accent1"/>
+          </a:effectRef>
+          <a:fontRef idx="minor">
+            <a:schemeClr val="lt1"/>
+          </a:fontRef>
+        </p:style>
+        <p:txBody>
+          <a:bodyPr rtlCol="0" anchor="ctr"/>
+          <a:lstStyle/>
+          <a:p>
+            <a:pPr algn="ctr"/>
+            <a:endParaRPr kumimoji="1" lang="ja-JP" altLang="en-US" dirty="0"/>
+          </a:p>
+        </p:txBody>
+      </p:sp>
+      <p:sp>
+        <p:nvSpPr>
+          <p:cNvPr id="3" name="楕円 2"/>
+          <p:cNvSpPr/>
+          <p:nvPr/>
+        </p:nvSpPr>
+        <p:spPr>
+          <a:xfrm>
+            <a:off x="4324032" y="6093296"/>
+            <a:ext cx="432048" cy="432048"/>
+          </a:xfrm>
+          <a:prstGeom prst="ellipse">
+            <a:avLst/>
+          </a:prstGeom>
+          <a:solidFill>
+            <a:srgbClr val="011893"/>
+          </a:solidFill>
+          <a:ln>
+            <a:solidFill>
+              <a:schemeClr val="tx1"/>
+            </a:solidFill>
+          </a:ln>
+        </p:spPr>
+        <p:style>
+          <a:lnRef idx="2">
+            <a:schemeClr val="accent1">
+              <a:shade val="50000"/>
+            </a:schemeClr>
+          </a:lnRef>
+          <a:fillRef idx="1">
+            <a:schemeClr val="accent1"/>
+          </a:fillRef>
+          <a:effectRef idx="0">
+            <a:schemeClr val="accent1"/>
+          </a:effectRef>
+          <a:fontRef idx="minor">
+            <a:schemeClr val="lt1"/>
+          </a:fontRef>
+        </p:style>
+        <p:txBody>
+          <a:bodyPr rtlCol="0" anchor="ctr"/>
+          <a:lstStyle/>
+          <a:p>
+            <a:pPr algn="ctr"/>
+            <a:endParaRPr kumimoji="1" lang="ja-JP" altLang="en-US" dirty="0"/>
+          </a:p>
+        </p:txBody>
+      </p:sp>
+      <p:cxnSp>
+        <p:nvCxnSpPr>
+          <p:cNvPr id="4" name="直線コネクタ 3"/>
+          <p:cNvCxnSpPr/>
+          <p:nvPr/>
+        </p:nvCxnSpPr>
+        <p:spPr>
+          <a:xfrm>
+            <a:off x="3315920" y="6309320"/>
+            <a:ext cx="1008112" cy="0"/>
+          </a:xfrm>
+          <a:prstGeom prst="line">
+            <a:avLst/>
+          </a:prstGeom>
+          <a:ln w="57150">
+            <a:solidFill>
+              <a:schemeClr val="tx1"/>
+            </a:solidFill>
+            <a:headEnd type="none" w="med" len="med"/>
+            <a:tailEnd type="none" w="med" len="med"/>
+          </a:ln>
+        </p:spPr>
+        <p:style>
+          <a:lnRef idx="1">
+            <a:schemeClr val="accent1"/>
+          </a:lnRef>
+          <a:fillRef idx="0">
+            <a:schemeClr val="accent1"/>
+          </a:fillRef>
+          <a:effectRef idx="0">
+            <a:schemeClr val="accent1"/>
+          </a:effectRef>
+          <a:fontRef idx="minor">
+            <a:schemeClr val="tx1"/>
+          </a:fontRef>
+        </p:style>
+      </p:cxnSp>
+      <p:sp>
+        <p:nvSpPr>
+          <p:cNvPr id="5" name="テキスト ボックス 4"/>
+          <p:cNvSpPr txBox="1"/>
+          <p:nvPr/>
+        </p:nvSpPr>
+        <p:spPr>
+          <a:xfrm>
+            <a:off x="2667848" y="5589240"/>
+            <a:ext cx="877163" cy="369332"/>
+          </a:xfrm>
+          <a:prstGeom prst="rect">
+            <a:avLst/>
+          </a:prstGeom>
+          <a:noFill/>
+        </p:spPr>
+        <p:txBody>
+          <a:bodyPr wrap="none" rtlCol="0">
+            <a:spAutoFit/>
+          </a:bodyPr>
+          <a:lstStyle/>
+          <a:p>
+            <a:r>
+              <a:rPr kumimoji="1" lang="ja-JP" altLang="en-US" dirty="0" smtClean="0"/>
+              <a:t>二日前</a:t>
+            </a:r>
+            <a:endParaRPr kumimoji="1" lang="ja-JP" altLang="en-US" dirty="0"/>
+          </a:p>
+        </p:txBody>
+      </p:sp>
+      <p:sp>
+        <p:nvSpPr>
+          <p:cNvPr id="12" name="角丸四角形 11"/>
+          <p:cNvSpPr/>
+          <p:nvPr/>
+        </p:nvSpPr>
+        <p:spPr>
+          <a:xfrm>
+            <a:off x="5148064" y="1196752"/>
+            <a:ext cx="1440160" cy="720080"/>
+          </a:xfrm>
+          <a:prstGeom prst="roundRect">
+            <a:avLst/>
+          </a:prstGeom>
+          <a:noFill/>
+          <a:ln w="28575">
+            <a:solidFill>
+              <a:schemeClr val="tx1"/>
+            </a:solidFill>
+            <a:prstDash val="dash"/>
+          </a:ln>
+        </p:spPr>
+        <p:style>
+          <a:lnRef idx="2">
+            <a:schemeClr val="accent1">
+              <a:shade val="50000"/>
+            </a:schemeClr>
+          </a:lnRef>
+          <a:fillRef idx="1">
+            <a:schemeClr val="accent1"/>
+          </a:fillRef>
+          <a:effectRef idx="0">
+            <a:schemeClr val="accent1"/>
+          </a:effectRef>
+          <a:fontRef idx="minor">
+            <a:schemeClr val="lt1"/>
+          </a:fontRef>
+        </p:style>
+        <p:txBody>
+          <a:bodyPr rtlCol="0" anchor="ctr"/>
+          <a:lstStyle/>
+          <a:p>
+            <a:pPr algn="ctr"/>
+            <a:endParaRPr kumimoji="1" lang="ja-JP" altLang="en-US" dirty="0"/>
+          </a:p>
+        </p:txBody>
+      </p:sp>
+      <p:sp>
+        <p:nvSpPr>
+          <p:cNvPr id="14" name="テキスト ボックス 13"/>
+          <p:cNvSpPr txBox="1"/>
+          <p:nvPr/>
+        </p:nvSpPr>
+        <p:spPr>
+          <a:xfrm>
+            <a:off x="5508104" y="620688"/>
+            <a:ext cx="1067921" cy="461665"/>
+          </a:xfrm>
+          <a:prstGeom prst="rect">
+            <a:avLst/>
+          </a:prstGeom>
+          <a:noFill/>
+        </p:spPr>
+        <p:txBody>
+          <a:bodyPr wrap="none" rtlCol="0">
+            <a:spAutoFit/>
+          </a:bodyPr>
+          <a:lstStyle/>
+          <a:p>
+            <a:r>
+              <a:rPr kumimoji="1" lang="en-US" altLang="ja-JP" sz="2400" dirty="0" smtClean="0"/>
+              <a:t>GitHub</a:t>
+            </a:r>
+            <a:endParaRPr kumimoji="1" lang="ja-JP" altLang="en-US" sz="2400" dirty="0" smtClean="0"/>
+          </a:p>
+        </p:txBody>
+      </p:sp>
+      <p:sp>
+        <p:nvSpPr>
+          <p:cNvPr id="15" name="テキスト ボックス 14"/>
+          <p:cNvSpPr txBox="1"/>
+          <p:nvPr/>
+        </p:nvSpPr>
+        <p:spPr>
+          <a:xfrm>
+            <a:off x="1403648" y="620688"/>
+            <a:ext cx="1314784" cy="461665"/>
+          </a:xfrm>
+          <a:prstGeom prst="rect">
+            <a:avLst/>
+          </a:prstGeom>
+          <a:noFill/>
+        </p:spPr>
+        <p:txBody>
+          <a:bodyPr wrap="none" rtlCol="0">
+            <a:spAutoFit/>
+          </a:bodyPr>
+          <a:lstStyle/>
+          <a:p>
+            <a:r>
+              <a:rPr lang="ja-JP" altLang="en-US" sz="2400" dirty="0"/>
+              <a:t>ローカル</a:t>
+            </a:r>
+            <a:endParaRPr kumimoji="1" lang="ja-JP" altLang="en-US" sz="2400" dirty="0" smtClean="0"/>
+          </a:p>
+        </p:txBody>
+      </p:sp>
+      <p:sp>
+        <p:nvSpPr>
+          <p:cNvPr id="16" name="楕円 15"/>
+          <p:cNvSpPr/>
+          <p:nvPr/>
+        </p:nvSpPr>
+        <p:spPr>
+          <a:xfrm>
+            <a:off x="5508104" y="1340768"/>
+            <a:ext cx="432048" cy="432048"/>
+          </a:xfrm>
+          <a:prstGeom prst="ellipse">
+            <a:avLst/>
+          </a:prstGeom>
+          <a:solidFill>
+            <a:srgbClr val="011893"/>
+          </a:solidFill>
+          <a:ln>
+            <a:solidFill>
+              <a:schemeClr val="tx1"/>
+            </a:solidFill>
+          </a:ln>
+        </p:spPr>
+        <p:style>
+          <a:lnRef idx="2">
+            <a:schemeClr val="accent1">
+              <a:shade val="50000"/>
+            </a:schemeClr>
+          </a:lnRef>
+          <a:fillRef idx="1">
+            <a:schemeClr val="accent1"/>
+          </a:fillRef>
+          <a:effectRef idx="0">
+            <a:schemeClr val="accent1"/>
+          </a:effectRef>
+          <a:fontRef idx="minor">
+            <a:schemeClr val="lt1"/>
+          </a:fontRef>
+        </p:style>
+        <p:txBody>
+          <a:bodyPr rtlCol="0" anchor="ctr"/>
+          <a:lstStyle/>
+          <a:p>
+            <a:pPr algn="ctr"/>
+            <a:endParaRPr kumimoji="1" lang="ja-JP" altLang="en-US" dirty="0"/>
+          </a:p>
+        </p:txBody>
+      </p:sp>
+      <p:sp>
+        <p:nvSpPr>
+          <p:cNvPr id="17" name="テキスト ボックス 16"/>
+          <p:cNvSpPr txBox="1"/>
+          <p:nvPr/>
+        </p:nvSpPr>
+        <p:spPr>
+          <a:xfrm>
+            <a:off x="251520" y="116632"/>
+            <a:ext cx="4032448" cy="461665"/>
+          </a:xfrm>
+          <a:prstGeom prst="rect">
+            <a:avLst/>
+          </a:prstGeom>
+          <a:noFill/>
+        </p:spPr>
+        <p:txBody>
+          <a:bodyPr wrap="square" rtlCol="0">
+            <a:spAutoFit/>
+          </a:bodyPr>
+          <a:lstStyle/>
+          <a:p>
+            <a:r>
+              <a:rPr kumimoji="1" lang="en-US" altLang="ja-JP" sz="2400" dirty="0" smtClean="0"/>
+              <a:t>1. GitHub</a:t>
+            </a:r>
+            <a:r>
+              <a:rPr kumimoji="1" lang="ja-JP" altLang="en-US" sz="2400" dirty="0" smtClean="0"/>
+              <a:t>で</a:t>
+            </a:r>
+            <a:r>
+              <a:rPr lang="ja-JP" altLang="en-US" sz="2400" dirty="0" smtClean="0"/>
+              <a:t>リポジトリを作成</a:t>
+            </a:r>
+            <a:endParaRPr kumimoji="1" lang="en-US" altLang="ja-JP" sz="2400" dirty="0" smtClean="0"/>
+          </a:p>
+        </p:txBody>
+      </p:sp>
+      <p:sp>
+        <p:nvSpPr>
+          <p:cNvPr id="18" name="テキスト ボックス 17"/>
+          <p:cNvSpPr txBox="1"/>
+          <p:nvPr/>
+        </p:nvSpPr>
+        <p:spPr>
+          <a:xfrm>
+            <a:off x="251520" y="2420888"/>
+            <a:ext cx="4032448" cy="461665"/>
+          </a:xfrm>
+          <a:prstGeom prst="rect">
+            <a:avLst/>
+          </a:prstGeom>
+          <a:noFill/>
+        </p:spPr>
+        <p:txBody>
+          <a:bodyPr wrap="square" rtlCol="0">
+            <a:spAutoFit/>
+          </a:bodyPr>
+          <a:lstStyle/>
+          <a:p>
+            <a:r>
+              <a:rPr kumimoji="1" lang="en-US" altLang="ja-JP" sz="2400" dirty="0" smtClean="0"/>
+              <a:t>2. </a:t>
+            </a:r>
+            <a:r>
+              <a:rPr kumimoji="1" lang="ja-JP" altLang="en-US" sz="2400" dirty="0" smtClean="0"/>
+              <a:t>ローカルに</a:t>
+            </a:r>
+            <a:r>
+              <a:rPr kumimoji="1" lang="en-US" altLang="ja-JP" sz="2400" dirty="0" smtClean="0"/>
+              <a:t>clone</a:t>
+            </a:r>
+            <a:endParaRPr lang="en-US" altLang="ja-JP" sz="2400" dirty="0" smtClean="0"/>
+          </a:p>
+        </p:txBody>
+      </p:sp>
+      <p:sp>
+        <p:nvSpPr>
+          <p:cNvPr id="19" name="角丸四角形 18"/>
+          <p:cNvSpPr/>
+          <p:nvPr/>
+        </p:nvSpPr>
+        <p:spPr>
+          <a:xfrm>
+            <a:off x="5076056" y="3356992"/>
+            <a:ext cx="1800200" cy="1008112"/>
+          </a:xfrm>
+          <a:prstGeom prst="roundRect">
+            <a:avLst/>
+          </a:prstGeom>
+          <a:noFill/>
+          <a:ln w="28575">
+            <a:solidFill>
+              <a:schemeClr val="tx1"/>
+            </a:solidFill>
+            <a:prstDash val="dash"/>
+          </a:ln>
+        </p:spPr>
+        <p:style>
+          <a:lnRef idx="2">
+            <a:schemeClr val="accent1">
+              <a:shade val="50000"/>
+            </a:schemeClr>
+          </a:lnRef>
+          <a:fillRef idx="1">
+            <a:schemeClr val="accent1"/>
+          </a:fillRef>
+          <a:effectRef idx="0">
+            <a:schemeClr val="accent1"/>
+          </a:effectRef>
+          <a:fontRef idx="minor">
+            <a:schemeClr val="lt1"/>
+          </a:fontRef>
+        </p:style>
+        <p:txBody>
+          <a:bodyPr rtlCol="0" anchor="ctr"/>
+          <a:lstStyle/>
+          <a:p>
+            <a:pPr algn="ctr"/>
+            <a:endParaRPr kumimoji="1" lang="ja-JP" altLang="en-US" dirty="0"/>
+          </a:p>
+        </p:txBody>
+      </p:sp>
+      <p:sp>
+        <p:nvSpPr>
+          <p:cNvPr id="20" name="テキスト ボックス 19"/>
+          <p:cNvSpPr txBox="1"/>
+          <p:nvPr/>
+        </p:nvSpPr>
+        <p:spPr>
+          <a:xfrm>
+            <a:off x="5436096" y="2780928"/>
+            <a:ext cx="1067921" cy="461665"/>
+          </a:xfrm>
+          <a:prstGeom prst="rect">
+            <a:avLst/>
+          </a:prstGeom>
+          <a:noFill/>
+        </p:spPr>
+        <p:txBody>
+          <a:bodyPr wrap="none" rtlCol="0">
+            <a:spAutoFit/>
+          </a:bodyPr>
+          <a:lstStyle/>
+          <a:p>
+            <a:r>
+              <a:rPr kumimoji="1" lang="en-US" altLang="ja-JP" sz="2400" dirty="0" smtClean="0"/>
+              <a:t>GitHub</a:t>
+            </a:r>
+            <a:endParaRPr kumimoji="1" lang="ja-JP" altLang="en-US" sz="2400" dirty="0" smtClean="0"/>
+          </a:p>
+        </p:txBody>
+      </p:sp>
+      <p:sp>
+        <p:nvSpPr>
+          <p:cNvPr id="21" name="テキスト ボックス 20"/>
+          <p:cNvSpPr txBox="1"/>
+          <p:nvPr/>
+        </p:nvSpPr>
+        <p:spPr>
+          <a:xfrm>
+            <a:off x="1403648" y="2780928"/>
+            <a:ext cx="1314784" cy="461665"/>
+          </a:xfrm>
+          <a:prstGeom prst="rect">
+            <a:avLst/>
+          </a:prstGeom>
+          <a:noFill/>
+        </p:spPr>
+        <p:txBody>
+          <a:bodyPr wrap="none" rtlCol="0">
+            <a:spAutoFit/>
+          </a:bodyPr>
+          <a:lstStyle/>
+          <a:p>
+            <a:r>
+              <a:rPr lang="ja-JP" altLang="en-US" sz="2400" dirty="0"/>
+              <a:t>ローカル</a:t>
+            </a:r>
+            <a:endParaRPr kumimoji="1" lang="ja-JP" altLang="en-US" sz="2400" dirty="0" smtClean="0"/>
+          </a:p>
+        </p:txBody>
+      </p:sp>
+      <p:sp>
+        <p:nvSpPr>
+          <p:cNvPr id="22" name="楕円 21"/>
+          <p:cNvSpPr/>
+          <p:nvPr/>
+        </p:nvSpPr>
+        <p:spPr>
+          <a:xfrm>
+            <a:off x="5724128" y="3645024"/>
+            <a:ext cx="432048" cy="432048"/>
+          </a:xfrm>
+          <a:prstGeom prst="ellipse">
+            <a:avLst/>
+          </a:prstGeom>
+          <a:solidFill>
+            <a:srgbClr val="011893"/>
+          </a:solidFill>
+          <a:ln>
+            <a:solidFill>
+              <a:schemeClr val="tx1"/>
+            </a:solidFill>
+          </a:ln>
+        </p:spPr>
+        <p:style>
+          <a:lnRef idx="2">
+            <a:schemeClr val="accent1">
+              <a:shade val="50000"/>
+            </a:schemeClr>
+          </a:lnRef>
+          <a:fillRef idx="1">
+            <a:schemeClr val="accent1"/>
+          </a:fillRef>
+          <a:effectRef idx="0">
+            <a:schemeClr val="accent1"/>
+          </a:effectRef>
+          <a:fontRef idx="minor">
+            <a:schemeClr val="lt1"/>
+          </a:fontRef>
+        </p:style>
+        <p:txBody>
+          <a:bodyPr rtlCol="0" anchor="ctr"/>
+          <a:lstStyle/>
+          <a:p>
+            <a:pPr algn="ctr"/>
+            <a:endParaRPr kumimoji="1" lang="ja-JP" altLang="en-US" dirty="0"/>
+          </a:p>
+        </p:txBody>
+      </p:sp>
+      <p:sp>
+        <p:nvSpPr>
+          <p:cNvPr id="23" name="テキスト ボックス 22"/>
+          <p:cNvSpPr txBox="1"/>
+          <p:nvPr/>
+        </p:nvSpPr>
+        <p:spPr>
+          <a:xfrm>
+            <a:off x="323528" y="3789040"/>
+            <a:ext cx="4032448" cy="461665"/>
+          </a:xfrm>
+          <a:prstGeom prst="rect">
+            <a:avLst/>
+          </a:prstGeom>
+          <a:noFill/>
+        </p:spPr>
+        <p:txBody>
+          <a:bodyPr wrap="square" rtlCol="0">
+            <a:spAutoFit/>
+          </a:bodyPr>
+          <a:lstStyle/>
+          <a:p>
+            <a:r>
+              <a:rPr kumimoji="1" lang="en-US" altLang="ja-JP" sz="2400" dirty="0" smtClean="0"/>
+              <a:t>2. </a:t>
+            </a:r>
+            <a:r>
+              <a:rPr kumimoji="1" lang="ja-JP" altLang="en-US" sz="2400" dirty="0" smtClean="0"/>
+              <a:t>ローカル</a:t>
+            </a:r>
+            <a:r>
+              <a:rPr lang="ja-JP" altLang="en-US" sz="2400" dirty="0" smtClean="0"/>
+              <a:t>で修正</a:t>
+            </a:r>
+            <a:endParaRPr lang="en-US" altLang="ja-JP" sz="2400" dirty="0" smtClean="0"/>
+          </a:p>
+        </p:txBody>
+      </p:sp>
+      <p:sp>
+        <p:nvSpPr>
+          <p:cNvPr id="24" name="テキスト ボックス 23"/>
+          <p:cNvSpPr txBox="1"/>
+          <p:nvPr/>
+        </p:nvSpPr>
+        <p:spPr>
+          <a:xfrm>
+            <a:off x="251520" y="5013176"/>
+            <a:ext cx="4032448" cy="461665"/>
+          </a:xfrm>
+          <a:prstGeom prst="rect">
+            <a:avLst/>
+          </a:prstGeom>
+          <a:noFill/>
+        </p:spPr>
+        <p:txBody>
+          <a:bodyPr wrap="square" rtlCol="0">
+            <a:spAutoFit/>
+          </a:bodyPr>
+          <a:lstStyle/>
+          <a:p>
+            <a:r>
+              <a:rPr kumimoji="1" lang="en-US" altLang="ja-JP" sz="2400" dirty="0" smtClean="0"/>
+              <a:t>2. GitHub</a:t>
+            </a:r>
+            <a:r>
+              <a:rPr lang="ja-JP" altLang="en-US" sz="2400" dirty="0" smtClean="0"/>
+              <a:t>に</a:t>
+            </a:r>
+            <a:r>
+              <a:rPr lang="en-US" altLang="ja-JP" sz="2400" dirty="0" smtClean="0"/>
+              <a:t>push</a:t>
+            </a:r>
+          </a:p>
+        </p:txBody>
+      </p:sp>
+    </p:spTree>
+    <p:extLst>
+      <p:ext uri="{BB962C8B-B14F-4D97-AF65-F5344CB8AC3E}">
+        <p14:creationId xmlns:p14="http://schemas.microsoft.com/office/powerpoint/2010/main" val="975731591"/>
+      </p:ext>
+    </p:extLst>
+  </p:cSld>
+  <p:clrMapOvr>
+    <a:masterClrMapping/>
+  </p:clrMapOvr>
+</p:sld>
+</file>
+
+<file path=ppt/slides/slide5.xml><?xml version="1.0" encoding="utf-8"?>
+<p:sld xmlns:a="http://schemas.openxmlformats.org/drawingml/2006/main" xmlns:r="http://schemas.openxmlformats.org/officeDocument/2006/relationships" xmlns:p="http://schemas.openxmlformats.org/presentationml/2006/main">
+  <p:cSld>
+    <p:spTree>
+      <p:nvGrpSpPr>
+        <p:cNvPr id="1" name=""/>
+        <p:cNvGrpSpPr/>
+        <p:nvPr/>
+      </p:nvGrpSpPr>
+      <p:grpSpPr>
+        <a:xfrm>
+          <a:off x="0" y="0"/>
+          <a:ext cx="0" cy="0"/>
+          <a:chOff x="0" y="0"/>
+          <a:chExt cx="0" cy="0"/>
+        </a:xfrm>
+      </p:grpSpPr>
+      <p:sp>
+        <p:nvSpPr>
+          <p:cNvPr id="33" name="正方形/長方形 32"/>
+          <p:cNvSpPr/>
+          <p:nvPr/>
+        </p:nvSpPr>
+        <p:spPr>
+          <a:xfrm>
+            <a:off x="4067944" y="548680"/>
+            <a:ext cx="1872208" cy="5040560"/>
+          </a:xfrm>
+          <a:prstGeom prst="rect">
+            <a:avLst/>
+          </a:prstGeom>
+          <a:solidFill>
+            <a:schemeClr val="accent3">
+              <a:lumMod val="20000"/>
+              <a:lumOff val="80000"/>
+            </a:schemeClr>
+          </a:solidFill>
+          <a:ln w="57150">
+            <a:noFill/>
+          </a:ln>
+        </p:spPr>
+        <p:txBody>
+          <a:bodyPr wrap="square" rtlCol="0" anchor="ctr">
+            <a:spAutoFit/>
+          </a:bodyPr>
+          <a:lstStyle/>
+          <a:p>
+            <a:pPr algn="ctr"/>
+            <a:endParaRPr kumimoji="1" lang="ja-JP" altLang="en-US" sz="2400" dirty="0" smtClean="0"/>
+          </a:p>
+        </p:txBody>
+      </p:sp>
+      <p:sp>
+        <p:nvSpPr>
+          <p:cNvPr id="31" name="正方形/長方形 30"/>
+          <p:cNvSpPr/>
+          <p:nvPr/>
+        </p:nvSpPr>
+        <p:spPr>
+          <a:xfrm>
+            <a:off x="7020272" y="548680"/>
+            <a:ext cx="1872208" cy="5040560"/>
+          </a:xfrm>
+          <a:prstGeom prst="rect">
+            <a:avLst/>
+          </a:prstGeom>
+          <a:solidFill>
+            <a:schemeClr val="accent6">
+              <a:lumMod val="20000"/>
+              <a:lumOff val="80000"/>
+            </a:schemeClr>
+          </a:solidFill>
+          <a:ln w="57150">
+            <a:noFill/>
+          </a:ln>
+        </p:spPr>
+        <p:txBody>
+          <a:bodyPr wrap="square" rtlCol="0" anchor="ctr">
+            <a:spAutoFit/>
+          </a:bodyPr>
+          <a:lstStyle/>
+          <a:p>
+            <a:pPr algn="ctr"/>
+            <a:endParaRPr kumimoji="1" lang="ja-JP" altLang="en-US" sz="2400" dirty="0" smtClean="0"/>
+          </a:p>
+        </p:txBody>
+      </p:sp>
+      <p:sp>
+        <p:nvSpPr>
+          <p:cNvPr id="2" name="角丸四角形 1"/>
+          <p:cNvSpPr/>
+          <p:nvPr/>
+        </p:nvSpPr>
+        <p:spPr>
+          <a:xfrm>
+            <a:off x="7236296" y="1340768"/>
+            <a:ext cx="1440160" cy="576064"/>
+          </a:xfrm>
+          <a:prstGeom prst="roundRect">
+            <a:avLst/>
+          </a:prstGeom>
+          <a:noFill/>
+          <a:ln w="28575">
+            <a:solidFill>
+              <a:schemeClr val="tx1"/>
+            </a:solidFill>
+            <a:prstDash val="dash"/>
+          </a:ln>
+        </p:spPr>
+        <p:style>
+          <a:lnRef idx="2">
+            <a:schemeClr val="accent1">
+              <a:shade val="50000"/>
+            </a:schemeClr>
+          </a:lnRef>
+          <a:fillRef idx="1">
+            <a:schemeClr val="accent1"/>
+          </a:fillRef>
+          <a:effectRef idx="0">
+            <a:schemeClr val="accent1"/>
+          </a:effectRef>
+          <a:fontRef idx="minor">
+            <a:schemeClr val="lt1"/>
+          </a:fontRef>
+        </p:style>
+        <p:txBody>
+          <a:bodyPr rtlCol="0" anchor="ctr"/>
+          <a:lstStyle/>
+          <a:p>
+            <a:pPr algn="ctr"/>
+            <a:endParaRPr kumimoji="1" lang="ja-JP" altLang="en-US" dirty="0"/>
+          </a:p>
+        </p:txBody>
+      </p:sp>
+      <p:sp>
+        <p:nvSpPr>
+          <p:cNvPr id="3" name="楕円 2"/>
+          <p:cNvSpPr/>
+          <p:nvPr/>
+        </p:nvSpPr>
+        <p:spPr>
+          <a:xfrm>
+            <a:off x="7812360" y="1484784"/>
+            <a:ext cx="288032" cy="288032"/>
+          </a:xfrm>
+          <a:prstGeom prst="ellipse">
+            <a:avLst/>
+          </a:prstGeom>
+          <a:solidFill>
+            <a:srgbClr val="FF0000"/>
+          </a:solidFill>
+          <a:ln>
+            <a:solidFill>
+              <a:schemeClr val="tx1"/>
+            </a:solidFill>
+          </a:ln>
+        </p:spPr>
+        <p:style>
+          <a:lnRef idx="2">
+            <a:schemeClr val="accent1">
+              <a:shade val="50000"/>
+            </a:schemeClr>
+          </a:lnRef>
+          <a:fillRef idx="1">
+            <a:schemeClr val="accent1"/>
+          </a:fillRef>
+          <a:effectRef idx="0">
+            <a:schemeClr val="accent1"/>
+          </a:effectRef>
+          <a:fontRef idx="minor">
+            <a:schemeClr val="lt1"/>
+          </a:fontRef>
+        </p:style>
+        <p:txBody>
+          <a:bodyPr rtlCol="0" anchor="ctr"/>
+          <a:lstStyle/>
+          <a:p>
+            <a:pPr algn="ctr"/>
+            <a:endParaRPr kumimoji="1" lang="ja-JP" altLang="en-US" dirty="0"/>
+          </a:p>
+        </p:txBody>
+      </p:sp>
+      <p:sp>
+        <p:nvSpPr>
+          <p:cNvPr id="4" name="角丸四角形 3"/>
+          <p:cNvSpPr/>
+          <p:nvPr/>
+        </p:nvSpPr>
+        <p:spPr>
+          <a:xfrm>
+            <a:off x="7236296" y="2420888"/>
+            <a:ext cx="1440160" cy="576064"/>
+          </a:xfrm>
+          <a:prstGeom prst="roundRect">
+            <a:avLst/>
+          </a:prstGeom>
+          <a:noFill/>
+          <a:ln w="28575">
+            <a:solidFill>
+              <a:schemeClr val="tx1"/>
+            </a:solidFill>
+            <a:prstDash val="dash"/>
+          </a:ln>
+        </p:spPr>
+        <p:style>
+          <a:lnRef idx="2">
+            <a:schemeClr val="accent1">
+              <a:shade val="50000"/>
+            </a:schemeClr>
+          </a:lnRef>
+          <a:fillRef idx="1">
+            <a:schemeClr val="accent1"/>
+          </a:fillRef>
+          <a:effectRef idx="0">
+            <a:schemeClr val="accent1"/>
+          </a:effectRef>
+          <a:fontRef idx="minor">
+            <a:schemeClr val="lt1"/>
+          </a:fontRef>
+        </p:style>
+        <p:txBody>
+          <a:bodyPr rtlCol="0" anchor="ctr"/>
+          <a:lstStyle/>
+          <a:p>
+            <a:pPr algn="ctr"/>
+            <a:endParaRPr kumimoji="1" lang="ja-JP" altLang="en-US" dirty="0"/>
+          </a:p>
+        </p:txBody>
+      </p:sp>
+      <p:sp>
+        <p:nvSpPr>
+          <p:cNvPr id="5" name="楕円 4"/>
+          <p:cNvSpPr/>
+          <p:nvPr/>
+        </p:nvSpPr>
+        <p:spPr>
+          <a:xfrm>
+            <a:off x="7812360" y="2564904"/>
+            <a:ext cx="288032" cy="288032"/>
+          </a:xfrm>
+          <a:prstGeom prst="ellipse">
+            <a:avLst/>
+          </a:prstGeom>
+          <a:solidFill>
+            <a:srgbClr val="011893"/>
+          </a:solidFill>
+          <a:ln>
+            <a:solidFill>
+              <a:schemeClr val="tx1"/>
+            </a:solidFill>
+          </a:ln>
+        </p:spPr>
+        <p:style>
+          <a:lnRef idx="2">
+            <a:schemeClr val="accent1">
+              <a:shade val="50000"/>
+            </a:schemeClr>
+          </a:lnRef>
+          <a:fillRef idx="1">
+            <a:schemeClr val="accent1"/>
+          </a:fillRef>
+          <a:effectRef idx="0">
+            <a:schemeClr val="accent1"/>
+          </a:effectRef>
+          <a:fontRef idx="minor">
+            <a:schemeClr val="lt1"/>
+          </a:fontRef>
+        </p:style>
+        <p:txBody>
+          <a:bodyPr rtlCol="0" anchor="ctr"/>
+          <a:lstStyle/>
+          <a:p>
+            <a:pPr algn="ctr"/>
+            <a:endParaRPr kumimoji="1" lang="ja-JP" altLang="en-US" dirty="0"/>
+          </a:p>
+        </p:txBody>
+      </p:sp>
+      <p:sp>
+        <p:nvSpPr>
+          <p:cNvPr id="6" name="角丸四角形 5"/>
+          <p:cNvSpPr/>
+          <p:nvPr/>
+        </p:nvSpPr>
+        <p:spPr>
+          <a:xfrm>
+            <a:off x="4283968" y="2420888"/>
+            <a:ext cx="1440160" cy="576064"/>
+          </a:xfrm>
+          <a:prstGeom prst="roundRect">
+            <a:avLst/>
+          </a:prstGeom>
+          <a:noFill/>
+          <a:ln w="28575">
+            <a:solidFill>
+              <a:schemeClr val="tx1"/>
+            </a:solidFill>
+            <a:prstDash val="dash"/>
+          </a:ln>
+        </p:spPr>
+        <p:style>
+          <a:lnRef idx="2">
+            <a:schemeClr val="accent1">
+              <a:shade val="50000"/>
+            </a:schemeClr>
+          </a:lnRef>
+          <a:fillRef idx="1">
+            <a:schemeClr val="accent1"/>
+          </a:fillRef>
+          <a:effectRef idx="0">
+            <a:schemeClr val="accent1"/>
+          </a:effectRef>
+          <a:fontRef idx="minor">
+            <a:schemeClr val="lt1"/>
+          </a:fontRef>
+        </p:style>
+        <p:txBody>
+          <a:bodyPr rtlCol="0" anchor="ctr"/>
+          <a:lstStyle/>
+          <a:p>
+            <a:pPr algn="ctr"/>
+            <a:endParaRPr kumimoji="1" lang="ja-JP" altLang="en-US" dirty="0"/>
+          </a:p>
+        </p:txBody>
+      </p:sp>
+      <p:sp>
+        <p:nvSpPr>
+          <p:cNvPr id="7" name="楕円 6"/>
+          <p:cNvSpPr/>
+          <p:nvPr/>
+        </p:nvSpPr>
+        <p:spPr>
+          <a:xfrm>
+            <a:off x="4860032" y="2564904"/>
+            <a:ext cx="288032" cy="288032"/>
+          </a:xfrm>
+          <a:prstGeom prst="ellipse">
+            <a:avLst/>
+          </a:prstGeom>
+          <a:solidFill>
+            <a:srgbClr val="011893"/>
+          </a:solidFill>
+          <a:ln>
+            <a:solidFill>
+              <a:schemeClr val="tx1"/>
+            </a:solidFill>
+          </a:ln>
+        </p:spPr>
+        <p:style>
+          <a:lnRef idx="2">
+            <a:schemeClr val="accent1">
+              <a:shade val="50000"/>
+            </a:schemeClr>
+          </a:lnRef>
+          <a:fillRef idx="1">
+            <a:schemeClr val="accent1"/>
+          </a:fillRef>
+          <a:effectRef idx="0">
+            <a:schemeClr val="accent1"/>
+          </a:effectRef>
+          <a:fontRef idx="minor">
+            <a:schemeClr val="lt1"/>
+          </a:fontRef>
+        </p:style>
+        <p:txBody>
+          <a:bodyPr rtlCol="0" anchor="ctr"/>
+          <a:lstStyle/>
+          <a:p>
+            <a:pPr algn="ctr"/>
+            <a:endParaRPr kumimoji="1" lang="ja-JP" altLang="en-US" dirty="0"/>
+          </a:p>
+        </p:txBody>
+      </p:sp>
+      <p:sp>
+        <p:nvSpPr>
+          <p:cNvPr id="8" name="角丸四角形 7"/>
+          <p:cNvSpPr/>
+          <p:nvPr/>
+        </p:nvSpPr>
+        <p:spPr>
+          <a:xfrm>
+            <a:off x="4283968" y="3501008"/>
+            <a:ext cx="1440160" cy="576064"/>
+          </a:xfrm>
+          <a:prstGeom prst="roundRect">
+            <a:avLst/>
+          </a:prstGeom>
+          <a:noFill/>
+          <a:ln w="28575">
+            <a:solidFill>
+              <a:schemeClr val="tx1"/>
+            </a:solidFill>
+            <a:prstDash val="dash"/>
+          </a:ln>
+        </p:spPr>
+        <p:style>
+          <a:lnRef idx="2">
+            <a:schemeClr val="accent1">
+              <a:shade val="50000"/>
+            </a:schemeClr>
+          </a:lnRef>
+          <a:fillRef idx="1">
+            <a:schemeClr val="accent1"/>
+          </a:fillRef>
+          <a:effectRef idx="0">
+            <a:schemeClr val="accent1"/>
+          </a:effectRef>
+          <a:fontRef idx="minor">
+            <a:schemeClr val="lt1"/>
+          </a:fontRef>
+        </p:style>
+        <p:txBody>
+          <a:bodyPr rtlCol="0" anchor="ctr"/>
+          <a:lstStyle/>
+          <a:p>
+            <a:pPr algn="ctr"/>
+            <a:endParaRPr kumimoji="1" lang="ja-JP" altLang="en-US" dirty="0"/>
+          </a:p>
+        </p:txBody>
+      </p:sp>
+      <p:sp>
+        <p:nvSpPr>
+          <p:cNvPr id="9" name="楕円 8"/>
+          <p:cNvSpPr/>
+          <p:nvPr/>
+        </p:nvSpPr>
+        <p:spPr>
+          <a:xfrm>
+            <a:off x="4499992" y="3645024"/>
+            <a:ext cx="288032" cy="288032"/>
+          </a:xfrm>
+          <a:prstGeom prst="ellipse">
+            <a:avLst/>
+          </a:prstGeom>
+          <a:solidFill>
+            <a:srgbClr val="011893"/>
+          </a:solidFill>
+          <a:ln>
+            <a:solidFill>
+              <a:schemeClr val="tx1"/>
+            </a:solidFill>
+          </a:ln>
+        </p:spPr>
+        <p:style>
+          <a:lnRef idx="2">
+            <a:schemeClr val="accent1">
+              <a:shade val="50000"/>
+            </a:schemeClr>
+          </a:lnRef>
+          <a:fillRef idx="1">
+            <a:schemeClr val="accent1"/>
+          </a:fillRef>
+          <a:effectRef idx="0">
+            <a:schemeClr val="accent1"/>
+          </a:effectRef>
+          <a:fontRef idx="minor">
+            <a:schemeClr val="lt1"/>
+          </a:fontRef>
+        </p:style>
+        <p:txBody>
+          <a:bodyPr rtlCol="0" anchor="ctr"/>
+          <a:lstStyle/>
+          <a:p>
+            <a:pPr algn="ctr"/>
+            <a:endParaRPr kumimoji="1" lang="ja-JP" altLang="en-US" dirty="0"/>
+          </a:p>
+        </p:txBody>
+      </p:sp>
+      <p:sp>
+        <p:nvSpPr>
+          <p:cNvPr id="10" name="楕円 9"/>
+          <p:cNvSpPr/>
+          <p:nvPr/>
+        </p:nvSpPr>
+        <p:spPr>
+          <a:xfrm>
+            <a:off x="5220072" y="3645024"/>
+            <a:ext cx="288032" cy="288032"/>
+          </a:xfrm>
+          <a:prstGeom prst="ellipse">
+            <a:avLst/>
+          </a:prstGeom>
+          <a:solidFill>
+            <a:srgbClr val="FF0000"/>
+          </a:solidFill>
+          <a:ln>
+            <a:solidFill>
+              <a:schemeClr val="tx1"/>
+            </a:solidFill>
+          </a:ln>
+        </p:spPr>
+        <p:style>
+          <a:lnRef idx="2">
+            <a:schemeClr val="accent1">
+              <a:shade val="50000"/>
+            </a:schemeClr>
+          </a:lnRef>
+          <a:fillRef idx="1">
+            <a:schemeClr val="accent1"/>
+          </a:fillRef>
+          <a:effectRef idx="0">
+            <a:schemeClr val="accent1"/>
+          </a:effectRef>
+          <a:fontRef idx="minor">
+            <a:schemeClr val="lt1"/>
+          </a:fontRef>
+        </p:style>
+        <p:txBody>
+          <a:bodyPr rtlCol="0" anchor="ctr"/>
+          <a:lstStyle/>
+          <a:p>
+            <a:pPr algn="ctr"/>
+            <a:endParaRPr kumimoji="1" lang="ja-JP" altLang="en-US" dirty="0"/>
+          </a:p>
+        </p:txBody>
+      </p:sp>
+      <p:cxnSp>
+        <p:nvCxnSpPr>
+          <p:cNvPr id="12" name="直線コネクタ 11"/>
+          <p:cNvCxnSpPr>
+            <a:stCxn id="10" idx="2"/>
+            <a:endCxn id="9" idx="6"/>
+          </p:cNvCxnSpPr>
+          <p:nvPr/>
+        </p:nvCxnSpPr>
+        <p:spPr>
+          <a:xfrm flipH="1">
+            <a:off x="4788024" y="3789040"/>
+            <a:ext cx="432048" cy="0"/>
+          </a:xfrm>
+          <a:prstGeom prst="line">
+            <a:avLst/>
+          </a:prstGeom>
+          <a:ln>
+            <a:solidFill>
+              <a:srgbClr val="FF0000"/>
+            </a:solidFill>
+            <a:headEnd type="none"/>
+            <a:tailEnd type="none"/>
+          </a:ln>
+          <a:effectLst/>
+        </p:spPr>
+        <p:style>
+          <a:lnRef idx="2">
+            <a:schemeClr val="accent1"/>
+          </a:lnRef>
+          <a:fillRef idx="0">
+            <a:schemeClr val="accent1"/>
+          </a:fillRef>
+          <a:effectRef idx="1">
+            <a:schemeClr val="accent1"/>
+          </a:effectRef>
+          <a:fontRef idx="minor">
+            <a:schemeClr val="tx1"/>
+          </a:fontRef>
+        </p:style>
+      </p:cxnSp>
+      <p:sp>
+        <p:nvSpPr>
+          <p:cNvPr id="13" name="角丸四角形 12"/>
+          <p:cNvSpPr/>
+          <p:nvPr/>
+        </p:nvSpPr>
+        <p:spPr>
+          <a:xfrm>
+            <a:off x="7236296" y="3501008"/>
+            <a:ext cx="1440160" cy="576064"/>
+          </a:xfrm>
+          <a:prstGeom prst="roundRect">
+            <a:avLst/>
+          </a:prstGeom>
+          <a:noFill/>
+          <a:ln w="28575">
+            <a:solidFill>
+              <a:schemeClr val="tx1"/>
+            </a:solidFill>
+            <a:prstDash val="dash"/>
+          </a:ln>
+        </p:spPr>
+        <p:style>
+          <a:lnRef idx="2">
+            <a:schemeClr val="accent1">
+              <a:shade val="50000"/>
+            </a:schemeClr>
+          </a:lnRef>
+          <a:fillRef idx="1">
+            <a:schemeClr val="accent1"/>
+          </a:fillRef>
+          <a:effectRef idx="0">
+            <a:schemeClr val="accent1"/>
+          </a:effectRef>
+          <a:fontRef idx="minor">
+            <a:schemeClr val="lt1"/>
+          </a:fontRef>
+        </p:style>
+        <p:txBody>
+          <a:bodyPr rtlCol="0" anchor="ctr"/>
+          <a:lstStyle/>
+          <a:p>
+            <a:pPr algn="ctr"/>
+            <a:endParaRPr kumimoji="1" lang="ja-JP" altLang="en-US" dirty="0"/>
+          </a:p>
+        </p:txBody>
+      </p:sp>
+      <p:sp>
+        <p:nvSpPr>
+          <p:cNvPr id="14" name="楕円 13"/>
+          <p:cNvSpPr/>
+          <p:nvPr/>
+        </p:nvSpPr>
+        <p:spPr>
+          <a:xfrm>
+            <a:off x="7812360" y="3645024"/>
+            <a:ext cx="288032" cy="288032"/>
+          </a:xfrm>
+          <a:prstGeom prst="ellipse">
+            <a:avLst/>
+          </a:prstGeom>
+          <a:solidFill>
+            <a:srgbClr val="011893"/>
+          </a:solidFill>
+          <a:ln>
+            <a:solidFill>
+              <a:schemeClr val="tx1"/>
+            </a:solidFill>
+          </a:ln>
+        </p:spPr>
+        <p:style>
+          <a:lnRef idx="2">
+            <a:schemeClr val="accent1">
+              <a:shade val="50000"/>
+            </a:schemeClr>
+          </a:lnRef>
+          <a:fillRef idx="1">
+            <a:schemeClr val="accent1"/>
+          </a:fillRef>
+          <a:effectRef idx="0">
+            <a:schemeClr val="accent1"/>
+          </a:effectRef>
+          <a:fontRef idx="minor">
+            <a:schemeClr val="lt1"/>
+          </a:fontRef>
+        </p:style>
+        <p:txBody>
+          <a:bodyPr rtlCol="0" anchor="ctr"/>
+          <a:lstStyle/>
+          <a:p>
+            <a:pPr algn="ctr"/>
+            <a:endParaRPr kumimoji="1" lang="ja-JP" altLang="en-US" dirty="0"/>
+          </a:p>
+        </p:txBody>
+      </p:sp>
+      <p:sp>
+        <p:nvSpPr>
+          <p:cNvPr id="15" name="角丸四角形 14"/>
+          <p:cNvSpPr/>
+          <p:nvPr/>
+        </p:nvSpPr>
+        <p:spPr>
+          <a:xfrm>
+            <a:off x="4283968" y="4581128"/>
+            <a:ext cx="1440160" cy="576064"/>
+          </a:xfrm>
+          <a:prstGeom prst="roundRect">
+            <a:avLst/>
+          </a:prstGeom>
+          <a:noFill/>
+          <a:ln w="28575">
+            <a:solidFill>
+              <a:schemeClr val="tx1"/>
+            </a:solidFill>
+            <a:prstDash val="dash"/>
+          </a:ln>
+        </p:spPr>
+        <p:style>
+          <a:lnRef idx="2">
+            <a:schemeClr val="accent1">
+              <a:shade val="50000"/>
+            </a:schemeClr>
+          </a:lnRef>
+          <a:fillRef idx="1">
+            <a:schemeClr val="accent1"/>
+          </a:fillRef>
+          <a:effectRef idx="0">
+            <a:schemeClr val="accent1"/>
+          </a:effectRef>
+          <a:fontRef idx="minor">
+            <a:schemeClr val="lt1"/>
+          </a:fontRef>
+        </p:style>
+        <p:txBody>
+          <a:bodyPr rtlCol="0" anchor="ctr"/>
+          <a:lstStyle/>
+          <a:p>
+            <a:pPr algn="ctr"/>
+            <a:endParaRPr kumimoji="1" lang="ja-JP" altLang="en-US" dirty="0"/>
+          </a:p>
+        </p:txBody>
+      </p:sp>
+      <p:sp>
+        <p:nvSpPr>
+          <p:cNvPr id="16" name="楕円 15"/>
+          <p:cNvSpPr/>
+          <p:nvPr/>
+        </p:nvSpPr>
+        <p:spPr>
+          <a:xfrm>
+            <a:off x="4499992" y="4725144"/>
+            <a:ext cx="288032" cy="288032"/>
+          </a:xfrm>
+          <a:prstGeom prst="ellipse">
+            <a:avLst/>
+          </a:prstGeom>
+          <a:solidFill>
+            <a:srgbClr val="011893"/>
+          </a:solidFill>
+          <a:ln>
+            <a:solidFill>
+              <a:schemeClr val="tx1"/>
+            </a:solidFill>
+          </a:ln>
+        </p:spPr>
+        <p:style>
+          <a:lnRef idx="2">
+            <a:schemeClr val="accent1">
+              <a:shade val="50000"/>
+            </a:schemeClr>
+          </a:lnRef>
+          <a:fillRef idx="1">
+            <a:schemeClr val="accent1"/>
+          </a:fillRef>
+          <a:effectRef idx="0">
+            <a:schemeClr val="accent1"/>
+          </a:effectRef>
+          <a:fontRef idx="minor">
+            <a:schemeClr val="lt1"/>
+          </a:fontRef>
+        </p:style>
+        <p:txBody>
+          <a:bodyPr rtlCol="0" anchor="ctr"/>
+          <a:lstStyle/>
+          <a:p>
+            <a:pPr algn="ctr"/>
+            <a:endParaRPr kumimoji="1" lang="ja-JP" altLang="en-US" dirty="0"/>
+          </a:p>
+        </p:txBody>
+      </p:sp>
+      <p:sp>
+        <p:nvSpPr>
+          <p:cNvPr id="17" name="楕円 16"/>
+          <p:cNvSpPr/>
+          <p:nvPr/>
+        </p:nvSpPr>
+        <p:spPr>
+          <a:xfrm>
+            <a:off x="5220072" y="4725144"/>
+            <a:ext cx="288032" cy="288032"/>
+          </a:xfrm>
+          <a:prstGeom prst="ellipse">
+            <a:avLst/>
+          </a:prstGeom>
+          <a:solidFill>
+            <a:srgbClr val="002060"/>
+          </a:solidFill>
+          <a:ln>
+            <a:solidFill>
+              <a:schemeClr val="tx1"/>
+            </a:solidFill>
+          </a:ln>
+        </p:spPr>
+        <p:style>
+          <a:lnRef idx="2">
+            <a:schemeClr val="accent1">
+              <a:shade val="50000"/>
+            </a:schemeClr>
+          </a:lnRef>
+          <a:fillRef idx="1">
+            <a:schemeClr val="accent1"/>
+          </a:fillRef>
+          <a:effectRef idx="0">
+            <a:schemeClr val="accent1"/>
+          </a:effectRef>
+          <a:fontRef idx="minor">
+            <a:schemeClr val="lt1"/>
+          </a:fontRef>
+        </p:style>
+        <p:txBody>
+          <a:bodyPr rtlCol="0" anchor="ctr"/>
+          <a:lstStyle/>
+          <a:p>
+            <a:pPr algn="ctr"/>
+            <a:endParaRPr kumimoji="1" lang="ja-JP" altLang="en-US" dirty="0"/>
+          </a:p>
+        </p:txBody>
+      </p:sp>
+      <p:cxnSp>
+        <p:nvCxnSpPr>
+          <p:cNvPr id="18" name="直線コネクタ 17"/>
+          <p:cNvCxnSpPr>
+            <a:stCxn id="17" idx="2"/>
+            <a:endCxn id="16" idx="6"/>
+          </p:cNvCxnSpPr>
+          <p:nvPr/>
+        </p:nvCxnSpPr>
+        <p:spPr>
+          <a:xfrm flipH="1">
+            <a:off x="4788024" y="4869160"/>
+            <a:ext cx="432048" cy="0"/>
+          </a:xfrm>
+          <a:prstGeom prst="line">
+            <a:avLst/>
+          </a:prstGeom>
+          <a:ln>
+            <a:solidFill>
+              <a:schemeClr val="tx1"/>
+            </a:solidFill>
+            <a:headEnd type="none"/>
+            <a:tailEnd type="none"/>
+          </a:ln>
+          <a:effectLst/>
+        </p:spPr>
+        <p:style>
+          <a:lnRef idx="2">
+            <a:schemeClr val="accent1"/>
+          </a:lnRef>
+          <a:fillRef idx="0">
+            <a:schemeClr val="accent1"/>
+          </a:fillRef>
+          <a:effectRef idx="1">
+            <a:schemeClr val="accent1"/>
+          </a:effectRef>
+          <a:fontRef idx="minor">
+            <a:schemeClr val="tx1"/>
+          </a:fontRef>
+        </p:style>
+      </p:cxnSp>
+      <p:sp>
+        <p:nvSpPr>
+          <p:cNvPr id="21" name="角丸四角形 20"/>
+          <p:cNvSpPr/>
+          <p:nvPr/>
+        </p:nvSpPr>
+        <p:spPr>
+          <a:xfrm>
+            <a:off x="7236296" y="4581128"/>
+            <a:ext cx="1440160" cy="576064"/>
+          </a:xfrm>
+          <a:prstGeom prst="roundRect">
+            <a:avLst/>
+          </a:prstGeom>
+          <a:noFill/>
+          <a:ln w="28575">
+            <a:solidFill>
+              <a:schemeClr val="tx1"/>
+            </a:solidFill>
+            <a:prstDash val="dash"/>
+          </a:ln>
+        </p:spPr>
+        <p:style>
+          <a:lnRef idx="2">
+            <a:schemeClr val="accent1">
+              <a:shade val="50000"/>
+            </a:schemeClr>
+          </a:lnRef>
+          <a:fillRef idx="1">
+            <a:schemeClr val="accent1"/>
+          </a:fillRef>
+          <a:effectRef idx="0">
+            <a:schemeClr val="accent1"/>
+          </a:effectRef>
+          <a:fontRef idx="minor">
+            <a:schemeClr val="lt1"/>
+          </a:fontRef>
+        </p:style>
+        <p:txBody>
+          <a:bodyPr rtlCol="0" anchor="ctr"/>
+          <a:lstStyle/>
+          <a:p>
+            <a:pPr algn="ctr"/>
+            <a:endParaRPr kumimoji="1" lang="ja-JP" altLang="en-US" dirty="0"/>
+          </a:p>
+        </p:txBody>
+      </p:sp>
+      <p:sp>
+        <p:nvSpPr>
+          <p:cNvPr id="22" name="楕円 21"/>
+          <p:cNvSpPr/>
+          <p:nvPr/>
+        </p:nvSpPr>
+        <p:spPr>
+          <a:xfrm>
+            <a:off x="7452320" y="4725144"/>
+            <a:ext cx="288032" cy="288032"/>
+          </a:xfrm>
+          <a:prstGeom prst="ellipse">
+            <a:avLst/>
+          </a:prstGeom>
+          <a:solidFill>
+            <a:srgbClr val="011893"/>
+          </a:solidFill>
+          <a:ln>
+            <a:solidFill>
+              <a:schemeClr val="tx1"/>
+            </a:solidFill>
+          </a:ln>
+        </p:spPr>
+        <p:style>
+          <a:lnRef idx="2">
+            <a:schemeClr val="accent1">
+              <a:shade val="50000"/>
+            </a:schemeClr>
+          </a:lnRef>
+          <a:fillRef idx="1">
+            <a:schemeClr val="accent1"/>
+          </a:fillRef>
+          <a:effectRef idx="0">
+            <a:schemeClr val="accent1"/>
+          </a:effectRef>
+          <a:fontRef idx="minor">
+            <a:schemeClr val="lt1"/>
+          </a:fontRef>
+        </p:style>
+        <p:txBody>
+          <a:bodyPr rtlCol="0" anchor="ctr"/>
+          <a:lstStyle/>
+          <a:p>
+            <a:pPr algn="ctr"/>
+            <a:endParaRPr kumimoji="1" lang="ja-JP" altLang="en-US" dirty="0"/>
+          </a:p>
+        </p:txBody>
+      </p:sp>
+      <p:sp>
+        <p:nvSpPr>
+          <p:cNvPr id="23" name="楕円 22"/>
+          <p:cNvSpPr/>
+          <p:nvPr/>
+        </p:nvSpPr>
+        <p:spPr>
+          <a:xfrm>
+            <a:off x="8172400" y="4725144"/>
+            <a:ext cx="288032" cy="288032"/>
+          </a:xfrm>
+          <a:prstGeom prst="ellipse">
+            <a:avLst/>
+          </a:prstGeom>
+          <a:solidFill>
+            <a:srgbClr val="FF0000"/>
+          </a:solidFill>
+          <a:ln>
+            <a:solidFill>
+              <a:schemeClr val="tx1"/>
+            </a:solidFill>
+          </a:ln>
+        </p:spPr>
+        <p:style>
+          <a:lnRef idx="2">
+            <a:schemeClr val="accent1">
+              <a:shade val="50000"/>
+            </a:schemeClr>
+          </a:lnRef>
+          <a:fillRef idx="1">
+            <a:schemeClr val="accent1"/>
+          </a:fillRef>
+          <a:effectRef idx="0">
+            <a:schemeClr val="accent1"/>
+          </a:effectRef>
+          <a:fontRef idx="minor">
+            <a:schemeClr val="lt1"/>
+          </a:fontRef>
+        </p:style>
+        <p:txBody>
+          <a:bodyPr rtlCol="0" anchor="ctr"/>
+          <a:lstStyle/>
+          <a:p>
+            <a:pPr algn="ctr"/>
+            <a:endParaRPr kumimoji="1" lang="ja-JP" altLang="en-US" dirty="0"/>
+          </a:p>
+        </p:txBody>
+      </p:sp>
+      <p:cxnSp>
+        <p:nvCxnSpPr>
+          <p:cNvPr id="24" name="直線コネクタ 23"/>
+          <p:cNvCxnSpPr>
+            <a:stCxn id="23" idx="2"/>
+            <a:endCxn id="22" idx="6"/>
+          </p:cNvCxnSpPr>
+          <p:nvPr/>
+        </p:nvCxnSpPr>
+        <p:spPr>
+          <a:xfrm flipH="1">
+            <a:off x="7740352" y="4869160"/>
+            <a:ext cx="432048" cy="0"/>
+          </a:xfrm>
+          <a:prstGeom prst="line">
+            <a:avLst/>
+          </a:prstGeom>
+          <a:ln>
+            <a:solidFill>
+              <a:srgbClr val="FF0000"/>
+            </a:solidFill>
+            <a:headEnd type="none"/>
+            <a:tailEnd type="none"/>
+          </a:ln>
+          <a:effectLst/>
+        </p:spPr>
+        <p:style>
+          <a:lnRef idx="2">
+            <a:schemeClr val="accent1"/>
+          </a:lnRef>
+          <a:fillRef idx="0">
+            <a:schemeClr val="accent1"/>
+          </a:fillRef>
+          <a:effectRef idx="1">
+            <a:schemeClr val="accent1"/>
+          </a:effectRef>
+          <a:fontRef idx="minor">
+            <a:schemeClr val="tx1"/>
+          </a:fontRef>
+        </p:style>
+      </p:cxnSp>
+      <p:sp>
+        <p:nvSpPr>
+          <p:cNvPr id="25" name="左矢印 24"/>
+          <p:cNvSpPr/>
+          <p:nvPr/>
+        </p:nvSpPr>
+        <p:spPr>
+          <a:xfrm>
+            <a:off x="6228184" y="2492896"/>
+            <a:ext cx="504056" cy="412624"/>
+          </a:xfrm>
+          <a:prstGeom prst="leftArrow">
+            <a:avLst/>
+          </a:prstGeom>
+          <a:solidFill>
+            <a:srgbClr val="FF0000"/>
+          </a:solidFill>
+          <a:ln w="19050">
+            <a:solidFill>
+              <a:schemeClr val="tx1"/>
+            </a:solidFill>
+          </a:ln>
+        </p:spPr>
+        <p:txBody>
+          <a:bodyPr wrap="square" rtlCol="0" anchor="ctr">
+            <a:spAutoFit/>
+          </a:bodyPr>
+          <a:lstStyle/>
+          <a:p>
+            <a:pPr algn="ctr"/>
+            <a:endParaRPr kumimoji="1" lang="ja-JP" altLang="en-US" sz="2400" dirty="0" smtClean="0"/>
+          </a:p>
+        </p:txBody>
+      </p:sp>
+      <p:sp>
+        <p:nvSpPr>
+          <p:cNvPr id="26" name="左矢印 25"/>
+          <p:cNvSpPr/>
+          <p:nvPr/>
+        </p:nvSpPr>
+        <p:spPr>
+          <a:xfrm rot="10800000">
+            <a:off x="6228184" y="4653136"/>
+            <a:ext cx="504056" cy="412624"/>
+          </a:xfrm>
+          <a:prstGeom prst="leftArrow">
+            <a:avLst/>
+          </a:prstGeom>
+          <a:solidFill>
+            <a:srgbClr val="FF0000"/>
+          </a:solidFill>
+          <a:ln w="19050">
+            <a:solidFill>
+              <a:schemeClr val="tx1"/>
+            </a:solidFill>
+          </a:ln>
+        </p:spPr>
+        <p:txBody>
+          <a:bodyPr wrap="square" rtlCol="0" anchor="ctr">
+            <a:spAutoFit/>
+          </a:bodyPr>
+          <a:lstStyle/>
+          <a:p>
+            <a:pPr algn="ctr"/>
+            <a:endParaRPr kumimoji="1" lang="ja-JP" altLang="en-US" sz="2400" dirty="0" smtClean="0"/>
+          </a:p>
+        </p:txBody>
+      </p:sp>
+      <p:sp>
+        <p:nvSpPr>
+          <p:cNvPr id="27" name="テキスト ボックス 26"/>
+          <p:cNvSpPr txBox="1"/>
+          <p:nvPr/>
+        </p:nvSpPr>
+        <p:spPr>
+          <a:xfrm>
+            <a:off x="5868144" y="1988840"/>
+            <a:ext cx="1249060" cy="461665"/>
+          </a:xfrm>
+          <a:prstGeom prst="rect">
+            <a:avLst/>
+          </a:prstGeom>
+          <a:noFill/>
+        </p:spPr>
+        <p:txBody>
+          <a:bodyPr wrap="none" rtlCol="0">
+            <a:spAutoFit/>
+          </a:bodyPr>
+          <a:lstStyle/>
+          <a:p>
+            <a:r>
+              <a:rPr kumimoji="1" lang="en-US" altLang="ja-JP" sz="2400" dirty="0" smtClean="0"/>
+              <a:t>git clone</a:t>
+            </a:r>
+            <a:endParaRPr kumimoji="1" lang="ja-JP" altLang="en-US" sz="2400" dirty="0" smtClean="0"/>
+          </a:p>
+        </p:txBody>
+      </p:sp>
+      <p:sp>
+        <p:nvSpPr>
+          <p:cNvPr id="28" name="テキスト ボックス 27"/>
+          <p:cNvSpPr txBox="1"/>
+          <p:nvPr/>
+        </p:nvSpPr>
+        <p:spPr>
+          <a:xfrm>
+            <a:off x="5868144" y="4221088"/>
+            <a:ext cx="1176925" cy="461665"/>
+          </a:xfrm>
+          <a:prstGeom prst="rect">
+            <a:avLst/>
+          </a:prstGeom>
+          <a:noFill/>
+        </p:spPr>
+        <p:txBody>
+          <a:bodyPr wrap="none" rtlCol="0">
+            <a:spAutoFit/>
+          </a:bodyPr>
+          <a:lstStyle/>
+          <a:p>
+            <a:r>
+              <a:rPr kumimoji="1" lang="en-US" altLang="ja-JP" sz="2400" dirty="0" smtClean="0"/>
+              <a:t>git push</a:t>
+            </a:r>
+            <a:endParaRPr kumimoji="1" lang="ja-JP" altLang="en-US" sz="2400" dirty="0" smtClean="0"/>
+          </a:p>
+        </p:txBody>
+      </p:sp>
+      <p:sp>
+        <p:nvSpPr>
+          <p:cNvPr id="32" name="テキスト ボックス 31"/>
+          <p:cNvSpPr txBox="1"/>
+          <p:nvPr/>
+        </p:nvSpPr>
+        <p:spPr>
+          <a:xfrm>
+            <a:off x="7380312" y="692696"/>
+            <a:ext cx="1067921" cy="461665"/>
+          </a:xfrm>
+          <a:prstGeom prst="rect">
+            <a:avLst/>
+          </a:prstGeom>
+          <a:noFill/>
+        </p:spPr>
+        <p:txBody>
+          <a:bodyPr wrap="none" rtlCol="0">
+            <a:spAutoFit/>
+          </a:bodyPr>
+          <a:lstStyle/>
+          <a:p>
+            <a:r>
+              <a:rPr kumimoji="1" lang="en-US" altLang="ja-JP" sz="2400" dirty="0" smtClean="0"/>
+              <a:t>GitHub</a:t>
+            </a:r>
+            <a:endParaRPr kumimoji="1" lang="ja-JP" altLang="en-US" sz="2400" dirty="0" smtClean="0"/>
+          </a:p>
+        </p:txBody>
+      </p:sp>
+      <p:sp>
+        <p:nvSpPr>
+          <p:cNvPr id="34" name="テキスト ボックス 33"/>
+          <p:cNvSpPr txBox="1"/>
+          <p:nvPr/>
+        </p:nvSpPr>
+        <p:spPr>
+          <a:xfrm>
+            <a:off x="4337336" y="692696"/>
+            <a:ext cx="1314784" cy="461665"/>
+          </a:xfrm>
+          <a:prstGeom prst="rect">
+            <a:avLst/>
+          </a:prstGeom>
+          <a:noFill/>
+        </p:spPr>
+        <p:txBody>
+          <a:bodyPr wrap="none" rtlCol="0">
+            <a:spAutoFit/>
+          </a:bodyPr>
+          <a:lstStyle/>
+          <a:p>
+            <a:r>
+              <a:rPr kumimoji="1" lang="ja-JP" altLang="en-US" sz="2400" dirty="0" smtClean="0"/>
+              <a:t>ローカル</a:t>
+            </a:r>
+            <a:endParaRPr kumimoji="1" lang="ja-JP" altLang="en-US" sz="2400" dirty="0" smtClean="0"/>
+          </a:p>
+        </p:txBody>
+      </p:sp>
+      <p:sp>
+        <p:nvSpPr>
+          <p:cNvPr id="35" name="テキスト ボックス 34"/>
+          <p:cNvSpPr txBox="1"/>
+          <p:nvPr/>
+        </p:nvSpPr>
+        <p:spPr>
+          <a:xfrm>
+            <a:off x="107504" y="1412776"/>
+            <a:ext cx="3635932" cy="461665"/>
+          </a:xfrm>
+          <a:prstGeom prst="rect">
+            <a:avLst/>
+          </a:prstGeom>
+          <a:noFill/>
+        </p:spPr>
+        <p:txBody>
+          <a:bodyPr wrap="none" rtlCol="0">
+            <a:spAutoFit/>
+          </a:bodyPr>
+          <a:lstStyle/>
+          <a:p>
+            <a:r>
+              <a:rPr kumimoji="1" lang="en-US" altLang="ja-JP" sz="2400" dirty="0" smtClean="0"/>
+              <a:t>1 GitHub</a:t>
+            </a:r>
+            <a:r>
+              <a:rPr kumimoji="1" lang="ja-JP" altLang="en-US" sz="2400" dirty="0" smtClean="0"/>
+              <a:t>でリポジトリを作る</a:t>
+            </a:r>
+            <a:endParaRPr kumimoji="1" lang="ja-JP" altLang="en-US" sz="2400" dirty="0" smtClean="0"/>
+          </a:p>
+        </p:txBody>
+      </p:sp>
+      <p:sp>
+        <p:nvSpPr>
+          <p:cNvPr id="36" name="テキスト ボックス 35"/>
+          <p:cNvSpPr txBox="1"/>
+          <p:nvPr/>
+        </p:nvSpPr>
+        <p:spPr>
+          <a:xfrm>
+            <a:off x="107504" y="2492896"/>
+            <a:ext cx="3579339" cy="461665"/>
+          </a:xfrm>
+          <a:prstGeom prst="rect">
+            <a:avLst/>
+          </a:prstGeom>
+          <a:noFill/>
+        </p:spPr>
+        <p:txBody>
+          <a:bodyPr wrap="square" rtlCol="0">
+            <a:spAutoFit/>
+          </a:bodyPr>
+          <a:lstStyle/>
+          <a:p>
+            <a:r>
+              <a:rPr lang="en-US" altLang="ja-JP" sz="2400" dirty="0"/>
+              <a:t>2</a:t>
+            </a:r>
+            <a:r>
+              <a:rPr kumimoji="1" lang="en-US" altLang="ja-JP" sz="2400" dirty="0" smtClean="0"/>
+              <a:t> </a:t>
+            </a:r>
+            <a:r>
+              <a:rPr kumimoji="1" lang="ja-JP" altLang="en-US" sz="2400" dirty="0" smtClean="0"/>
+              <a:t>ローカルにクローン</a:t>
+            </a:r>
+            <a:endParaRPr kumimoji="1" lang="ja-JP" altLang="en-US" sz="2400" dirty="0" smtClean="0"/>
+          </a:p>
+        </p:txBody>
+      </p:sp>
+      <p:sp>
+        <p:nvSpPr>
+          <p:cNvPr id="37" name="テキスト ボックス 36"/>
+          <p:cNvSpPr txBox="1"/>
+          <p:nvPr/>
+        </p:nvSpPr>
+        <p:spPr>
+          <a:xfrm>
+            <a:off x="107504" y="3573016"/>
+            <a:ext cx="3903847" cy="461665"/>
+          </a:xfrm>
+          <a:prstGeom prst="rect">
+            <a:avLst/>
+          </a:prstGeom>
+          <a:noFill/>
+        </p:spPr>
+        <p:txBody>
+          <a:bodyPr wrap="square" rtlCol="0">
+            <a:spAutoFit/>
+          </a:bodyPr>
+          <a:lstStyle/>
+          <a:p>
+            <a:r>
+              <a:rPr lang="en-US" altLang="ja-JP" sz="2400" dirty="0" smtClean="0"/>
+              <a:t>3 </a:t>
+            </a:r>
+            <a:r>
+              <a:rPr lang="ja-JP" altLang="en-US" sz="2400" dirty="0" smtClean="0"/>
+              <a:t>ローカルで修正 </a:t>
+            </a:r>
+            <a:r>
+              <a:rPr lang="en-US" altLang="ja-JP" sz="2400" dirty="0" smtClean="0"/>
+              <a:t>(</a:t>
+            </a:r>
+            <a:r>
+              <a:rPr lang="ja-JP" altLang="en-US" sz="2400" dirty="0" smtClean="0"/>
+              <a:t>歴史追加</a:t>
+            </a:r>
+            <a:r>
+              <a:rPr lang="en-US" altLang="ja-JP" sz="2400" dirty="0" smtClean="0"/>
+              <a:t>)</a:t>
+            </a:r>
+            <a:endParaRPr kumimoji="1" lang="ja-JP" altLang="en-US" sz="2400" dirty="0" smtClean="0"/>
+          </a:p>
+        </p:txBody>
+      </p:sp>
+      <p:sp>
+        <p:nvSpPr>
+          <p:cNvPr id="38" name="テキスト ボックス 37"/>
+          <p:cNvSpPr txBox="1"/>
+          <p:nvPr/>
+        </p:nvSpPr>
+        <p:spPr>
+          <a:xfrm>
+            <a:off x="107504" y="4653136"/>
+            <a:ext cx="3903847" cy="461665"/>
+          </a:xfrm>
+          <a:prstGeom prst="rect">
+            <a:avLst/>
+          </a:prstGeom>
+          <a:noFill/>
+        </p:spPr>
+        <p:txBody>
+          <a:bodyPr wrap="square" rtlCol="0">
+            <a:spAutoFit/>
+          </a:bodyPr>
+          <a:lstStyle/>
+          <a:p>
+            <a:r>
+              <a:rPr lang="en-US" altLang="ja-JP" sz="2400" dirty="0" smtClean="0"/>
+              <a:t>4 </a:t>
+            </a:r>
+            <a:r>
+              <a:rPr lang="ja-JP" altLang="en-US" sz="2400" dirty="0" smtClean="0"/>
+              <a:t>リモートにプッシュ</a:t>
+            </a:r>
+            <a:endParaRPr kumimoji="1" lang="ja-JP" altLang="en-US" sz="2400" dirty="0" smtClean="0"/>
+          </a:p>
+        </p:txBody>
+      </p:sp>
+    </p:spTree>
+    <p:extLst>
+      <p:ext uri="{BB962C8B-B14F-4D97-AF65-F5344CB8AC3E}">
+        <p14:creationId xmlns:p14="http://schemas.microsoft.com/office/powerpoint/2010/main" val="88631909"/>
+      </p:ext>
+    </p:extLst>
+  </p:cSld>
+  <p:clrMapOvr>
+    <a:masterClrMapping/>
+  </p:clrMapOvr>
+</p:sld>
+</file>
+
+<file path=ppt/slides/slide6.xml><?xml version="1.0" encoding="utf-8"?>
+<p:sld xmlns:a="http://schemas.openxmlformats.org/drawingml/2006/main" xmlns:r="http://schemas.openxmlformats.org/officeDocument/2006/relationships" xmlns:p="http://schemas.openxmlformats.org/presentationml/2006/main">
+  <p:cSld>
+    <p:spTree>
+      <p:nvGrpSpPr>
+        <p:cNvPr id="1" name=""/>
+        <p:cNvGrpSpPr/>
+        <p:nvPr/>
+      </p:nvGrpSpPr>
+      <p:grpSpPr>
+        <a:xfrm>
+          <a:off x="0" y="0"/>
+          <a:ext cx="0" cy="0"/>
+          <a:chOff x="0" y="0"/>
+          <a:chExt cx="0" cy="0"/>
+        </a:xfrm>
+      </p:grpSpPr>
+      <p:sp>
+        <p:nvSpPr>
+          <p:cNvPr id="33" name="正方形/長方形 32"/>
+          <p:cNvSpPr/>
+          <p:nvPr/>
+        </p:nvSpPr>
+        <p:spPr>
+          <a:xfrm>
+            <a:off x="4067944" y="548680"/>
+            <a:ext cx="1872208" cy="5040560"/>
+          </a:xfrm>
+          <a:prstGeom prst="rect">
+            <a:avLst/>
+          </a:prstGeom>
+          <a:solidFill>
+            <a:schemeClr val="accent3">
+              <a:lumMod val="20000"/>
+              <a:lumOff val="80000"/>
+            </a:schemeClr>
+          </a:solidFill>
+          <a:ln w="57150">
+            <a:noFill/>
+          </a:ln>
+        </p:spPr>
+        <p:txBody>
+          <a:bodyPr wrap="square" rtlCol="0" anchor="ctr">
+            <a:spAutoFit/>
+          </a:bodyPr>
+          <a:lstStyle/>
+          <a:p>
+            <a:pPr algn="ctr"/>
+            <a:endParaRPr kumimoji="1" lang="ja-JP" altLang="en-US" sz="2400" dirty="0" smtClean="0"/>
+          </a:p>
+        </p:txBody>
+      </p:sp>
+      <p:sp>
+        <p:nvSpPr>
+          <p:cNvPr id="31" name="正方形/長方形 30"/>
+          <p:cNvSpPr/>
+          <p:nvPr/>
+        </p:nvSpPr>
+        <p:spPr>
+          <a:xfrm>
+            <a:off x="7020272" y="548680"/>
+            <a:ext cx="1872208" cy="5040560"/>
+          </a:xfrm>
+          <a:prstGeom prst="rect">
+            <a:avLst/>
+          </a:prstGeom>
+          <a:solidFill>
+            <a:schemeClr val="accent6">
+              <a:lumMod val="20000"/>
+              <a:lumOff val="80000"/>
+            </a:schemeClr>
+          </a:solidFill>
+          <a:ln w="57150">
+            <a:noFill/>
+          </a:ln>
+        </p:spPr>
+        <p:txBody>
+          <a:bodyPr wrap="square" rtlCol="0" anchor="ctr">
+            <a:spAutoFit/>
+          </a:bodyPr>
+          <a:lstStyle/>
+          <a:p>
+            <a:pPr algn="ctr"/>
+            <a:endParaRPr kumimoji="1" lang="ja-JP" altLang="en-US" sz="2400" dirty="0" smtClean="0"/>
+          </a:p>
+        </p:txBody>
+      </p:sp>
+      <p:sp>
+        <p:nvSpPr>
+          <p:cNvPr id="2" name="角丸四角形 1"/>
+          <p:cNvSpPr/>
+          <p:nvPr/>
+        </p:nvSpPr>
+        <p:spPr>
+          <a:xfrm>
+            <a:off x="4283968" y="1340768"/>
+            <a:ext cx="1440160" cy="576064"/>
+          </a:xfrm>
+          <a:prstGeom prst="roundRect">
+            <a:avLst/>
+          </a:prstGeom>
+          <a:noFill/>
+          <a:ln w="28575">
+            <a:solidFill>
+              <a:schemeClr val="tx1"/>
+            </a:solidFill>
+            <a:prstDash val="dash"/>
+          </a:ln>
+        </p:spPr>
+        <p:style>
+          <a:lnRef idx="2">
+            <a:schemeClr val="accent1">
+              <a:shade val="50000"/>
+            </a:schemeClr>
+          </a:lnRef>
+          <a:fillRef idx="1">
+            <a:schemeClr val="accent1"/>
+          </a:fillRef>
+          <a:effectRef idx="0">
+            <a:schemeClr val="accent1"/>
+          </a:effectRef>
+          <a:fontRef idx="minor">
+            <a:schemeClr val="lt1"/>
+          </a:fontRef>
+        </p:style>
+        <p:txBody>
+          <a:bodyPr rtlCol="0" anchor="ctr"/>
+          <a:lstStyle/>
+          <a:p>
+            <a:pPr algn="ctr"/>
+            <a:endParaRPr kumimoji="1" lang="ja-JP" altLang="en-US" dirty="0"/>
+          </a:p>
+        </p:txBody>
+      </p:sp>
+      <p:sp>
+        <p:nvSpPr>
+          <p:cNvPr id="3" name="楕円 2"/>
+          <p:cNvSpPr/>
+          <p:nvPr/>
+        </p:nvSpPr>
+        <p:spPr>
+          <a:xfrm>
+            <a:off x="4860032" y="1484784"/>
+            <a:ext cx="288032" cy="288032"/>
+          </a:xfrm>
+          <a:prstGeom prst="ellipse">
+            <a:avLst/>
+          </a:prstGeom>
+          <a:solidFill>
+            <a:srgbClr val="FF0000"/>
+          </a:solidFill>
+          <a:ln>
+            <a:solidFill>
+              <a:schemeClr val="tx1"/>
+            </a:solidFill>
+          </a:ln>
+        </p:spPr>
+        <p:style>
+          <a:lnRef idx="2">
+            <a:schemeClr val="accent1">
+              <a:shade val="50000"/>
+            </a:schemeClr>
+          </a:lnRef>
+          <a:fillRef idx="1">
+            <a:schemeClr val="accent1"/>
+          </a:fillRef>
+          <a:effectRef idx="0">
+            <a:schemeClr val="accent1"/>
+          </a:effectRef>
+          <a:fontRef idx="minor">
+            <a:schemeClr val="lt1"/>
+          </a:fontRef>
+        </p:style>
+        <p:txBody>
+          <a:bodyPr rtlCol="0" anchor="ctr"/>
+          <a:lstStyle/>
+          <a:p>
+            <a:pPr algn="ctr"/>
+            <a:endParaRPr kumimoji="1" lang="ja-JP" altLang="en-US" dirty="0"/>
+          </a:p>
+        </p:txBody>
+      </p:sp>
+      <p:sp>
+        <p:nvSpPr>
+          <p:cNvPr id="4" name="角丸四角形 3"/>
+          <p:cNvSpPr/>
+          <p:nvPr/>
+        </p:nvSpPr>
+        <p:spPr>
+          <a:xfrm>
+            <a:off x="7236296" y="2420888"/>
+            <a:ext cx="1440160" cy="576064"/>
+          </a:xfrm>
+          <a:prstGeom prst="roundRect">
+            <a:avLst/>
+          </a:prstGeom>
+          <a:noFill/>
+          <a:ln w="28575">
+            <a:solidFill>
+              <a:srgbClr val="FF0000"/>
+            </a:solidFill>
+            <a:prstDash val="dash"/>
+          </a:ln>
+        </p:spPr>
+        <p:style>
+          <a:lnRef idx="2">
+            <a:schemeClr val="accent1">
+              <a:shade val="50000"/>
+            </a:schemeClr>
+          </a:lnRef>
+          <a:fillRef idx="1">
+            <a:schemeClr val="accent1"/>
+          </a:fillRef>
+          <a:effectRef idx="0">
+            <a:schemeClr val="accent1"/>
+          </a:effectRef>
+          <a:fontRef idx="minor">
+            <a:schemeClr val="lt1"/>
+          </a:fontRef>
+        </p:style>
+        <p:txBody>
+          <a:bodyPr rtlCol="0" anchor="ctr"/>
+          <a:lstStyle/>
+          <a:p>
+            <a:pPr algn="ctr"/>
+            <a:endParaRPr kumimoji="1" lang="ja-JP" altLang="en-US" dirty="0"/>
+          </a:p>
+        </p:txBody>
+      </p:sp>
+      <p:sp>
+        <p:nvSpPr>
+          <p:cNvPr id="6" name="角丸四角形 5"/>
+          <p:cNvSpPr/>
+          <p:nvPr/>
+        </p:nvSpPr>
+        <p:spPr>
+          <a:xfrm>
+            <a:off x="4283968" y="2420888"/>
+            <a:ext cx="1440160" cy="576064"/>
+          </a:xfrm>
+          <a:prstGeom prst="roundRect">
+            <a:avLst/>
+          </a:prstGeom>
+          <a:noFill/>
+          <a:ln w="28575">
+            <a:solidFill>
+              <a:schemeClr val="tx1"/>
+            </a:solidFill>
+            <a:prstDash val="dash"/>
+          </a:ln>
+        </p:spPr>
+        <p:style>
+          <a:lnRef idx="2">
+            <a:schemeClr val="accent1">
+              <a:shade val="50000"/>
+            </a:schemeClr>
+          </a:lnRef>
+          <a:fillRef idx="1">
+            <a:schemeClr val="accent1"/>
+          </a:fillRef>
+          <a:effectRef idx="0">
+            <a:schemeClr val="accent1"/>
+          </a:effectRef>
+          <a:fontRef idx="minor">
+            <a:schemeClr val="lt1"/>
+          </a:fontRef>
+        </p:style>
+        <p:txBody>
+          <a:bodyPr rtlCol="0" anchor="ctr"/>
+          <a:lstStyle/>
+          <a:p>
+            <a:pPr algn="ctr"/>
+            <a:endParaRPr kumimoji="1" lang="ja-JP" altLang="en-US" dirty="0"/>
+          </a:p>
+        </p:txBody>
+      </p:sp>
+      <p:sp>
+        <p:nvSpPr>
+          <p:cNvPr id="7" name="楕円 6"/>
+          <p:cNvSpPr/>
+          <p:nvPr/>
+        </p:nvSpPr>
+        <p:spPr>
+          <a:xfrm>
+            <a:off x="4860032" y="2564904"/>
+            <a:ext cx="288032" cy="288032"/>
+          </a:xfrm>
+          <a:prstGeom prst="ellipse">
+            <a:avLst/>
+          </a:prstGeom>
+          <a:solidFill>
+            <a:srgbClr val="011893"/>
+          </a:solidFill>
+          <a:ln>
+            <a:solidFill>
+              <a:schemeClr val="tx1"/>
+            </a:solidFill>
+          </a:ln>
+        </p:spPr>
+        <p:style>
+          <a:lnRef idx="2">
+            <a:schemeClr val="accent1">
+              <a:shade val="50000"/>
+            </a:schemeClr>
+          </a:lnRef>
+          <a:fillRef idx="1">
+            <a:schemeClr val="accent1"/>
+          </a:fillRef>
+          <a:effectRef idx="0">
+            <a:schemeClr val="accent1"/>
+          </a:effectRef>
+          <a:fontRef idx="minor">
+            <a:schemeClr val="lt1"/>
+          </a:fontRef>
+        </p:style>
+        <p:txBody>
+          <a:bodyPr rtlCol="0" anchor="ctr"/>
+          <a:lstStyle/>
+          <a:p>
+            <a:pPr algn="ctr"/>
+            <a:endParaRPr kumimoji="1" lang="ja-JP" altLang="en-US" dirty="0"/>
+          </a:p>
+        </p:txBody>
+      </p:sp>
+      <p:sp>
+        <p:nvSpPr>
+          <p:cNvPr id="13" name="角丸四角形 12"/>
+          <p:cNvSpPr/>
+          <p:nvPr/>
+        </p:nvSpPr>
+        <p:spPr>
+          <a:xfrm>
+            <a:off x="7236296" y="3501008"/>
+            <a:ext cx="1440160" cy="576064"/>
+          </a:xfrm>
+          <a:prstGeom prst="roundRect">
+            <a:avLst/>
+          </a:prstGeom>
+          <a:noFill/>
+          <a:ln w="28575">
+            <a:solidFill>
+              <a:schemeClr val="tx1"/>
+            </a:solidFill>
+            <a:prstDash val="dash"/>
+          </a:ln>
+        </p:spPr>
+        <p:style>
+          <a:lnRef idx="2">
+            <a:schemeClr val="accent1">
+              <a:shade val="50000"/>
+            </a:schemeClr>
+          </a:lnRef>
+          <a:fillRef idx="1">
+            <a:schemeClr val="accent1"/>
+          </a:fillRef>
+          <a:effectRef idx="0">
+            <a:schemeClr val="accent1"/>
+          </a:effectRef>
+          <a:fontRef idx="minor">
+            <a:schemeClr val="lt1"/>
+          </a:fontRef>
+        </p:style>
+        <p:txBody>
+          <a:bodyPr rtlCol="0" anchor="ctr"/>
+          <a:lstStyle/>
+          <a:p>
+            <a:pPr algn="ctr"/>
+            <a:endParaRPr kumimoji="1" lang="ja-JP" altLang="en-US" dirty="0"/>
+          </a:p>
+        </p:txBody>
+      </p:sp>
+      <p:sp>
+        <p:nvSpPr>
+          <p:cNvPr id="15" name="角丸四角形 14"/>
+          <p:cNvSpPr/>
+          <p:nvPr/>
+        </p:nvSpPr>
+        <p:spPr>
+          <a:xfrm>
+            <a:off x="4283968" y="4581128"/>
+            <a:ext cx="1440160" cy="576064"/>
+          </a:xfrm>
+          <a:prstGeom prst="roundRect">
+            <a:avLst/>
+          </a:prstGeom>
+          <a:noFill/>
+          <a:ln w="28575">
+            <a:solidFill>
+              <a:schemeClr val="tx1"/>
+            </a:solidFill>
+            <a:prstDash val="dash"/>
+          </a:ln>
+        </p:spPr>
+        <p:style>
+          <a:lnRef idx="2">
+            <a:schemeClr val="accent1">
+              <a:shade val="50000"/>
+            </a:schemeClr>
+          </a:lnRef>
+          <a:fillRef idx="1">
+            <a:schemeClr val="accent1"/>
+          </a:fillRef>
+          <a:effectRef idx="0">
+            <a:schemeClr val="accent1"/>
+          </a:effectRef>
+          <a:fontRef idx="minor">
+            <a:schemeClr val="lt1"/>
+          </a:fontRef>
+        </p:style>
+        <p:txBody>
+          <a:bodyPr rtlCol="0" anchor="ctr"/>
+          <a:lstStyle/>
+          <a:p>
+            <a:pPr algn="ctr"/>
+            <a:endParaRPr kumimoji="1" lang="ja-JP" altLang="en-US" dirty="0"/>
+          </a:p>
+        </p:txBody>
+      </p:sp>
+      <p:sp>
+        <p:nvSpPr>
+          <p:cNvPr id="16" name="楕円 15"/>
+          <p:cNvSpPr/>
+          <p:nvPr/>
+        </p:nvSpPr>
+        <p:spPr>
+          <a:xfrm>
+            <a:off x="4860032" y="4725144"/>
+            <a:ext cx="288032" cy="288032"/>
+          </a:xfrm>
+          <a:prstGeom prst="ellipse">
+            <a:avLst/>
+          </a:prstGeom>
+          <a:solidFill>
+            <a:srgbClr val="011893"/>
+          </a:solidFill>
+          <a:ln>
+            <a:solidFill>
+              <a:schemeClr val="tx1"/>
+            </a:solidFill>
+          </a:ln>
+        </p:spPr>
+        <p:style>
+          <a:lnRef idx="2">
+            <a:schemeClr val="accent1">
+              <a:shade val="50000"/>
+            </a:schemeClr>
+          </a:lnRef>
+          <a:fillRef idx="1">
+            <a:schemeClr val="accent1"/>
+          </a:fillRef>
+          <a:effectRef idx="0">
+            <a:schemeClr val="accent1"/>
+          </a:effectRef>
+          <a:fontRef idx="minor">
+            <a:schemeClr val="lt1"/>
+          </a:fontRef>
+        </p:style>
+        <p:txBody>
+          <a:bodyPr rtlCol="0" anchor="ctr"/>
+          <a:lstStyle/>
+          <a:p>
+            <a:pPr algn="ctr"/>
+            <a:endParaRPr kumimoji="1" lang="ja-JP" altLang="en-US" dirty="0"/>
+          </a:p>
+        </p:txBody>
+      </p:sp>
+      <p:sp>
+        <p:nvSpPr>
+          <p:cNvPr id="21" name="角丸四角形 20"/>
+          <p:cNvSpPr/>
+          <p:nvPr/>
+        </p:nvSpPr>
+        <p:spPr>
+          <a:xfrm>
+            <a:off x="7236296" y="4581128"/>
+            <a:ext cx="1440160" cy="576064"/>
+          </a:xfrm>
+          <a:prstGeom prst="roundRect">
+            <a:avLst/>
+          </a:prstGeom>
+          <a:noFill/>
+          <a:ln w="28575">
+            <a:solidFill>
+              <a:schemeClr val="tx1"/>
+            </a:solidFill>
+            <a:prstDash val="dash"/>
+          </a:ln>
+        </p:spPr>
+        <p:style>
+          <a:lnRef idx="2">
+            <a:schemeClr val="accent1">
+              <a:shade val="50000"/>
+            </a:schemeClr>
+          </a:lnRef>
+          <a:fillRef idx="1">
+            <a:schemeClr val="accent1"/>
+          </a:fillRef>
+          <a:effectRef idx="0">
+            <a:schemeClr val="accent1"/>
+          </a:effectRef>
+          <a:fontRef idx="minor">
+            <a:schemeClr val="lt1"/>
+          </a:fontRef>
+        </p:style>
+        <p:txBody>
+          <a:bodyPr rtlCol="0" anchor="ctr"/>
+          <a:lstStyle/>
+          <a:p>
+            <a:pPr algn="ctr"/>
+            <a:endParaRPr kumimoji="1" lang="ja-JP" altLang="en-US" dirty="0"/>
+          </a:p>
+        </p:txBody>
+      </p:sp>
+      <p:sp>
+        <p:nvSpPr>
+          <p:cNvPr id="23" name="楕円 22"/>
+          <p:cNvSpPr/>
+          <p:nvPr/>
+        </p:nvSpPr>
+        <p:spPr>
+          <a:xfrm>
+            <a:off x="7812360" y="4725144"/>
+            <a:ext cx="288032" cy="288032"/>
+          </a:xfrm>
+          <a:prstGeom prst="ellipse">
+            <a:avLst/>
+          </a:prstGeom>
+          <a:solidFill>
+            <a:srgbClr val="FF0000"/>
+          </a:solidFill>
+          <a:ln>
+            <a:solidFill>
+              <a:schemeClr val="tx1"/>
+            </a:solidFill>
+          </a:ln>
+        </p:spPr>
+        <p:style>
+          <a:lnRef idx="2">
+            <a:schemeClr val="accent1">
+              <a:shade val="50000"/>
+            </a:schemeClr>
+          </a:lnRef>
+          <a:fillRef idx="1">
+            <a:schemeClr val="accent1"/>
+          </a:fillRef>
+          <a:effectRef idx="0">
+            <a:schemeClr val="accent1"/>
+          </a:effectRef>
+          <a:fontRef idx="minor">
+            <a:schemeClr val="lt1"/>
+          </a:fontRef>
+        </p:style>
+        <p:txBody>
+          <a:bodyPr rtlCol="0" anchor="ctr"/>
+          <a:lstStyle/>
+          <a:p>
+            <a:pPr algn="ctr"/>
+            <a:endParaRPr kumimoji="1" lang="ja-JP" altLang="en-US" dirty="0"/>
+          </a:p>
+        </p:txBody>
+      </p:sp>
+      <p:sp>
+        <p:nvSpPr>
+          <p:cNvPr id="26" name="左矢印 25"/>
+          <p:cNvSpPr/>
+          <p:nvPr/>
+        </p:nvSpPr>
+        <p:spPr>
+          <a:xfrm rot="10800000">
+            <a:off x="6228184" y="4653136"/>
+            <a:ext cx="504056" cy="412624"/>
+          </a:xfrm>
+          <a:prstGeom prst="leftArrow">
+            <a:avLst/>
+          </a:prstGeom>
+          <a:solidFill>
+            <a:srgbClr val="FF0000"/>
+          </a:solidFill>
+          <a:ln w="19050">
+            <a:solidFill>
+              <a:schemeClr val="tx1"/>
+            </a:solidFill>
+          </a:ln>
+        </p:spPr>
+        <p:txBody>
+          <a:bodyPr wrap="square" rtlCol="0" anchor="ctr">
+            <a:spAutoFit/>
+          </a:bodyPr>
+          <a:lstStyle/>
+          <a:p>
+            <a:pPr algn="ctr"/>
+            <a:endParaRPr kumimoji="1" lang="ja-JP" altLang="en-US" sz="2400" dirty="0" smtClean="0"/>
+          </a:p>
+        </p:txBody>
+      </p:sp>
+      <p:sp>
+        <p:nvSpPr>
+          <p:cNvPr id="28" name="テキスト ボックス 27"/>
+          <p:cNvSpPr txBox="1"/>
+          <p:nvPr/>
+        </p:nvSpPr>
+        <p:spPr>
+          <a:xfrm>
+            <a:off x="5868144" y="4221088"/>
+            <a:ext cx="1176925" cy="461665"/>
+          </a:xfrm>
+          <a:prstGeom prst="rect">
+            <a:avLst/>
+          </a:prstGeom>
+          <a:noFill/>
+        </p:spPr>
+        <p:txBody>
+          <a:bodyPr wrap="none" rtlCol="0">
+            <a:spAutoFit/>
+          </a:bodyPr>
+          <a:lstStyle/>
+          <a:p>
+            <a:r>
+              <a:rPr kumimoji="1" lang="en-US" altLang="ja-JP" sz="2400" dirty="0" smtClean="0"/>
+              <a:t>git push</a:t>
+            </a:r>
+            <a:endParaRPr kumimoji="1" lang="ja-JP" altLang="en-US" sz="2400" dirty="0" smtClean="0"/>
+          </a:p>
+        </p:txBody>
+      </p:sp>
+      <p:sp>
+        <p:nvSpPr>
+          <p:cNvPr id="32" name="テキスト ボックス 31"/>
+          <p:cNvSpPr txBox="1"/>
+          <p:nvPr/>
+        </p:nvSpPr>
+        <p:spPr>
+          <a:xfrm>
+            <a:off x="7380312" y="692696"/>
+            <a:ext cx="1067921" cy="461665"/>
+          </a:xfrm>
+          <a:prstGeom prst="rect">
+            <a:avLst/>
+          </a:prstGeom>
+          <a:noFill/>
+        </p:spPr>
+        <p:txBody>
+          <a:bodyPr wrap="none" rtlCol="0">
+            <a:spAutoFit/>
+          </a:bodyPr>
+          <a:lstStyle/>
+          <a:p>
+            <a:r>
+              <a:rPr kumimoji="1" lang="en-US" altLang="ja-JP" sz="2400" dirty="0" smtClean="0"/>
+              <a:t>GitHub</a:t>
+            </a:r>
+            <a:endParaRPr kumimoji="1" lang="ja-JP" altLang="en-US" sz="2400" dirty="0" smtClean="0"/>
+          </a:p>
+        </p:txBody>
+      </p:sp>
+      <p:sp>
+        <p:nvSpPr>
+          <p:cNvPr id="34" name="テキスト ボックス 33"/>
+          <p:cNvSpPr txBox="1"/>
+          <p:nvPr/>
+        </p:nvSpPr>
+        <p:spPr>
+          <a:xfrm>
+            <a:off x="4337336" y="692696"/>
+            <a:ext cx="1314784" cy="461665"/>
+          </a:xfrm>
+          <a:prstGeom prst="rect">
+            <a:avLst/>
+          </a:prstGeom>
+          <a:noFill/>
+        </p:spPr>
+        <p:txBody>
+          <a:bodyPr wrap="none" rtlCol="0">
+            <a:spAutoFit/>
+          </a:bodyPr>
+          <a:lstStyle/>
+          <a:p>
+            <a:r>
+              <a:rPr kumimoji="1" lang="ja-JP" altLang="en-US" sz="2400" dirty="0" smtClean="0"/>
+              <a:t>ローカル</a:t>
+            </a:r>
+            <a:endParaRPr kumimoji="1" lang="ja-JP" altLang="en-US" sz="2400" dirty="0" smtClean="0"/>
+          </a:p>
+        </p:txBody>
+      </p:sp>
+      <p:sp>
+        <p:nvSpPr>
+          <p:cNvPr id="35" name="テキスト ボックス 34"/>
+          <p:cNvSpPr txBox="1"/>
+          <p:nvPr/>
+        </p:nvSpPr>
+        <p:spPr>
+          <a:xfrm>
+            <a:off x="107504" y="1412776"/>
+            <a:ext cx="3953326" cy="461665"/>
+          </a:xfrm>
+          <a:prstGeom prst="rect">
+            <a:avLst/>
+          </a:prstGeom>
+          <a:noFill/>
+        </p:spPr>
+        <p:txBody>
+          <a:bodyPr wrap="none" rtlCol="0">
+            <a:spAutoFit/>
+          </a:bodyPr>
+          <a:lstStyle/>
+          <a:p>
+            <a:r>
+              <a:rPr kumimoji="1" lang="en-US" altLang="ja-JP" sz="2400" dirty="0" smtClean="0"/>
+              <a:t>1. </a:t>
+            </a:r>
+            <a:r>
+              <a:rPr kumimoji="1" lang="ja-JP" altLang="en-US" sz="2400" dirty="0" smtClean="0"/>
+              <a:t>ローカルでリポジトリを作る</a:t>
+            </a:r>
+            <a:endParaRPr kumimoji="1" lang="ja-JP" altLang="en-US" sz="2400" dirty="0" smtClean="0"/>
+          </a:p>
+        </p:txBody>
+      </p:sp>
+      <p:sp>
+        <p:nvSpPr>
+          <p:cNvPr id="36" name="テキスト ボックス 35"/>
+          <p:cNvSpPr txBox="1"/>
+          <p:nvPr/>
+        </p:nvSpPr>
+        <p:spPr>
+          <a:xfrm>
+            <a:off x="107504" y="2492896"/>
+            <a:ext cx="4032448" cy="461665"/>
+          </a:xfrm>
+          <a:prstGeom prst="rect">
+            <a:avLst/>
+          </a:prstGeom>
+          <a:noFill/>
+        </p:spPr>
+        <p:txBody>
+          <a:bodyPr wrap="square" rtlCol="0">
+            <a:spAutoFit/>
+          </a:bodyPr>
+          <a:lstStyle/>
+          <a:p>
+            <a:r>
+              <a:rPr lang="en-US" altLang="ja-JP" sz="2400" dirty="0"/>
+              <a:t>2</a:t>
+            </a:r>
+            <a:r>
+              <a:rPr lang="en-US" altLang="ja-JP" sz="2400" dirty="0" smtClean="0"/>
+              <a:t>. </a:t>
+            </a:r>
+            <a:r>
+              <a:rPr kumimoji="1" lang="en-US" altLang="ja-JP" sz="2400" dirty="0" smtClean="0"/>
+              <a:t>GitHub</a:t>
+            </a:r>
+            <a:r>
+              <a:rPr kumimoji="1" lang="ja-JP" altLang="en-US" sz="2400" dirty="0" smtClean="0"/>
+              <a:t>に空リポジトリを作る</a:t>
+            </a:r>
+            <a:endParaRPr kumimoji="1" lang="ja-JP" altLang="en-US" sz="2400" dirty="0" smtClean="0"/>
+          </a:p>
+        </p:txBody>
+      </p:sp>
+      <p:sp>
+        <p:nvSpPr>
+          <p:cNvPr id="37" name="テキスト ボックス 36"/>
+          <p:cNvSpPr txBox="1"/>
+          <p:nvPr/>
+        </p:nvSpPr>
+        <p:spPr>
+          <a:xfrm>
+            <a:off x="107504" y="3573016"/>
+            <a:ext cx="3528392" cy="864096"/>
+          </a:xfrm>
+          <a:prstGeom prst="rect">
+            <a:avLst/>
+          </a:prstGeom>
+          <a:noFill/>
+        </p:spPr>
+        <p:txBody>
+          <a:bodyPr wrap="square" rtlCol="0">
+            <a:spAutoFit/>
+          </a:bodyPr>
+          <a:lstStyle/>
+          <a:p>
+            <a:r>
+              <a:rPr lang="en-US" altLang="ja-JP" sz="2400" dirty="0" smtClean="0"/>
+              <a:t>3. </a:t>
+            </a:r>
+            <a:r>
+              <a:rPr lang="ja-JP" altLang="en-US" sz="2400" dirty="0" smtClean="0"/>
+              <a:t>ローカルにリモートの</a:t>
+            </a:r>
+            <a:endParaRPr lang="en-US" altLang="ja-JP" sz="2400" dirty="0" smtClean="0"/>
+          </a:p>
+          <a:p>
+            <a:r>
+              <a:rPr lang="en-US" altLang="ja-JP" sz="2400" dirty="0"/>
+              <a:t> </a:t>
+            </a:r>
+            <a:r>
+              <a:rPr lang="en-US" altLang="ja-JP" sz="2400" dirty="0" smtClean="0"/>
+              <a:t>   </a:t>
+            </a:r>
+            <a:r>
+              <a:rPr lang="ja-JP" altLang="en-US" sz="2400" dirty="0" smtClean="0"/>
+              <a:t>場所を教える</a:t>
+            </a:r>
+            <a:endParaRPr kumimoji="1" lang="ja-JP" altLang="en-US" sz="2400" dirty="0" smtClean="0"/>
+          </a:p>
+        </p:txBody>
+      </p:sp>
+      <p:sp>
+        <p:nvSpPr>
+          <p:cNvPr id="38" name="テキスト ボックス 37"/>
+          <p:cNvSpPr txBox="1"/>
+          <p:nvPr/>
+        </p:nvSpPr>
+        <p:spPr>
+          <a:xfrm>
+            <a:off x="107504" y="4653136"/>
+            <a:ext cx="3903847" cy="461665"/>
+          </a:xfrm>
+          <a:prstGeom prst="rect">
+            <a:avLst/>
+          </a:prstGeom>
+          <a:noFill/>
+        </p:spPr>
+        <p:txBody>
+          <a:bodyPr wrap="square" rtlCol="0">
+            <a:spAutoFit/>
+          </a:bodyPr>
+          <a:lstStyle/>
+          <a:p>
+            <a:r>
+              <a:rPr lang="en-US" altLang="ja-JP" sz="2400" dirty="0" smtClean="0"/>
+              <a:t>4. </a:t>
+            </a:r>
+            <a:r>
+              <a:rPr lang="ja-JP" altLang="en-US" sz="2400" dirty="0" smtClean="0"/>
+              <a:t>リモートにプッシュ</a:t>
+            </a:r>
+            <a:endParaRPr kumimoji="1" lang="ja-JP" altLang="en-US" sz="2400" dirty="0" smtClean="0"/>
+          </a:p>
+        </p:txBody>
+      </p:sp>
+      <p:sp>
+        <p:nvSpPr>
+          <p:cNvPr id="39" name="角丸四角形 38"/>
+          <p:cNvSpPr/>
+          <p:nvPr/>
+        </p:nvSpPr>
+        <p:spPr>
+          <a:xfrm>
+            <a:off x="4283968" y="3501008"/>
+            <a:ext cx="1440160" cy="576064"/>
+          </a:xfrm>
+          <a:prstGeom prst="roundRect">
+            <a:avLst/>
+          </a:prstGeom>
+          <a:noFill/>
+          <a:ln w="28575">
+            <a:solidFill>
+              <a:schemeClr val="tx1"/>
+            </a:solidFill>
+            <a:prstDash val="dash"/>
+          </a:ln>
+        </p:spPr>
+        <p:style>
+          <a:lnRef idx="2">
+            <a:schemeClr val="accent1">
+              <a:shade val="50000"/>
+            </a:schemeClr>
+          </a:lnRef>
+          <a:fillRef idx="1">
+            <a:schemeClr val="accent1"/>
+          </a:fillRef>
+          <a:effectRef idx="0">
+            <a:schemeClr val="accent1"/>
+          </a:effectRef>
+          <a:fontRef idx="minor">
+            <a:schemeClr val="lt1"/>
+          </a:fontRef>
+        </p:style>
+        <p:txBody>
+          <a:bodyPr rtlCol="0" anchor="ctr"/>
+          <a:lstStyle/>
+          <a:p>
+            <a:pPr algn="ctr"/>
+            <a:endParaRPr kumimoji="1" lang="ja-JP" altLang="en-US" dirty="0"/>
+          </a:p>
+        </p:txBody>
+      </p:sp>
+      <p:sp>
+        <p:nvSpPr>
+          <p:cNvPr id="40" name="楕円 39"/>
+          <p:cNvSpPr/>
+          <p:nvPr/>
+        </p:nvSpPr>
+        <p:spPr>
+          <a:xfrm>
+            <a:off x="4860032" y="3645024"/>
+            <a:ext cx="288032" cy="288032"/>
+          </a:xfrm>
+          <a:prstGeom prst="ellipse">
+            <a:avLst/>
+          </a:prstGeom>
+          <a:solidFill>
+            <a:srgbClr val="011893"/>
+          </a:solidFill>
+          <a:ln>
+            <a:solidFill>
+              <a:schemeClr val="tx1"/>
+            </a:solidFill>
+          </a:ln>
+        </p:spPr>
+        <p:style>
+          <a:lnRef idx="2">
+            <a:schemeClr val="accent1">
+              <a:shade val="50000"/>
+            </a:schemeClr>
+          </a:lnRef>
+          <a:fillRef idx="1">
+            <a:schemeClr val="accent1"/>
+          </a:fillRef>
+          <a:effectRef idx="0">
+            <a:schemeClr val="accent1"/>
+          </a:effectRef>
+          <a:fontRef idx="minor">
+            <a:schemeClr val="lt1"/>
+          </a:fontRef>
+        </p:style>
+        <p:txBody>
+          <a:bodyPr rtlCol="0" anchor="ctr"/>
+          <a:lstStyle/>
+          <a:p>
+            <a:pPr algn="ctr"/>
+            <a:endParaRPr kumimoji="1" lang="ja-JP" altLang="en-US" dirty="0"/>
+          </a:p>
+        </p:txBody>
+      </p:sp>
+      <p:cxnSp>
+        <p:nvCxnSpPr>
+          <p:cNvPr id="19" name="直線コネクタ 18"/>
+          <p:cNvCxnSpPr>
+            <a:stCxn id="39" idx="3"/>
+          </p:cNvCxnSpPr>
+          <p:nvPr/>
+        </p:nvCxnSpPr>
+        <p:spPr>
+          <a:xfrm>
+            <a:off x="5724128" y="3789040"/>
+            <a:ext cx="1512168" cy="0"/>
+          </a:xfrm>
+          <a:prstGeom prst="line">
+            <a:avLst/>
+          </a:prstGeom>
+          <a:ln w="44450">
+            <a:solidFill>
+              <a:srgbClr val="FF0000"/>
+            </a:solidFill>
+            <a:headEnd type="none" w="med" len="med"/>
+            <a:tailEnd type="triangle" w="lg" len="lg"/>
+          </a:ln>
+          <a:effectLst/>
+        </p:spPr>
+        <p:style>
+          <a:lnRef idx="2">
+            <a:schemeClr val="accent1"/>
+          </a:lnRef>
+          <a:fillRef idx="0">
+            <a:schemeClr val="accent1"/>
+          </a:fillRef>
+          <a:effectRef idx="1">
+            <a:schemeClr val="accent1"/>
+          </a:effectRef>
+          <a:fontRef idx="minor">
+            <a:schemeClr val="tx1"/>
+          </a:fontRef>
+        </p:style>
+      </p:cxnSp>
+      <p:sp>
+        <p:nvSpPr>
+          <p:cNvPr id="20" name="テキスト ボックス 19"/>
+          <p:cNvSpPr txBox="1"/>
+          <p:nvPr/>
+        </p:nvSpPr>
+        <p:spPr>
+          <a:xfrm>
+            <a:off x="5508104" y="2996952"/>
+            <a:ext cx="2028761" cy="461665"/>
+          </a:xfrm>
+          <a:prstGeom prst="rect">
+            <a:avLst/>
+          </a:prstGeom>
+          <a:noFill/>
+        </p:spPr>
+        <p:txBody>
+          <a:bodyPr wrap="none" rtlCol="0">
+            <a:spAutoFit/>
+          </a:bodyPr>
+          <a:lstStyle/>
+          <a:p>
+            <a:r>
+              <a:rPr kumimoji="1" lang="en-US" altLang="ja-JP" sz="2400" dirty="0" smtClean="0"/>
+              <a:t>git remote add</a:t>
+            </a:r>
+            <a:endParaRPr kumimoji="1" lang="ja-JP" altLang="en-US" sz="2400" dirty="0" smtClean="0"/>
+          </a:p>
+        </p:txBody>
+      </p:sp>
+    </p:spTree>
+    <p:extLst>
+      <p:ext uri="{BB962C8B-B14F-4D97-AF65-F5344CB8AC3E}">
+        <p14:creationId xmlns:p14="http://schemas.microsoft.com/office/powerpoint/2010/main" val="430722604"/>
       </p:ext>
     </p:extLst>
   </p:cSld>

--- a/github/fig/fig.pptx
+++ b/github/fig/fig.pptx
@@ -5,15 +5,18 @@
     <p:sldMasterId id="2147483648" r:id="rId1"/>
   </p:sldMasterIdLst>
   <p:notesMasterIdLst>
-    <p:notesMasterId r:id="rId8"/>
+    <p:notesMasterId r:id="rId11"/>
   </p:notesMasterIdLst>
   <p:sldIdLst>
     <p:sldId id="256" r:id="rId2"/>
     <p:sldId id="257" r:id="rId3"/>
     <p:sldId id="258" r:id="rId4"/>
-    <p:sldId id="259" r:id="rId5"/>
-    <p:sldId id="260" r:id="rId6"/>
-    <p:sldId id="261" r:id="rId7"/>
+    <p:sldId id="262" r:id="rId5"/>
+    <p:sldId id="263" r:id="rId6"/>
+    <p:sldId id="264" r:id="rId7"/>
+    <p:sldId id="259" r:id="rId8"/>
+    <p:sldId id="260" r:id="rId9"/>
+    <p:sldId id="261" r:id="rId10"/>
   </p:sldIdLst>
   <p:sldSz cx="9144000" cy="6858000" type="screen4x3"/>
   <p:notesSz cx="6858000" cy="9144000"/>
@@ -217,7 +220,7 @@
             <a:fld id="{D2C63D3F-0352-EF45-A95C-C8137A1B6577}" type="datetimeFigureOut">
               <a:rPr lang="ja-JP" altLang="en-US" smtClean="0"/>
               <a:pPr/>
-              <a:t>2020/4/13</a:t>
+              <a:t>2021/4/7</a:t>
             </a:fld>
             <a:endParaRPr lang="ja-JP" altLang="en-US" dirty="0"/>
           </a:p>
@@ -1061,7 +1064,7 @@
       </p:grpSpPr>
       <p:pic>
         <p:nvPicPr>
-          <p:cNvPr id="2" name="図 1"/>
+          <p:cNvPr id="4" name="図 3"/>
           <p:cNvPicPr>
             <a:picLocks noChangeAspect="1"/>
           </p:cNvPicPr>
@@ -1075,8 +1078,8 @@
         </p:blipFill>
         <p:spPr>
           <a:xfrm>
-            <a:off x="1331640" y="908720"/>
-            <a:ext cx="5740695" cy="4730993"/>
+            <a:off x="611560" y="476672"/>
+            <a:ext cx="6200402" cy="5689455"/>
           </a:xfrm>
           <a:prstGeom prst="rect">
             <a:avLst/>
@@ -1091,8 +1094,8 @@
         </p:nvSpPr>
         <p:spPr>
           <a:xfrm>
-            <a:off x="1547664" y="3717032"/>
-            <a:ext cx="2592288" cy="432048"/>
+            <a:off x="899592" y="3140968"/>
+            <a:ext cx="3528392" cy="360040"/>
           </a:xfrm>
           <a:prstGeom prst="roundRect">
             <a:avLst/>
@@ -1108,6 +1111,71 @@
             <a:prstTxWarp prst="textNoShape">
               <a:avLst/>
             </a:prstTxWarp>
+            <a:spAutoFit/>
+          </a:bodyPr>
+          <a:lstStyle/>
+          <a:p>
+            <a:pPr algn="ctr"/>
+            <a:endParaRPr kumimoji="1" lang="ja-JP" altLang="en-US" sz="2400" dirty="0" smtClean="0"/>
+          </a:p>
+        </p:txBody>
+      </p:sp>
+      <p:sp>
+        <p:nvSpPr>
+          <p:cNvPr id="5" name="角丸四角形 4"/>
+          <p:cNvSpPr/>
+          <p:nvPr/>
+        </p:nvSpPr>
+        <p:spPr>
+          <a:xfrm>
+            <a:off x="899592" y="4005064"/>
+            <a:ext cx="3528392" cy="360040"/>
+          </a:xfrm>
+          <a:prstGeom prst="roundRect">
+            <a:avLst/>
+          </a:prstGeom>
+          <a:ln w="57150">
+            <a:solidFill>
+              <a:srgbClr val="FF0000"/>
+            </a:solidFill>
+          </a:ln>
+        </p:spPr>
+        <p:txBody>
+          <a:bodyPr rot="0" spcFirstLastPara="0" vertOverflow="overflow" horzOverflow="overflow" vert="horz" wrap="square" lIns="91440" tIns="45720" rIns="91440" bIns="45720" numCol="1" spcCol="0" rtlCol="0" fromWordArt="0" anchor="ctr" anchorCtr="0" forceAA="0" compatLnSpc="1">
+            <a:prstTxWarp prst="textNoShape">
+              <a:avLst/>
+            </a:prstTxWarp>
+            <a:spAutoFit/>
+          </a:bodyPr>
+          <a:lstStyle/>
+          <a:p>
+            <a:pPr algn="ctr"/>
+            <a:endParaRPr kumimoji="1" lang="ja-JP" altLang="en-US" sz="2400" dirty="0" smtClean="0"/>
+          </a:p>
+        </p:txBody>
+      </p:sp>
+      <p:sp>
+        <p:nvSpPr>
+          <p:cNvPr id="7" name="角丸四角形 6"/>
+          <p:cNvSpPr/>
+          <p:nvPr/>
+        </p:nvSpPr>
+        <p:spPr>
+          <a:xfrm>
+            <a:off x="899592" y="4725144"/>
+            <a:ext cx="3528392" cy="648072"/>
+          </a:xfrm>
+          <a:prstGeom prst="roundRect">
+            <a:avLst/>
+          </a:prstGeom>
+          <a:ln w="57150">
+            <a:solidFill>
+              <a:srgbClr val="FF0000"/>
+            </a:solidFill>
+          </a:ln>
+        </p:spPr>
+        <p:txBody>
+          <a:bodyPr wrap="square" rtlCol="0" anchor="ctr">
             <a:spAutoFit/>
           </a:bodyPr>
           <a:lstStyle/>
@@ -1201,634 +1269,96 @@
           <a:chExt cx="0" cy="0"/>
         </a:xfrm>
       </p:grpSpPr>
-      <p:sp>
-        <p:nvSpPr>
-          <p:cNvPr id="2" name="楕円 1"/>
+      <p:pic>
+        <p:nvPicPr>
+          <p:cNvPr id="2" name="図 1"/>
+          <p:cNvPicPr>
+            <a:picLocks noChangeAspect="1"/>
+          </p:cNvPicPr>
+          <p:nvPr/>
+        </p:nvPicPr>
+        <p:blipFill>
+          <a:blip r:embed="rId2"/>
+          <a:stretch>
+            <a:fillRect/>
+          </a:stretch>
+        </p:blipFill>
+        <p:spPr>
+          <a:xfrm>
+            <a:off x="467544" y="1124744"/>
+            <a:ext cx="8345633" cy="4673900"/>
+          </a:xfrm>
+          <a:prstGeom prst="rect">
+            <a:avLst/>
+          </a:prstGeom>
+        </p:spPr>
+      </p:pic>
+      <p:sp>
+        <p:nvSpPr>
+          <p:cNvPr id="3" name="角丸四角形 2"/>
           <p:cNvSpPr/>
           <p:nvPr/>
         </p:nvSpPr>
         <p:spPr>
           <a:xfrm>
-            <a:off x="2883872" y="6093296"/>
-            <a:ext cx="432048" cy="432048"/>
-          </a:xfrm>
-          <a:prstGeom prst="ellipse">
-            <a:avLst/>
-          </a:prstGeom>
-          <a:solidFill>
-            <a:srgbClr val="011893"/>
-          </a:solidFill>
-          <a:ln>
-            <a:solidFill>
-              <a:schemeClr val="tx1"/>
-            </a:solidFill>
-          </a:ln>
-        </p:spPr>
-        <p:style>
-          <a:lnRef idx="2">
-            <a:schemeClr val="accent1">
-              <a:shade val="50000"/>
-            </a:schemeClr>
-          </a:lnRef>
-          <a:fillRef idx="1">
-            <a:schemeClr val="accent1"/>
-          </a:fillRef>
-          <a:effectRef idx="0">
-            <a:schemeClr val="accent1"/>
-          </a:effectRef>
-          <a:fontRef idx="minor">
-            <a:schemeClr val="lt1"/>
-          </a:fontRef>
-        </p:style>
-        <p:txBody>
-          <a:bodyPr rtlCol="0" anchor="ctr"/>
-          <a:lstStyle/>
-          <a:p>
-            <a:pPr algn="ctr"/>
-            <a:endParaRPr kumimoji="1" lang="ja-JP" altLang="en-US" dirty="0"/>
-          </a:p>
-        </p:txBody>
-      </p:sp>
-      <p:sp>
-        <p:nvSpPr>
-          <p:cNvPr id="3" name="楕円 2"/>
-          <p:cNvSpPr/>
-          <p:nvPr/>
-        </p:nvSpPr>
-        <p:spPr>
-          <a:xfrm>
-            <a:off x="4324032" y="6093296"/>
-            <a:ext cx="432048" cy="432048"/>
-          </a:xfrm>
-          <a:prstGeom prst="ellipse">
-            <a:avLst/>
-          </a:prstGeom>
-          <a:solidFill>
-            <a:srgbClr val="011893"/>
-          </a:solidFill>
-          <a:ln>
-            <a:solidFill>
-              <a:schemeClr val="tx1"/>
-            </a:solidFill>
-          </a:ln>
-        </p:spPr>
-        <p:style>
-          <a:lnRef idx="2">
-            <a:schemeClr val="accent1">
-              <a:shade val="50000"/>
-            </a:schemeClr>
-          </a:lnRef>
-          <a:fillRef idx="1">
-            <a:schemeClr val="accent1"/>
-          </a:fillRef>
-          <a:effectRef idx="0">
-            <a:schemeClr val="accent1"/>
-          </a:effectRef>
-          <a:fontRef idx="minor">
-            <a:schemeClr val="lt1"/>
-          </a:fontRef>
-        </p:style>
-        <p:txBody>
-          <a:bodyPr rtlCol="0" anchor="ctr"/>
-          <a:lstStyle/>
-          <a:p>
-            <a:pPr algn="ctr"/>
-            <a:endParaRPr kumimoji="1" lang="ja-JP" altLang="en-US" dirty="0"/>
-          </a:p>
-        </p:txBody>
-      </p:sp>
-      <p:cxnSp>
-        <p:nvCxnSpPr>
-          <p:cNvPr id="4" name="直線コネクタ 3"/>
-          <p:cNvCxnSpPr/>
-          <p:nvPr/>
-        </p:nvCxnSpPr>
-        <p:spPr>
-          <a:xfrm>
-            <a:off x="3315920" y="6309320"/>
-            <a:ext cx="1008112" cy="0"/>
-          </a:xfrm>
-          <a:prstGeom prst="line">
+            <a:off x="3851920" y="3068960"/>
+            <a:ext cx="360040" cy="216024"/>
+          </a:xfrm>
+          <a:prstGeom prst="roundRect">
             <a:avLst/>
           </a:prstGeom>
           <a:ln w="57150">
             <a:solidFill>
-              <a:schemeClr val="tx1"/>
-            </a:solidFill>
-            <a:headEnd type="none" w="med" len="med"/>
-            <a:tailEnd type="none" w="med" len="med"/>
-          </a:ln>
-        </p:spPr>
-        <p:style>
-          <a:lnRef idx="1">
-            <a:schemeClr val="accent1"/>
-          </a:lnRef>
-          <a:fillRef idx="0">
-            <a:schemeClr val="accent1"/>
-          </a:fillRef>
-          <a:effectRef idx="0">
-            <a:schemeClr val="accent1"/>
-          </a:effectRef>
-          <a:fontRef idx="minor">
-            <a:schemeClr val="tx1"/>
-          </a:fontRef>
-        </p:style>
-      </p:cxnSp>
-      <p:sp>
-        <p:nvSpPr>
-          <p:cNvPr id="5" name="テキスト ボックス 4"/>
-          <p:cNvSpPr txBox="1"/>
-          <p:nvPr/>
-        </p:nvSpPr>
-        <p:spPr>
-          <a:xfrm>
-            <a:off x="2667848" y="5589240"/>
-            <a:ext cx="877163" cy="369332"/>
-          </a:xfrm>
-          <a:prstGeom prst="rect">
-            <a:avLst/>
-          </a:prstGeom>
-          <a:noFill/>
-        </p:spPr>
-        <p:txBody>
-          <a:bodyPr wrap="none" rtlCol="0">
+              <a:srgbClr val="FF0000"/>
+            </a:solidFill>
+          </a:ln>
+        </p:spPr>
+        <p:txBody>
+          <a:bodyPr wrap="square" rtlCol="0" anchor="ctr">
             <a:spAutoFit/>
           </a:bodyPr>
           <a:lstStyle/>
           <a:p>
-            <a:r>
-              <a:rPr kumimoji="1" lang="ja-JP" altLang="en-US" dirty="0" smtClean="0"/>
-              <a:t>二日前</a:t>
-            </a:r>
-            <a:endParaRPr kumimoji="1" lang="ja-JP" altLang="en-US" dirty="0"/>
-          </a:p>
-        </p:txBody>
-      </p:sp>
-      <p:sp>
-        <p:nvSpPr>
-          <p:cNvPr id="12" name="角丸四角形 11"/>
+            <a:pPr algn="ctr"/>
+            <a:endParaRPr kumimoji="1" lang="ja-JP" altLang="en-US" sz="2400" dirty="0" smtClean="0"/>
+          </a:p>
+        </p:txBody>
+      </p:sp>
+      <p:sp>
+        <p:nvSpPr>
+          <p:cNvPr id="4" name="角丸四角形 3"/>
           <p:cNvSpPr/>
           <p:nvPr/>
         </p:nvSpPr>
         <p:spPr>
           <a:xfrm>
-            <a:off x="5148064" y="1196752"/>
-            <a:ext cx="1440160" cy="720080"/>
+            <a:off x="6156176" y="3356992"/>
+            <a:ext cx="360040" cy="216024"/>
           </a:xfrm>
           <a:prstGeom prst="roundRect">
             <a:avLst/>
           </a:prstGeom>
-          <a:noFill/>
-          <a:ln w="28575">
-            <a:solidFill>
-              <a:schemeClr val="tx1"/>
-            </a:solidFill>
-            <a:prstDash val="dash"/>
-          </a:ln>
-        </p:spPr>
-        <p:style>
-          <a:lnRef idx="2">
-            <a:schemeClr val="accent1">
-              <a:shade val="50000"/>
-            </a:schemeClr>
-          </a:lnRef>
-          <a:fillRef idx="1">
-            <a:schemeClr val="accent1"/>
-          </a:fillRef>
-          <a:effectRef idx="0">
-            <a:schemeClr val="accent1"/>
-          </a:effectRef>
-          <a:fontRef idx="minor">
-            <a:schemeClr val="lt1"/>
-          </a:fontRef>
-        </p:style>
-        <p:txBody>
-          <a:bodyPr rtlCol="0" anchor="ctr"/>
-          <a:lstStyle/>
-          <a:p>
-            <a:pPr algn="ctr"/>
-            <a:endParaRPr kumimoji="1" lang="ja-JP" altLang="en-US" dirty="0"/>
-          </a:p>
-        </p:txBody>
-      </p:sp>
-      <p:sp>
-        <p:nvSpPr>
-          <p:cNvPr id="14" name="テキスト ボックス 13"/>
-          <p:cNvSpPr txBox="1"/>
-          <p:nvPr/>
-        </p:nvSpPr>
-        <p:spPr>
-          <a:xfrm>
-            <a:off x="5508104" y="620688"/>
-            <a:ext cx="1067921" cy="461665"/>
-          </a:xfrm>
-          <a:prstGeom prst="rect">
-            <a:avLst/>
-          </a:prstGeom>
-          <a:noFill/>
-        </p:spPr>
-        <p:txBody>
-          <a:bodyPr wrap="none" rtlCol="0">
+          <a:ln w="57150">
+            <a:solidFill>
+              <a:srgbClr val="FF0000"/>
+            </a:solidFill>
+          </a:ln>
+        </p:spPr>
+        <p:txBody>
+          <a:bodyPr wrap="square" rtlCol="0" anchor="ctr">
             <a:spAutoFit/>
           </a:bodyPr>
           <a:lstStyle/>
           <a:p>
-            <a:r>
-              <a:rPr kumimoji="1" lang="en-US" altLang="ja-JP" sz="2400" dirty="0" smtClean="0"/>
-              <a:t>GitHub</a:t>
-            </a:r>
+            <a:pPr algn="ctr"/>
             <a:endParaRPr kumimoji="1" lang="ja-JP" altLang="en-US" sz="2400" dirty="0" smtClean="0"/>
-          </a:p>
-        </p:txBody>
-      </p:sp>
-      <p:sp>
-        <p:nvSpPr>
-          <p:cNvPr id="15" name="テキスト ボックス 14"/>
-          <p:cNvSpPr txBox="1"/>
-          <p:nvPr/>
-        </p:nvSpPr>
-        <p:spPr>
-          <a:xfrm>
-            <a:off x="1403648" y="620688"/>
-            <a:ext cx="1314784" cy="461665"/>
-          </a:xfrm>
-          <a:prstGeom prst="rect">
-            <a:avLst/>
-          </a:prstGeom>
-          <a:noFill/>
-        </p:spPr>
-        <p:txBody>
-          <a:bodyPr wrap="none" rtlCol="0">
-            <a:spAutoFit/>
-          </a:bodyPr>
-          <a:lstStyle/>
-          <a:p>
-            <a:r>
-              <a:rPr lang="ja-JP" altLang="en-US" sz="2400" dirty="0"/>
-              <a:t>ローカル</a:t>
-            </a:r>
-            <a:endParaRPr kumimoji="1" lang="ja-JP" altLang="en-US" sz="2400" dirty="0" smtClean="0"/>
-          </a:p>
-        </p:txBody>
-      </p:sp>
-      <p:sp>
-        <p:nvSpPr>
-          <p:cNvPr id="16" name="楕円 15"/>
-          <p:cNvSpPr/>
-          <p:nvPr/>
-        </p:nvSpPr>
-        <p:spPr>
-          <a:xfrm>
-            <a:off x="5508104" y="1340768"/>
-            <a:ext cx="432048" cy="432048"/>
-          </a:xfrm>
-          <a:prstGeom prst="ellipse">
-            <a:avLst/>
-          </a:prstGeom>
-          <a:solidFill>
-            <a:srgbClr val="011893"/>
-          </a:solidFill>
-          <a:ln>
-            <a:solidFill>
-              <a:schemeClr val="tx1"/>
-            </a:solidFill>
-          </a:ln>
-        </p:spPr>
-        <p:style>
-          <a:lnRef idx="2">
-            <a:schemeClr val="accent1">
-              <a:shade val="50000"/>
-            </a:schemeClr>
-          </a:lnRef>
-          <a:fillRef idx="1">
-            <a:schemeClr val="accent1"/>
-          </a:fillRef>
-          <a:effectRef idx="0">
-            <a:schemeClr val="accent1"/>
-          </a:effectRef>
-          <a:fontRef idx="minor">
-            <a:schemeClr val="lt1"/>
-          </a:fontRef>
-        </p:style>
-        <p:txBody>
-          <a:bodyPr rtlCol="0" anchor="ctr"/>
-          <a:lstStyle/>
-          <a:p>
-            <a:pPr algn="ctr"/>
-            <a:endParaRPr kumimoji="1" lang="ja-JP" altLang="en-US" dirty="0"/>
-          </a:p>
-        </p:txBody>
-      </p:sp>
-      <p:sp>
-        <p:nvSpPr>
-          <p:cNvPr id="17" name="テキスト ボックス 16"/>
-          <p:cNvSpPr txBox="1"/>
-          <p:nvPr/>
-        </p:nvSpPr>
-        <p:spPr>
-          <a:xfrm>
-            <a:off x="251520" y="116632"/>
-            <a:ext cx="4032448" cy="461665"/>
-          </a:xfrm>
-          <a:prstGeom prst="rect">
-            <a:avLst/>
-          </a:prstGeom>
-          <a:noFill/>
-        </p:spPr>
-        <p:txBody>
-          <a:bodyPr wrap="square" rtlCol="0">
-            <a:spAutoFit/>
-          </a:bodyPr>
-          <a:lstStyle/>
-          <a:p>
-            <a:r>
-              <a:rPr kumimoji="1" lang="en-US" altLang="ja-JP" sz="2400" dirty="0" smtClean="0"/>
-              <a:t>1. GitHub</a:t>
-            </a:r>
-            <a:r>
-              <a:rPr kumimoji="1" lang="ja-JP" altLang="en-US" sz="2400" dirty="0" smtClean="0"/>
-              <a:t>で</a:t>
-            </a:r>
-            <a:r>
-              <a:rPr lang="ja-JP" altLang="en-US" sz="2400" dirty="0" smtClean="0"/>
-              <a:t>リポジトリを作成</a:t>
-            </a:r>
-            <a:endParaRPr kumimoji="1" lang="en-US" altLang="ja-JP" sz="2400" dirty="0" smtClean="0"/>
-          </a:p>
-        </p:txBody>
-      </p:sp>
-      <p:sp>
-        <p:nvSpPr>
-          <p:cNvPr id="18" name="テキスト ボックス 17"/>
-          <p:cNvSpPr txBox="1"/>
-          <p:nvPr/>
-        </p:nvSpPr>
-        <p:spPr>
-          <a:xfrm>
-            <a:off x="251520" y="2420888"/>
-            <a:ext cx="4032448" cy="461665"/>
-          </a:xfrm>
-          <a:prstGeom prst="rect">
-            <a:avLst/>
-          </a:prstGeom>
-          <a:noFill/>
-        </p:spPr>
-        <p:txBody>
-          <a:bodyPr wrap="square" rtlCol="0">
-            <a:spAutoFit/>
-          </a:bodyPr>
-          <a:lstStyle/>
-          <a:p>
-            <a:r>
-              <a:rPr kumimoji="1" lang="en-US" altLang="ja-JP" sz="2400" dirty="0" smtClean="0"/>
-              <a:t>2. </a:t>
-            </a:r>
-            <a:r>
-              <a:rPr kumimoji="1" lang="ja-JP" altLang="en-US" sz="2400" dirty="0" smtClean="0"/>
-              <a:t>ローカルに</a:t>
-            </a:r>
-            <a:r>
-              <a:rPr kumimoji="1" lang="en-US" altLang="ja-JP" sz="2400" dirty="0" smtClean="0"/>
-              <a:t>clone</a:t>
-            </a:r>
-            <a:endParaRPr lang="en-US" altLang="ja-JP" sz="2400" dirty="0" smtClean="0"/>
-          </a:p>
-        </p:txBody>
-      </p:sp>
-      <p:sp>
-        <p:nvSpPr>
-          <p:cNvPr id="19" name="角丸四角形 18"/>
-          <p:cNvSpPr/>
-          <p:nvPr/>
-        </p:nvSpPr>
-        <p:spPr>
-          <a:xfrm>
-            <a:off x="5076056" y="3356992"/>
-            <a:ext cx="1800200" cy="1008112"/>
-          </a:xfrm>
-          <a:prstGeom prst="roundRect">
-            <a:avLst/>
-          </a:prstGeom>
-          <a:noFill/>
-          <a:ln w="28575">
-            <a:solidFill>
-              <a:schemeClr val="tx1"/>
-            </a:solidFill>
-            <a:prstDash val="dash"/>
-          </a:ln>
-        </p:spPr>
-        <p:style>
-          <a:lnRef idx="2">
-            <a:schemeClr val="accent1">
-              <a:shade val="50000"/>
-            </a:schemeClr>
-          </a:lnRef>
-          <a:fillRef idx="1">
-            <a:schemeClr val="accent1"/>
-          </a:fillRef>
-          <a:effectRef idx="0">
-            <a:schemeClr val="accent1"/>
-          </a:effectRef>
-          <a:fontRef idx="minor">
-            <a:schemeClr val="lt1"/>
-          </a:fontRef>
-        </p:style>
-        <p:txBody>
-          <a:bodyPr rtlCol="0" anchor="ctr"/>
-          <a:lstStyle/>
-          <a:p>
-            <a:pPr algn="ctr"/>
-            <a:endParaRPr kumimoji="1" lang="ja-JP" altLang="en-US" dirty="0"/>
-          </a:p>
-        </p:txBody>
-      </p:sp>
-      <p:sp>
-        <p:nvSpPr>
-          <p:cNvPr id="20" name="テキスト ボックス 19"/>
-          <p:cNvSpPr txBox="1"/>
-          <p:nvPr/>
-        </p:nvSpPr>
-        <p:spPr>
-          <a:xfrm>
-            <a:off x="5436096" y="2780928"/>
-            <a:ext cx="1067921" cy="461665"/>
-          </a:xfrm>
-          <a:prstGeom prst="rect">
-            <a:avLst/>
-          </a:prstGeom>
-          <a:noFill/>
-        </p:spPr>
-        <p:txBody>
-          <a:bodyPr wrap="none" rtlCol="0">
-            <a:spAutoFit/>
-          </a:bodyPr>
-          <a:lstStyle/>
-          <a:p>
-            <a:r>
-              <a:rPr kumimoji="1" lang="en-US" altLang="ja-JP" sz="2400" dirty="0" smtClean="0"/>
-              <a:t>GitHub</a:t>
-            </a:r>
-            <a:endParaRPr kumimoji="1" lang="ja-JP" altLang="en-US" sz="2400" dirty="0" smtClean="0"/>
-          </a:p>
-        </p:txBody>
-      </p:sp>
-      <p:sp>
-        <p:nvSpPr>
-          <p:cNvPr id="21" name="テキスト ボックス 20"/>
-          <p:cNvSpPr txBox="1"/>
-          <p:nvPr/>
-        </p:nvSpPr>
-        <p:spPr>
-          <a:xfrm>
-            <a:off x="1403648" y="2780928"/>
-            <a:ext cx="1314784" cy="461665"/>
-          </a:xfrm>
-          <a:prstGeom prst="rect">
-            <a:avLst/>
-          </a:prstGeom>
-          <a:noFill/>
-        </p:spPr>
-        <p:txBody>
-          <a:bodyPr wrap="none" rtlCol="0">
-            <a:spAutoFit/>
-          </a:bodyPr>
-          <a:lstStyle/>
-          <a:p>
-            <a:r>
-              <a:rPr lang="ja-JP" altLang="en-US" sz="2400" dirty="0"/>
-              <a:t>ローカル</a:t>
-            </a:r>
-            <a:endParaRPr kumimoji="1" lang="ja-JP" altLang="en-US" sz="2400" dirty="0" smtClean="0"/>
-          </a:p>
-        </p:txBody>
-      </p:sp>
-      <p:sp>
-        <p:nvSpPr>
-          <p:cNvPr id="22" name="楕円 21"/>
-          <p:cNvSpPr/>
-          <p:nvPr/>
-        </p:nvSpPr>
-        <p:spPr>
-          <a:xfrm>
-            <a:off x="5724128" y="3645024"/>
-            <a:ext cx="432048" cy="432048"/>
-          </a:xfrm>
-          <a:prstGeom prst="ellipse">
-            <a:avLst/>
-          </a:prstGeom>
-          <a:solidFill>
-            <a:srgbClr val="011893"/>
-          </a:solidFill>
-          <a:ln>
-            <a:solidFill>
-              <a:schemeClr val="tx1"/>
-            </a:solidFill>
-          </a:ln>
-        </p:spPr>
-        <p:style>
-          <a:lnRef idx="2">
-            <a:schemeClr val="accent1">
-              <a:shade val="50000"/>
-            </a:schemeClr>
-          </a:lnRef>
-          <a:fillRef idx="1">
-            <a:schemeClr val="accent1"/>
-          </a:fillRef>
-          <a:effectRef idx="0">
-            <a:schemeClr val="accent1"/>
-          </a:effectRef>
-          <a:fontRef idx="minor">
-            <a:schemeClr val="lt1"/>
-          </a:fontRef>
-        </p:style>
-        <p:txBody>
-          <a:bodyPr rtlCol="0" anchor="ctr"/>
-          <a:lstStyle/>
-          <a:p>
-            <a:pPr algn="ctr"/>
-            <a:endParaRPr kumimoji="1" lang="ja-JP" altLang="en-US" dirty="0"/>
-          </a:p>
-        </p:txBody>
-      </p:sp>
-      <p:sp>
-        <p:nvSpPr>
-          <p:cNvPr id="23" name="テキスト ボックス 22"/>
-          <p:cNvSpPr txBox="1"/>
-          <p:nvPr/>
-        </p:nvSpPr>
-        <p:spPr>
-          <a:xfrm>
-            <a:off x="323528" y="3789040"/>
-            <a:ext cx="4032448" cy="461665"/>
-          </a:xfrm>
-          <a:prstGeom prst="rect">
-            <a:avLst/>
-          </a:prstGeom>
-          <a:noFill/>
-        </p:spPr>
-        <p:txBody>
-          <a:bodyPr wrap="square" rtlCol="0">
-            <a:spAutoFit/>
-          </a:bodyPr>
-          <a:lstStyle/>
-          <a:p>
-            <a:r>
-              <a:rPr kumimoji="1" lang="en-US" altLang="ja-JP" sz="2400" dirty="0" smtClean="0"/>
-              <a:t>2. </a:t>
-            </a:r>
-            <a:r>
-              <a:rPr kumimoji="1" lang="ja-JP" altLang="en-US" sz="2400" dirty="0" smtClean="0"/>
-              <a:t>ローカル</a:t>
-            </a:r>
-            <a:r>
-              <a:rPr lang="ja-JP" altLang="en-US" sz="2400" dirty="0" smtClean="0"/>
-              <a:t>で修正</a:t>
-            </a:r>
-            <a:endParaRPr lang="en-US" altLang="ja-JP" sz="2400" dirty="0" smtClean="0"/>
-          </a:p>
-        </p:txBody>
-      </p:sp>
-      <p:sp>
-        <p:nvSpPr>
-          <p:cNvPr id="24" name="テキスト ボックス 23"/>
-          <p:cNvSpPr txBox="1"/>
-          <p:nvPr/>
-        </p:nvSpPr>
-        <p:spPr>
-          <a:xfrm>
-            <a:off x="251520" y="5013176"/>
-            <a:ext cx="4032448" cy="461665"/>
-          </a:xfrm>
-          <a:prstGeom prst="rect">
-            <a:avLst/>
-          </a:prstGeom>
-          <a:noFill/>
-        </p:spPr>
-        <p:txBody>
-          <a:bodyPr wrap="square" rtlCol="0">
-            <a:spAutoFit/>
-          </a:bodyPr>
-          <a:lstStyle/>
-          <a:p>
-            <a:r>
-              <a:rPr kumimoji="1" lang="en-US" altLang="ja-JP" sz="2400" dirty="0" smtClean="0"/>
-              <a:t>2. GitHub</a:t>
-            </a:r>
-            <a:r>
-              <a:rPr lang="ja-JP" altLang="en-US" sz="2400" dirty="0" smtClean="0"/>
-              <a:t>に</a:t>
-            </a:r>
-            <a:r>
-              <a:rPr lang="en-US" altLang="ja-JP" sz="2400" dirty="0" smtClean="0"/>
-              <a:t>push</a:t>
-            </a:r>
           </a:p>
         </p:txBody>
       </p:sp>
     </p:spTree>
     <p:extLst>
       <p:ext uri="{BB962C8B-B14F-4D97-AF65-F5344CB8AC3E}">
-        <p14:creationId xmlns:p14="http://schemas.microsoft.com/office/powerpoint/2010/main" val="975731591"/>
+        <p14:creationId xmlns:p14="http://schemas.microsoft.com/office/powerpoint/2010/main" val="494970155"/>
       </p:ext>
     </p:extLst>
   </p:cSld>
@@ -1855,28 +1385,48 @@
           <a:chExt cx="0" cy="0"/>
         </a:xfrm>
       </p:grpSpPr>
-      <p:sp>
-        <p:nvSpPr>
-          <p:cNvPr id="33" name="正方形/長方形 32"/>
+      <p:pic>
+        <p:nvPicPr>
+          <p:cNvPr id="2" name="図 1"/>
+          <p:cNvPicPr>
+            <a:picLocks noChangeAspect="1"/>
+          </p:cNvPicPr>
+          <p:nvPr/>
+        </p:nvPicPr>
+        <p:blipFill>
+          <a:blip r:embed="rId2"/>
+          <a:stretch>
+            <a:fillRect/>
+          </a:stretch>
+        </p:blipFill>
+        <p:spPr>
+          <a:xfrm>
+            <a:off x="539552" y="1124744"/>
+            <a:ext cx="8310265" cy="5099673"/>
+          </a:xfrm>
+          <a:prstGeom prst="rect">
+            <a:avLst/>
+          </a:prstGeom>
+        </p:spPr>
+      </p:pic>
+      <p:sp>
+        <p:nvSpPr>
+          <p:cNvPr id="3" name="角丸四角形 2"/>
           <p:cNvSpPr/>
           <p:nvPr/>
         </p:nvSpPr>
         <p:spPr>
           <a:xfrm>
-            <a:off x="4067944" y="548680"/>
-            <a:ext cx="1872208" cy="5040560"/>
-          </a:xfrm>
-          <a:prstGeom prst="rect">
-            <a:avLst/>
-          </a:prstGeom>
-          <a:solidFill>
-            <a:schemeClr val="accent3">
-              <a:lumMod val="20000"/>
-              <a:lumOff val="80000"/>
-            </a:schemeClr>
-          </a:solidFill>
+            <a:off x="827584" y="5373216"/>
+            <a:ext cx="1080120" cy="360040"/>
+          </a:xfrm>
+          <a:prstGeom prst="roundRect">
+            <a:avLst/>
+          </a:prstGeom>
           <a:ln w="57150">
-            <a:noFill/>
+            <a:solidFill>
+              <a:srgbClr val="FF0000"/>
+            </a:solidFill>
           </a:ln>
         </p:spPr>
         <p:txBody>
@@ -1892,26 +1442,22 @@
       </p:sp>
       <p:sp>
         <p:nvSpPr>
-          <p:cNvPr id="31" name="正方形/長方形 30"/>
+          <p:cNvPr id="4" name="角丸四角形 3"/>
           <p:cNvSpPr/>
           <p:nvPr/>
         </p:nvSpPr>
         <p:spPr>
           <a:xfrm>
-            <a:off x="7020272" y="548680"/>
-            <a:ext cx="1872208" cy="5040560"/>
-          </a:xfrm>
-          <a:prstGeom prst="rect">
-            <a:avLst/>
-          </a:prstGeom>
-          <a:solidFill>
-            <a:schemeClr val="accent6">
-              <a:lumMod val="20000"/>
-              <a:lumOff val="80000"/>
-            </a:schemeClr>
-          </a:solidFill>
+            <a:off x="2483768" y="3501008"/>
+            <a:ext cx="1584176" cy="288032"/>
+          </a:xfrm>
+          <a:prstGeom prst="roundRect">
+            <a:avLst/>
+          </a:prstGeom>
           <a:ln w="57150">
-            <a:noFill/>
+            <a:solidFill>
+              <a:srgbClr val="FF0000"/>
+            </a:solidFill>
           </a:ln>
         </p:spPr>
         <p:txBody>
@@ -1925,1282 +1471,10 @@
           </a:p>
         </p:txBody>
       </p:sp>
-      <p:sp>
-        <p:nvSpPr>
-          <p:cNvPr id="2" name="角丸四角形 1"/>
-          <p:cNvSpPr/>
-          <p:nvPr/>
-        </p:nvSpPr>
-        <p:spPr>
-          <a:xfrm>
-            <a:off x="7236296" y="1340768"/>
-            <a:ext cx="1440160" cy="576064"/>
-          </a:xfrm>
-          <a:prstGeom prst="roundRect">
-            <a:avLst/>
-          </a:prstGeom>
-          <a:noFill/>
-          <a:ln w="28575">
-            <a:solidFill>
-              <a:schemeClr val="tx1"/>
-            </a:solidFill>
-            <a:prstDash val="dash"/>
-          </a:ln>
-        </p:spPr>
-        <p:style>
-          <a:lnRef idx="2">
-            <a:schemeClr val="accent1">
-              <a:shade val="50000"/>
-            </a:schemeClr>
-          </a:lnRef>
-          <a:fillRef idx="1">
-            <a:schemeClr val="accent1"/>
-          </a:fillRef>
-          <a:effectRef idx="0">
-            <a:schemeClr val="accent1"/>
-          </a:effectRef>
-          <a:fontRef idx="minor">
-            <a:schemeClr val="lt1"/>
-          </a:fontRef>
-        </p:style>
-        <p:txBody>
-          <a:bodyPr rtlCol="0" anchor="ctr"/>
-          <a:lstStyle/>
-          <a:p>
-            <a:pPr algn="ctr"/>
-            <a:endParaRPr kumimoji="1" lang="ja-JP" altLang="en-US" dirty="0"/>
-          </a:p>
-        </p:txBody>
-      </p:sp>
-      <p:sp>
-        <p:nvSpPr>
-          <p:cNvPr id="3" name="楕円 2"/>
-          <p:cNvSpPr/>
-          <p:nvPr/>
-        </p:nvSpPr>
-        <p:spPr>
-          <a:xfrm>
-            <a:off x="7812360" y="1484784"/>
-            <a:ext cx="288032" cy="288032"/>
-          </a:xfrm>
-          <a:prstGeom prst="ellipse">
-            <a:avLst/>
-          </a:prstGeom>
-          <a:solidFill>
-            <a:srgbClr val="FF0000"/>
-          </a:solidFill>
-          <a:ln>
-            <a:solidFill>
-              <a:schemeClr val="tx1"/>
-            </a:solidFill>
-          </a:ln>
-        </p:spPr>
-        <p:style>
-          <a:lnRef idx="2">
-            <a:schemeClr val="accent1">
-              <a:shade val="50000"/>
-            </a:schemeClr>
-          </a:lnRef>
-          <a:fillRef idx="1">
-            <a:schemeClr val="accent1"/>
-          </a:fillRef>
-          <a:effectRef idx="0">
-            <a:schemeClr val="accent1"/>
-          </a:effectRef>
-          <a:fontRef idx="minor">
-            <a:schemeClr val="lt1"/>
-          </a:fontRef>
-        </p:style>
-        <p:txBody>
-          <a:bodyPr rtlCol="0" anchor="ctr"/>
-          <a:lstStyle/>
-          <a:p>
-            <a:pPr algn="ctr"/>
-            <a:endParaRPr kumimoji="1" lang="ja-JP" altLang="en-US" dirty="0"/>
-          </a:p>
-        </p:txBody>
-      </p:sp>
-      <p:sp>
-        <p:nvSpPr>
-          <p:cNvPr id="4" name="角丸四角形 3"/>
-          <p:cNvSpPr/>
-          <p:nvPr/>
-        </p:nvSpPr>
-        <p:spPr>
-          <a:xfrm>
-            <a:off x="7236296" y="2420888"/>
-            <a:ext cx="1440160" cy="576064"/>
-          </a:xfrm>
-          <a:prstGeom prst="roundRect">
-            <a:avLst/>
-          </a:prstGeom>
-          <a:noFill/>
-          <a:ln w="28575">
-            <a:solidFill>
-              <a:schemeClr val="tx1"/>
-            </a:solidFill>
-            <a:prstDash val="dash"/>
-          </a:ln>
-        </p:spPr>
-        <p:style>
-          <a:lnRef idx="2">
-            <a:schemeClr val="accent1">
-              <a:shade val="50000"/>
-            </a:schemeClr>
-          </a:lnRef>
-          <a:fillRef idx="1">
-            <a:schemeClr val="accent1"/>
-          </a:fillRef>
-          <a:effectRef idx="0">
-            <a:schemeClr val="accent1"/>
-          </a:effectRef>
-          <a:fontRef idx="minor">
-            <a:schemeClr val="lt1"/>
-          </a:fontRef>
-        </p:style>
-        <p:txBody>
-          <a:bodyPr rtlCol="0" anchor="ctr"/>
-          <a:lstStyle/>
-          <a:p>
-            <a:pPr algn="ctr"/>
-            <a:endParaRPr kumimoji="1" lang="ja-JP" altLang="en-US" dirty="0"/>
-          </a:p>
-        </p:txBody>
-      </p:sp>
-      <p:sp>
-        <p:nvSpPr>
-          <p:cNvPr id="5" name="楕円 4"/>
-          <p:cNvSpPr/>
-          <p:nvPr/>
-        </p:nvSpPr>
-        <p:spPr>
-          <a:xfrm>
-            <a:off x="7812360" y="2564904"/>
-            <a:ext cx="288032" cy="288032"/>
-          </a:xfrm>
-          <a:prstGeom prst="ellipse">
-            <a:avLst/>
-          </a:prstGeom>
-          <a:solidFill>
-            <a:srgbClr val="011893"/>
-          </a:solidFill>
-          <a:ln>
-            <a:solidFill>
-              <a:schemeClr val="tx1"/>
-            </a:solidFill>
-          </a:ln>
-        </p:spPr>
-        <p:style>
-          <a:lnRef idx="2">
-            <a:schemeClr val="accent1">
-              <a:shade val="50000"/>
-            </a:schemeClr>
-          </a:lnRef>
-          <a:fillRef idx="1">
-            <a:schemeClr val="accent1"/>
-          </a:fillRef>
-          <a:effectRef idx="0">
-            <a:schemeClr val="accent1"/>
-          </a:effectRef>
-          <a:fontRef idx="minor">
-            <a:schemeClr val="lt1"/>
-          </a:fontRef>
-        </p:style>
-        <p:txBody>
-          <a:bodyPr rtlCol="0" anchor="ctr"/>
-          <a:lstStyle/>
-          <a:p>
-            <a:pPr algn="ctr"/>
-            <a:endParaRPr kumimoji="1" lang="ja-JP" altLang="en-US" dirty="0"/>
-          </a:p>
-        </p:txBody>
-      </p:sp>
-      <p:sp>
-        <p:nvSpPr>
-          <p:cNvPr id="6" name="角丸四角形 5"/>
-          <p:cNvSpPr/>
-          <p:nvPr/>
-        </p:nvSpPr>
-        <p:spPr>
-          <a:xfrm>
-            <a:off x="4283968" y="2420888"/>
-            <a:ext cx="1440160" cy="576064"/>
-          </a:xfrm>
-          <a:prstGeom prst="roundRect">
-            <a:avLst/>
-          </a:prstGeom>
-          <a:noFill/>
-          <a:ln w="28575">
-            <a:solidFill>
-              <a:schemeClr val="tx1"/>
-            </a:solidFill>
-            <a:prstDash val="dash"/>
-          </a:ln>
-        </p:spPr>
-        <p:style>
-          <a:lnRef idx="2">
-            <a:schemeClr val="accent1">
-              <a:shade val="50000"/>
-            </a:schemeClr>
-          </a:lnRef>
-          <a:fillRef idx="1">
-            <a:schemeClr val="accent1"/>
-          </a:fillRef>
-          <a:effectRef idx="0">
-            <a:schemeClr val="accent1"/>
-          </a:effectRef>
-          <a:fontRef idx="minor">
-            <a:schemeClr val="lt1"/>
-          </a:fontRef>
-        </p:style>
-        <p:txBody>
-          <a:bodyPr rtlCol="0" anchor="ctr"/>
-          <a:lstStyle/>
-          <a:p>
-            <a:pPr algn="ctr"/>
-            <a:endParaRPr kumimoji="1" lang="ja-JP" altLang="en-US" dirty="0"/>
-          </a:p>
-        </p:txBody>
-      </p:sp>
-      <p:sp>
-        <p:nvSpPr>
-          <p:cNvPr id="7" name="楕円 6"/>
-          <p:cNvSpPr/>
-          <p:nvPr/>
-        </p:nvSpPr>
-        <p:spPr>
-          <a:xfrm>
-            <a:off x="4860032" y="2564904"/>
-            <a:ext cx="288032" cy="288032"/>
-          </a:xfrm>
-          <a:prstGeom prst="ellipse">
-            <a:avLst/>
-          </a:prstGeom>
-          <a:solidFill>
-            <a:srgbClr val="011893"/>
-          </a:solidFill>
-          <a:ln>
-            <a:solidFill>
-              <a:schemeClr val="tx1"/>
-            </a:solidFill>
-          </a:ln>
-        </p:spPr>
-        <p:style>
-          <a:lnRef idx="2">
-            <a:schemeClr val="accent1">
-              <a:shade val="50000"/>
-            </a:schemeClr>
-          </a:lnRef>
-          <a:fillRef idx="1">
-            <a:schemeClr val="accent1"/>
-          </a:fillRef>
-          <a:effectRef idx="0">
-            <a:schemeClr val="accent1"/>
-          </a:effectRef>
-          <a:fontRef idx="minor">
-            <a:schemeClr val="lt1"/>
-          </a:fontRef>
-        </p:style>
-        <p:txBody>
-          <a:bodyPr rtlCol="0" anchor="ctr"/>
-          <a:lstStyle/>
-          <a:p>
-            <a:pPr algn="ctr"/>
-            <a:endParaRPr kumimoji="1" lang="ja-JP" altLang="en-US" dirty="0"/>
-          </a:p>
-        </p:txBody>
-      </p:sp>
-      <p:sp>
-        <p:nvSpPr>
-          <p:cNvPr id="8" name="角丸四角形 7"/>
-          <p:cNvSpPr/>
-          <p:nvPr/>
-        </p:nvSpPr>
-        <p:spPr>
-          <a:xfrm>
-            <a:off x="4283968" y="3501008"/>
-            <a:ext cx="1440160" cy="576064"/>
-          </a:xfrm>
-          <a:prstGeom prst="roundRect">
-            <a:avLst/>
-          </a:prstGeom>
-          <a:noFill/>
-          <a:ln w="28575">
-            <a:solidFill>
-              <a:schemeClr val="tx1"/>
-            </a:solidFill>
-            <a:prstDash val="dash"/>
-          </a:ln>
-        </p:spPr>
-        <p:style>
-          <a:lnRef idx="2">
-            <a:schemeClr val="accent1">
-              <a:shade val="50000"/>
-            </a:schemeClr>
-          </a:lnRef>
-          <a:fillRef idx="1">
-            <a:schemeClr val="accent1"/>
-          </a:fillRef>
-          <a:effectRef idx="0">
-            <a:schemeClr val="accent1"/>
-          </a:effectRef>
-          <a:fontRef idx="minor">
-            <a:schemeClr val="lt1"/>
-          </a:fontRef>
-        </p:style>
-        <p:txBody>
-          <a:bodyPr rtlCol="0" anchor="ctr"/>
-          <a:lstStyle/>
-          <a:p>
-            <a:pPr algn="ctr"/>
-            <a:endParaRPr kumimoji="1" lang="ja-JP" altLang="en-US" dirty="0"/>
-          </a:p>
-        </p:txBody>
-      </p:sp>
-      <p:sp>
-        <p:nvSpPr>
-          <p:cNvPr id="9" name="楕円 8"/>
-          <p:cNvSpPr/>
-          <p:nvPr/>
-        </p:nvSpPr>
-        <p:spPr>
-          <a:xfrm>
-            <a:off x="4499992" y="3645024"/>
-            <a:ext cx="288032" cy="288032"/>
-          </a:xfrm>
-          <a:prstGeom prst="ellipse">
-            <a:avLst/>
-          </a:prstGeom>
-          <a:solidFill>
-            <a:srgbClr val="011893"/>
-          </a:solidFill>
-          <a:ln>
-            <a:solidFill>
-              <a:schemeClr val="tx1"/>
-            </a:solidFill>
-          </a:ln>
-        </p:spPr>
-        <p:style>
-          <a:lnRef idx="2">
-            <a:schemeClr val="accent1">
-              <a:shade val="50000"/>
-            </a:schemeClr>
-          </a:lnRef>
-          <a:fillRef idx="1">
-            <a:schemeClr val="accent1"/>
-          </a:fillRef>
-          <a:effectRef idx="0">
-            <a:schemeClr val="accent1"/>
-          </a:effectRef>
-          <a:fontRef idx="minor">
-            <a:schemeClr val="lt1"/>
-          </a:fontRef>
-        </p:style>
-        <p:txBody>
-          <a:bodyPr rtlCol="0" anchor="ctr"/>
-          <a:lstStyle/>
-          <a:p>
-            <a:pPr algn="ctr"/>
-            <a:endParaRPr kumimoji="1" lang="ja-JP" altLang="en-US" dirty="0"/>
-          </a:p>
-        </p:txBody>
-      </p:sp>
-      <p:sp>
-        <p:nvSpPr>
-          <p:cNvPr id="10" name="楕円 9"/>
-          <p:cNvSpPr/>
-          <p:nvPr/>
-        </p:nvSpPr>
-        <p:spPr>
-          <a:xfrm>
-            <a:off x="5220072" y="3645024"/>
-            <a:ext cx="288032" cy="288032"/>
-          </a:xfrm>
-          <a:prstGeom prst="ellipse">
-            <a:avLst/>
-          </a:prstGeom>
-          <a:solidFill>
-            <a:srgbClr val="FF0000"/>
-          </a:solidFill>
-          <a:ln>
-            <a:solidFill>
-              <a:schemeClr val="tx1"/>
-            </a:solidFill>
-          </a:ln>
-        </p:spPr>
-        <p:style>
-          <a:lnRef idx="2">
-            <a:schemeClr val="accent1">
-              <a:shade val="50000"/>
-            </a:schemeClr>
-          </a:lnRef>
-          <a:fillRef idx="1">
-            <a:schemeClr val="accent1"/>
-          </a:fillRef>
-          <a:effectRef idx="0">
-            <a:schemeClr val="accent1"/>
-          </a:effectRef>
-          <a:fontRef idx="minor">
-            <a:schemeClr val="lt1"/>
-          </a:fontRef>
-        </p:style>
-        <p:txBody>
-          <a:bodyPr rtlCol="0" anchor="ctr"/>
-          <a:lstStyle/>
-          <a:p>
-            <a:pPr algn="ctr"/>
-            <a:endParaRPr kumimoji="1" lang="ja-JP" altLang="en-US" dirty="0"/>
-          </a:p>
-        </p:txBody>
-      </p:sp>
-      <p:cxnSp>
-        <p:nvCxnSpPr>
-          <p:cNvPr id="12" name="直線コネクタ 11"/>
-          <p:cNvCxnSpPr>
-            <a:stCxn id="10" idx="2"/>
-            <a:endCxn id="9" idx="6"/>
-          </p:cNvCxnSpPr>
-          <p:nvPr/>
-        </p:nvCxnSpPr>
-        <p:spPr>
-          <a:xfrm flipH="1">
-            <a:off x="4788024" y="3789040"/>
-            <a:ext cx="432048" cy="0"/>
-          </a:xfrm>
-          <a:prstGeom prst="line">
-            <a:avLst/>
-          </a:prstGeom>
-          <a:ln>
-            <a:solidFill>
-              <a:srgbClr val="FF0000"/>
-            </a:solidFill>
-            <a:headEnd type="none"/>
-            <a:tailEnd type="none"/>
-          </a:ln>
-          <a:effectLst/>
-        </p:spPr>
-        <p:style>
-          <a:lnRef idx="2">
-            <a:schemeClr val="accent1"/>
-          </a:lnRef>
-          <a:fillRef idx="0">
-            <a:schemeClr val="accent1"/>
-          </a:fillRef>
-          <a:effectRef idx="1">
-            <a:schemeClr val="accent1"/>
-          </a:effectRef>
-          <a:fontRef idx="minor">
-            <a:schemeClr val="tx1"/>
-          </a:fontRef>
-        </p:style>
-      </p:cxnSp>
-      <p:sp>
-        <p:nvSpPr>
-          <p:cNvPr id="13" name="角丸四角形 12"/>
-          <p:cNvSpPr/>
-          <p:nvPr/>
-        </p:nvSpPr>
-        <p:spPr>
-          <a:xfrm>
-            <a:off x="7236296" y="3501008"/>
-            <a:ext cx="1440160" cy="576064"/>
-          </a:xfrm>
-          <a:prstGeom prst="roundRect">
-            <a:avLst/>
-          </a:prstGeom>
-          <a:noFill/>
-          <a:ln w="28575">
-            <a:solidFill>
-              <a:schemeClr val="tx1"/>
-            </a:solidFill>
-            <a:prstDash val="dash"/>
-          </a:ln>
-        </p:spPr>
-        <p:style>
-          <a:lnRef idx="2">
-            <a:schemeClr val="accent1">
-              <a:shade val="50000"/>
-            </a:schemeClr>
-          </a:lnRef>
-          <a:fillRef idx="1">
-            <a:schemeClr val="accent1"/>
-          </a:fillRef>
-          <a:effectRef idx="0">
-            <a:schemeClr val="accent1"/>
-          </a:effectRef>
-          <a:fontRef idx="minor">
-            <a:schemeClr val="lt1"/>
-          </a:fontRef>
-        </p:style>
-        <p:txBody>
-          <a:bodyPr rtlCol="0" anchor="ctr"/>
-          <a:lstStyle/>
-          <a:p>
-            <a:pPr algn="ctr"/>
-            <a:endParaRPr kumimoji="1" lang="ja-JP" altLang="en-US" dirty="0"/>
-          </a:p>
-        </p:txBody>
-      </p:sp>
-      <p:sp>
-        <p:nvSpPr>
-          <p:cNvPr id="14" name="楕円 13"/>
-          <p:cNvSpPr/>
-          <p:nvPr/>
-        </p:nvSpPr>
-        <p:spPr>
-          <a:xfrm>
-            <a:off x="7812360" y="3645024"/>
-            <a:ext cx="288032" cy="288032"/>
-          </a:xfrm>
-          <a:prstGeom prst="ellipse">
-            <a:avLst/>
-          </a:prstGeom>
-          <a:solidFill>
-            <a:srgbClr val="011893"/>
-          </a:solidFill>
-          <a:ln>
-            <a:solidFill>
-              <a:schemeClr val="tx1"/>
-            </a:solidFill>
-          </a:ln>
-        </p:spPr>
-        <p:style>
-          <a:lnRef idx="2">
-            <a:schemeClr val="accent1">
-              <a:shade val="50000"/>
-            </a:schemeClr>
-          </a:lnRef>
-          <a:fillRef idx="1">
-            <a:schemeClr val="accent1"/>
-          </a:fillRef>
-          <a:effectRef idx="0">
-            <a:schemeClr val="accent1"/>
-          </a:effectRef>
-          <a:fontRef idx="minor">
-            <a:schemeClr val="lt1"/>
-          </a:fontRef>
-        </p:style>
-        <p:txBody>
-          <a:bodyPr rtlCol="0" anchor="ctr"/>
-          <a:lstStyle/>
-          <a:p>
-            <a:pPr algn="ctr"/>
-            <a:endParaRPr kumimoji="1" lang="ja-JP" altLang="en-US" dirty="0"/>
-          </a:p>
-        </p:txBody>
-      </p:sp>
-      <p:sp>
-        <p:nvSpPr>
-          <p:cNvPr id="15" name="角丸四角形 14"/>
-          <p:cNvSpPr/>
-          <p:nvPr/>
-        </p:nvSpPr>
-        <p:spPr>
-          <a:xfrm>
-            <a:off x="4283968" y="4581128"/>
-            <a:ext cx="1440160" cy="576064"/>
-          </a:xfrm>
-          <a:prstGeom prst="roundRect">
-            <a:avLst/>
-          </a:prstGeom>
-          <a:noFill/>
-          <a:ln w="28575">
-            <a:solidFill>
-              <a:schemeClr val="tx1"/>
-            </a:solidFill>
-            <a:prstDash val="dash"/>
-          </a:ln>
-        </p:spPr>
-        <p:style>
-          <a:lnRef idx="2">
-            <a:schemeClr val="accent1">
-              <a:shade val="50000"/>
-            </a:schemeClr>
-          </a:lnRef>
-          <a:fillRef idx="1">
-            <a:schemeClr val="accent1"/>
-          </a:fillRef>
-          <a:effectRef idx="0">
-            <a:schemeClr val="accent1"/>
-          </a:effectRef>
-          <a:fontRef idx="minor">
-            <a:schemeClr val="lt1"/>
-          </a:fontRef>
-        </p:style>
-        <p:txBody>
-          <a:bodyPr rtlCol="0" anchor="ctr"/>
-          <a:lstStyle/>
-          <a:p>
-            <a:pPr algn="ctr"/>
-            <a:endParaRPr kumimoji="1" lang="ja-JP" altLang="en-US" dirty="0"/>
-          </a:p>
-        </p:txBody>
-      </p:sp>
-      <p:sp>
-        <p:nvSpPr>
-          <p:cNvPr id="16" name="楕円 15"/>
-          <p:cNvSpPr/>
-          <p:nvPr/>
-        </p:nvSpPr>
-        <p:spPr>
-          <a:xfrm>
-            <a:off x="4499992" y="4725144"/>
-            <a:ext cx="288032" cy="288032"/>
-          </a:xfrm>
-          <a:prstGeom prst="ellipse">
-            <a:avLst/>
-          </a:prstGeom>
-          <a:solidFill>
-            <a:srgbClr val="011893"/>
-          </a:solidFill>
-          <a:ln>
-            <a:solidFill>
-              <a:schemeClr val="tx1"/>
-            </a:solidFill>
-          </a:ln>
-        </p:spPr>
-        <p:style>
-          <a:lnRef idx="2">
-            <a:schemeClr val="accent1">
-              <a:shade val="50000"/>
-            </a:schemeClr>
-          </a:lnRef>
-          <a:fillRef idx="1">
-            <a:schemeClr val="accent1"/>
-          </a:fillRef>
-          <a:effectRef idx="0">
-            <a:schemeClr val="accent1"/>
-          </a:effectRef>
-          <a:fontRef idx="minor">
-            <a:schemeClr val="lt1"/>
-          </a:fontRef>
-        </p:style>
-        <p:txBody>
-          <a:bodyPr rtlCol="0" anchor="ctr"/>
-          <a:lstStyle/>
-          <a:p>
-            <a:pPr algn="ctr"/>
-            <a:endParaRPr kumimoji="1" lang="ja-JP" altLang="en-US" dirty="0"/>
-          </a:p>
-        </p:txBody>
-      </p:sp>
-      <p:sp>
-        <p:nvSpPr>
-          <p:cNvPr id="17" name="楕円 16"/>
-          <p:cNvSpPr/>
-          <p:nvPr/>
-        </p:nvSpPr>
-        <p:spPr>
-          <a:xfrm>
-            <a:off x="5220072" y="4725144"/>
-            <a:ext cx="288032" cy="288032"/>
-          </a:xfrm>
-          <a:prstGeom prst="ellipse">
-            <a:avLst/>
-          </a:prstGeom>
-          <a:solidFill>
-            <a:srgbClr val="002060"/>
-          </a:solidFill>
-          <a:ln>
-            <a:solidFill>
-              <a:schemeClr val="tx1"/>
-            </a:solidFill>
-          </a:ln>
-        </p:spPr>
-        <p:style>
-          <a:lnRef idx="2">
-            <a:schemeClr val="accent1">
-              <a:shade val="50000"/>
-            </a:schemeClr>
-          </a:lnRef>
-          <a:fillRef idx="1">
-            <a:schemeClr val="accent1"/>
-          </a:fillRef>
-          <a:effectRef idx="0">
-            <a:schemeClr val="accent1"/>
-          </a:effectRef>
-          <a:fontRef idx="minor">
-            <a:schemeClr val="lt1"/>
-          </a:fontRef>
-        </p:style>
-        <p:txBody>
-          <a:bodyPr rtlCol="0" anchor="ctr"/>
-          <a:lstStyle/>
-          <a:p>
-            <a:pPr algn="ctr"/>
-            <a:endParaRPr kumimoji="1" lang="ja-JP" altLang="en-US" dirty="0"/>
-          </a:p>
-        </p:txBody>
-      </p:sp>
-      <p:cxnSp>
-        <p:nvCxnSpPr>
-          <p:cNvPr id="18" name="直線コネクタ 17"/>
-          <p:cNvCxnSpPr>
-            <a:stCxn id="17" idx="2"/>
-            <a:endCxn id="16" idx="6"/>
-          </p:cNvCxnSpPr>
-          <p:nvPr/>
-        </p:nvCxnSpPr>
-        <p:spPr>
-          <a:xfrm flipH="1">
-            <a:off x="4788024" y="4869160"/>
-            <a:ext cx="432048" cy="0"/>
-          </a:xfrm>
-          <a:prstGeom prst="line">
-            <a:avLst/>
-          </a:prstGeom>
-          <a:ln>
-            <a:solidFill>
-              <a:schemeClr val="tx1"/>
-            </a:solidFill>
-            <a:headEnd type="none"/>
-            <a:tailEnd type="none"/>
-          </a:ln>
-          <a:effectLst/>
-        </p:spPr>
-        <p:style>
-          <a:lnRef idx="2">
-            <a:schemeClr val="accent1"/>
-          </a:lnRef>
-          <a:fillRef idx="0">
-            <a:schemeClr val="accent1"/>
-          </a:fillRef>
-          <a:effectRef idx="1">
-            <a:schemeClr val="accent1"/>
-          </a:effectRef>
-          <a:fontRef idx="minor">
-            <a:schemeClr val="tx1"/>
-          </a:fontRef>
-        </p:style>
-      </p:cxnSp>
-      <p:sp>
-        <p:nvSpPr>
-          <p:cNvPr id="21" name="角丸四角形 20"/>
-          <p:cNvSpPr/>
-          <p:nvPr/>
-        </p:nvSpPr>
-        <p:spPr>
-          <a:xfrm>
-            <a:off x="7236296" y="4581128"/>
-            <a:ext cx="1440160" cy="576064"/>
-          </a:xfrm>
-          <a:prstGeom prst="roundRect">
-            <a:avLst/>
-          </a:prstGeom>
-          <a:noFill/>
-          <a:ln w="28575">
-            <a:solidFill>
-              <a:schemeClr val="tx1"/>
-            </a:solidFill>
-            <a:prstDash val="dash"/>
-          </a:ln>
-        </p:spPr>
-        <p:style>
-          <a:lnRef idx="2">
-            <a:schemeClr val="accent1">
-              <a:shade val="50000"/>
-            </a:schemeClr>
-          </a:lnRef>
-          <a:fillRef idx="1">
-            <a:schemeClr val="accent1"/>
-          </a:fillRef>
-          <a:effectRef idx="0">
-            <a:schemeClr val="accent1"/>
-          </a:effectRef>
-          <a:fontRef idx="minor">
-            <a:schemeClr val="lt1"/>
-          </a:fontRef>
-        </p:style>
-        <p:txBody>
-          <a:bodyPr rtlCol="0" anchor="ctr"/>
-          <a:lstStyle/>
-          <a:p>
-            <a:pPr algn="ctr"/>
-            <a:endParaRPr kumimoji="1" lang="ja-JP" altLang="en-US" dirty="0"/>
-          </a:p>
-        </p:txBody>
-      </p:sp>
-      <p:sp>
-        <p:nvSpPr>
-          <p:cNvPr id="22" name="楕円 21"/>
-          <p:cNvSpPr/>
-          <p:nvPr/>
-        </p:nvSpPr>
-        <p:spPr>
-          <a:xfrm>
-            <a:off x="7452320" y="4725144"/>
-            <a:ext cx="288032" cy="288032"/>
-          </a:xfrm>
-          <a:prstGeom prst="ellipse">
-            <a:avLst/>
-          </a:prstGeom>
-          <a:solidFill>
-            <a:srgbClr val="011893"/>
-          </a:solidFill>
-          <a:ln>
-            <a:solidFill>
-              <a:schemeClr val="tx1"/>
-            </a:solidFill>
-          </a:ln>
-        </p:spPr>
-        <p:style>
-          <a:lnRef idx="2">
-            <a:schemeClr val="accent1">
-              <a:shade val="50000"/>
-            </a:schemeClr>
-          </a:lnRef>
-          <a:fillRef idx="1">
-            <a:schemeClr val="accent1"/>
-          </a:fillRef>
-          <a:effectRef idx="0">
-            <a:schemeClr val="accent1"/>
-          </a:effectRef>
-          <a:fontRef idx="minor">
-            <a:schemeClr val="lt1"/>
-          </a:fontRef>
-        </p:style>
-        <p:txBody>
-          <a:bodyPr rtlCol="0" anchor="ctr"/>
-          <a:lstStyle/>
-          <a:p>
-            <a:pPr algn="ctr"/>
-            <a:endParaRPr kumimoji="1" lang="ja-JP" altLang="en-US" dirty="0"/>
-          </a:p>
-        </p:txBody>
-      </p:sp>
-      <p:sp>
-        <p:nvSpPr>
-          <p:cNvPr id="23" name="楕円 22"/>
-          <p:cNvSpPr/>
-          <p:nvPr/>
-        </p:nvSpPr>
-        <p:spPr>
-          <a:xfrm>
-            <a:off x="8172400" y="4725144"/>
-            <a:ext cx="288032" cy="288032"/>
-          </a:xfrm>
-          <a:prstGeom prst="ellipse">
-            <a:avLst/>
-          </a:prstGeom>
-          <a:solidFill>
-            <a:srgbClr val="FF0000"/>
-          </a:solidFill>
-          <a:ln>
-            <a:solidFill>
-              <a:schemeClr val="tx1"/>
-            </a:solidFill>
-          </a:ln>
-        </p:spPr>
-        <p:style>
-          <a:lnRef idx="2">
-            <a:schemeClr val="accent1">
-              <a:shade val="50000"/>
-            </a:schemeClr>
-          </a:lnRef>
-          <a:fillRef idx="1">
-            <a:schemeClr val="accent1"/>
-          </a:fillRef>
-          <a:effectRef idx="0">
-            <a:schemeClr val="accent1"/>
-          </a:effectRef>
-          <a:fontRef idx="minor">
-            <a:schemeClr val="lt1"/>
-          </a:fontRef>
-        </p:style>
-        <p:txBody>
-          <a:bodyPr rtlCol="0" anchor="ctr"/>
-          <a:lstStyle/>
-          <a:p>
-            <a:pPr algn="ctr"/>
-            <a:endParaRPr kumimoji="1" lang="ja-JP" altLang="en-US" dirty="0"/>
-          </a:p>
-        </p:txBody>
-      </p:sp>
-      <p:cxnSp>
-        <p:nvCxnSpPr>
-          <p:cNvPr id="24" name="直線コネクタ 23"/>
-          <p:cNvCxnSpPr>
-            <a:stCxn id="23" idx="2"/>
-            <a:endCxn id="22" idx="6"/>
-          </p:cNvCxnSpPr>
-          <p:nvPr/>
-        </p:nvCxnSpPr>
-        <p:spPr>
-          <a:xfrm flipH="1">
-            <a:off x="7740352" y="4869160"/>
-            <a:ext cx="432048" cy="0"/>
-          </a:xfrm>
-          <a:prstGeom prst="line">
-            <a:avLst/>
-          </a:prstGeom>
-          <a:ln>
-            <a:solidFill>
-              <a:srgbClr val="FF0000"/>
-            </a:solidFill>
-            <a:headEnd type="none"/>
-            <a:tailEnd type="none"/>
-          </a:ln>
-          <a:effectLst/>
-        </p:spPr>
-        <p:style>
-          <a:lnRef idx="2">
-            <a:schemeClr val="accent1"/>
-          </a:lnRef>
-          <a:fillRef idx="0">
-            <a:schemeClr val="accent1"/>
-          </a:fillRef>
-          <a:effectRef idx="1">
-            <a:schemeClr val="accent1"/>
-          </a:effectRef>
-          <a:fontRef idx="minor">
-            <a:schemeClr val="tx1"/>
-          </a:fontRef>
-        </p:style>
-      </p:cxnSp>
-      <p:sp>
-        <p:nvSpPr>
-          <p:cNvPr id="25" name="左矢印 24"/>
-          <p:cNvSpPr/>
-          <p:nvPr/>
-        </p:nvSpPr>
-        <p:spPr>
-          <a:xfrm>
-            <a:off x="6228184" y="2492896"/>
-            <a:ext cx="504056" cy="412624"/>
-          </a:xfrm>
-          <a:prstGeom prst="leftArrow">
-            <a:avLst/>
-          </a:prstGeom>
-          <a:solidFill>
-            <a:srgbClr val="FF0000"/>
-          </a:solidFill>
-          <a:ln w="19050">
-            <a:solidFill>
-              <a:schemeClr val="tx1"/>
-            </a:solidFill>
-          </a:ln>
-        </p:spPr>
-        <p:txBody>
-          <a:bodyPr wrap="square" rtlCol="0" anchor="ctr">
-            <a:spAutoFit/>
-          </a:bodyPr>
-          <a:lstStyle/>
-          <a:p>
-            <a:pPr algn="ctr"/>
-            <a:endParaRPr kumimoji="1" lang="ja-JP" altLang="en-US" sz="2400" dirty="0" smtClean="0"/>
-          </a:p>
-        </p:txBody>
-      </p:sp>
-      <p:sp>
-        <p:nvSpPr>
-          <p:cNvPr id="26" name="左矢印 25"/>
-          <p:cNvSpPr/>
-          <p:nvPr/>
-        </p:nvSpPr>
-        <p:spPr>
-          <a:xfrm rot="10800000">
-            <a:off x="6228184" y="4653136"/>
-            <a:ext cx="504056" cy="412624"/>
-          </a:xfrm>
-          <a:prstGeom prst="leftArrow">
-            <a:avLst/>
-          </a:prstGeom>
-          <a:solidFill>
-            <a:srgbClr val="FF0000"/>
-          </a:solidFill>
-          <a:ln w="19050">
-            <a:solidFill>
-              <a:schemeClr val="tx1"/>
-            </a:solidFill>
-          </a:ln>
-        </p:spPr>
-        <p:txBody>
-          <a:bodyPr wrap="square" rtlCol="0" anchor="ctr">
-            <a:spAutoFit/>
-          </a:bodyPr>
-          <a:lstStyle/>
-          <a:p>
-            <a:pPr algn="ctr"/>
-            <a:endParaRPr kumimoji="1" lang="ja-JP" altLang="en-US" sz="2400" dirty="0" smtClean="0"/>
-          </a:p>
-        </p:txBody>
-      </p:sp>
-      <p:sp>
-        <p:nvSpPr>
-          <p:cNvPr id="27" name="テキスト ボックス 26"/>
-          <p:cNvSpPr txBox="1"/>
-          <p:nvPr/>
-        </p:nvSpPr>
-        <p:spPr>
-          <a:xfrm>
-            <a:off x="5868144" y="1988840"/>
-            <a:ext cx="1249060" cy="461665"/>
-          </a:xfrm>
-          <a:prstGeom prst="rect">
-            <a:avLst/>
-          </a:prstGeom>
-          <a:noFill/>
-        </p:spPr>
-        <p:txBody>
-          <a:bodyPr wrap="none" rtlCol="0">
-            <a:spAutoFit/>
-          </a:bodyPr>
-          <a:lstStyle/>
-          <a:p>
-            <a:r>
-              <a:rPr kumimoji="1" lang="en-US" altLang="ja-JP" sz="2400" dirty="0" smtClean="0"/>
-              <a:t>git clone</a:t>
-            </a:r>
-            <a:endParaRPr kumimoji="1" lang="ja-JP" altLang="en-US" sz="2400" dirty="0" smtClean="0"/>
-          </a:p>
-        </p:txBody>
-      </p:sp>
-      <p:sp>
-        <p:nvSpPr>
-          <p:cNvPr id="28" name="テキスト ボックス 27"/>
-          <p:cNvSpPr txBox="1"/>
-          <p:nvPr/>
-        </p:nvSpPr>
-        <p:spPr>
-          <a:xfrm>
-            <a:off x="5868144" y="4221088"/>
-            <a:ext cx="1176925" cy="461665"/>
-          </a:xfrm>
-          <a:prstGeom prst="rect">
-            <a:avLst/>
-          </a:prstGeom>
-          <a:noFill/>
-        </p:spPr>
-        <p:txBody>
-          <a:bodyPr wrap="none" rtlCol="0">
-            <a:spAutoFit/>
-          </a:bodyPr>
-          <a:lstStyle/>
-          <a:p>
-            <a:r>
-              <a:rPr kumimoji="1" lang="en-US" altLang="ja-JP" sz="2400" dirty="0" smtClean="0"/>
-              <a:t>git push</a:t>
-            </a:r>
-            <a:endParaRPr kumimoji="1" lang="ja-JP" altLang="en-US" sz="2400" dirty="0" smtClean="0"/>
-          </a:p>
-        </p:txBody>
-      </p:sp>
-      <p:sp>
-        <p:nvSpPr>
-          <p:cNvPr id="32" name="テキスト ボックス 31"/>
-          <p:cNvSpPr txBox="1"/>
-          <p:nvPr/>
-        </p:nvSpPr>
-        <p:spPr>
-          <a:xfrm>
-            <a:off x="7380312" y="692696"/>
-            <a:ext cx="1067921" cy="461665"/>
-          </a:xfrm>
-          <a:prstGeom prst="rect">
-            <a:avLst/>
-          </a:prstGeom>
-          <a:noFill/>
-        </p:spPr>
-        <p:txBody>
-          <a:bodyPr wrap="none" rtlCol="0">
-            <a:spAutoFit/>
-          </a:bodyPr>
-          <a:lstStyle/>
-          <a:p>
-            <a:r>
-              <a:rPr kumimoji="1" lang="en-US" altLang="ja-JP" sz="2400" dirty="0" smtClean="0"/>
-              <a:t>GitHub</a:t>
-            </a:r>
-            <a:endParaRPr kumimoji="1" lang="ja-JP" altLang="en-US" sz="2400" dirty="0" smtClean="0"/>
-          </a:p>
-        </p:txBody>
-      </p:sp>
-      <p:sp>
-        <p:nvSpPr>
-          <p:cNvPr id="34" name="テキスト ボックス 33"/>
-          <p:cNvSpPr txBox="1"/>
-          <p:nvPr/>
-        </p:nvSpPr>
-        <p:spPr>
-          <a:xfrm>
-            <a:off x="4337336" y="692696"/>
-            <a:ext cx="1314784" cy="461665"/>
-          </a:xfrm>
-          <a:prstGeom prst="rect">
-            <a:avLst/>
-          </a:prstGeom>
-          <a:noFill/>
-        </p:spPr>
-        <p:txBody>
-          <a:bodyPr wrap="none" rtlCol="0">
-            <a:spAutoFit/>
-          </a:bodyPr>
-          <a:lstStyle/>
-          <a:p>
-            <a:r>
-              <a:rPr kumimoji="1" lang="ja-JP" altLang="en-US" sz="2400" dirty="0" smtClean="0"/>
-              <a:t>ローカル</a:t>
-            </a:r>
-            <a:endParaRPr kumimoji="1" lang="ja-JP" altLang="en-US" sz="2400" dirty="0" smtClean="0"/>
-          </a:p>
-        </p:txBody>
-      </p:sp>
-      <p:sp>
-        <p:nvSpPr>
-          <p:cNvPr id="35" name="テキスト ボックス 34"/>
-          <p:cNvSpPr txBox="1"/>
-          <p:nvPr/>
-        </p:nvSpPr>
-        <p:spPr>
-          <a:xfrm>
-            <a:off x="107504" y="1412776"/>
-            <a:ext cx="3635932" cy="461665"/>
-          </a:xfrm>
-          <a:prstGeom prst="rect">
-            <a:avLst/>
-          </a:prstGeom>
-          <a:noFill/>
-        </p:spPr>
-        <p:txBody>
-          <a:bodyPr wrap="none" rtlCol="0">
-            <a:spAutoFit/>
-          </a:bodyPr>
-          <a:lstStyle/>
-          <a:p>
-            <a:r>
-              <a:rPr kumimoji="1" lang="en-US" altLang="ja-JP" sz="2400" dirty="0" smtClean="0"/>
-              <a:t>1 GitHub</a:t>
-            </a:r>
-            <a:r>
-              <a:rPr kumimoji="1" lang="ja-JP" altLang="en-US" sz="2400" dirty="0" smtClean="0"/>
-              <a:t>でリポジトリを作る</a:t>
-            </a:r>
-            <a:endParaRPr kumimoji="1" lang="ja-JP" altLang="en-US" sz="2400" dirty="0" smtClean="0"/>
-          </a:p>
-        </p:txBody>
-      </p:sp>
-      <p:sp>
-        <p:nvSpPr>
-          <p:cNvPr id="36" name="テキスト ボックス 35"/>
-          <p:cNvSpPr txBox="1"/>
-          <p:nvPr/>
-        </p:nvSpPr>
-        <p:spPr>
-          <a:xfrm>
-            <a:off x="107504" y="2492896"/>
-            <a:ext cx="3579339" cy="461665"/>
-          </a:xfrm>
-          <a:prstGeom prst="rect">
-            <a:avLst/>
-          </a:prstGeom>
-          <a:noFill/>
-        </p:spPr>
-        <p:txBody>
-          <a:bodyPr wrap="square" rtlCol="0">
-            <a:spAutoFit/>
-          </a:bodyPr>
-          <a:lstStyle/>
-          <a:p>
-            <a:r>
-              <a:rPr lang="en-US" altLang="ja-JP" sz="2400" dirty="0"/>
-              <a:t>2</a:t>
-            </a:r>
-            <a:r>
-              <a:rPr kumimoji="1" lang="en-US" altLang="ja-JP" sz="2400" dirty="0" smtClean="0"/>
-              <a:t> </a:t>
-            </a:r>
-            <a:r>
-              <a:rPr kumimoji="1" lang="ja-JP" altLang="en-US" sz="2400" dirty="0" smtClean="0"/>
-              <a:t>ローカルにクローン</a:t>
-            </a:r>
-            <a:endParaRPr kumimoji="1" lang="ja-JP" altLang="en-US" sz="2400" dirty="0" smtClean="0"/>
-          </a:p>
-        </p:txBody>
-      </p:sp>
-      <p:sp>
-        <p:nvSpPr>
-          <p:cNvPr id="37" name="テキスト ボックス 36"/>
-          <p:cNvSpPr txBox="1"/>
-          <p:nvPr/>
-        </p:nvSpPr>
-        <p:spPr>
-          <a:xfrm>
-            <a:off x="107504" y="3573016"/>
-            <a:ext cx="3903847" cy="461665"/>
-          </a:xfrm>
-          <a:prstGeom prst="rect">
-            <a:avLst/>
-          </a:prstGeom>
-          <a:noFill/>
-        </p:spPr>
-        <p:txBody>
-          <a:bodyPr wrap="square" rtlCol="0">
-            <a:spAutoFit/>
-          </a:bodyPr>
-          <a:lstStyle/>
-          <a:p>
-            <a:r>
-              <a:rPr lang="en-US" altLang="ja-JP" sz="2400" dirty="0" smtClean="0"/>
-              <a:t>3 </a:t>
-            </a:r>
-            <a:r>
-              <a:rPr lang="ja-JP" altLang="en-US" sz="2400" dirty="0" smtClean="0"/>
-              <a:t>ローカルで修正 </a:t>
-            </a:r>
-            <a:r>
-              <a:rPr lang="en-US" altLang="ja-JP" sz="2400" dirty="0" smtClean="0"/>
-              <a:t>(</a:t>
-            </a:r>
-            <a:r>
-              <a:rPr lang="ja-JP" altLang="en-US" sz="2400" dirty="0" smtClean="0"/>
-              <a:t>歴史追加</a:t>
-            </a:r>
-            <a:r>
-              <a:rPr lang="en-US" altLang="ja-JP" sz="2400" dirty="0" smtClean="0"/>
-              <a:t>)</a:t>
-            </a:r>
-            <a:endParaRPr kumimoji="1" lang="ja-JP" altLang="en-US" sz="2400" dirty="0" smtClean="0"/>
-          </a:p>
-        </p:txBody>
-      </p:sp>
-      <p:sp>
-        <p:nvSpPr>
-          <p:cNvPr id="38" name="テキスト ボックス 37"/>
-          <p:cNvSpPr txBox="1"/>
-          <p:nvPr/>
-        </p:nvSpPr>
-        <p:spPr>
-          <a:xfrm>
-            <a:off x="107504" y="4653136"/>
-            <a:ext cx="3903847" cy="461665"/>
-          </a:xfrm>
-          <a:prstGeom prst="rect">
-            <a:avLst/>
-          </a:prstGeom>
-          <a:noFill/>
-        </p:spPr>
-        <p:txBody>
-          <a:bodyPr wrap="square" rtlCol="0">
-            <a:spAutoFit/>
-          </a:bodyPr>
-          <a:lstStyle/>
-          <a:p>
-            <a:r>
-              <a:rPr lang="en-US" altLang="ja-JP" sz="2400" dirty="0" smtClean="0"/>
-              <a:t>4 </a:t>
-            </a:r>
-            <a:r>
-              <a:rPr lang="ja-JP" altLang="en-US" sz="2400" dirty="0" smtClean="0"/>
-              <a:t>リモートにプッシュ</a:t>
-            </a:r>
-            <a:endParaRPr kumimoji="1" lang="ja-JP" altLang="en-US" sz="2400" dirty="0" smtClean="0"/>
-          </a:p>
-        </p:txBody>
-      </p:sp>
     </p:spTree>
     <p:extLst>
       <p:ext uri="{BB962C8B-B14F-4D97-AF65-F5344CB8AC3E}">
-        <p14:creationId xmlns:p14="http://schemas.microsoft.com/office/powerpoint/2010/main" val="88631909"/>
+        <p14:creationId xmlns:p14="http://schemas.microsoft.com/office/powerpoint/2010/main" val="860462809"/>
       </p:ext>
     </p:extLst>
   </p:cSld>
@@ -3227,6 +1501,776 @@
           <a:chExt cx="0" cy="0"/>
         </a:xfrm>
       </p:grpSpPr>
+      <p:pic>
+        <p:nvPicPr>
+          <p:cNvPr id="2" name="図 1"/>
+          <p:cNvPicPr>
+            <a:picLocks noChangeAspect="1"/>
+          </p:cNvPicPr>
+          <p:nvPr/>
+        </p:nvPicPr>
+        <p:blipFill>
+          <a:blip r:embed="rId2"/>
+          <a:stretch>
+            <a:fillRect/>
+          </a:stretch>
+        </p:blipFill>
+        <p:spPr>
+          <a:xfrm>
+            <a:off x="539552" y="188640"/>
+            <a:ext cx="7832854" cy="6411704"/>
+          </a:xfrm>
+          <a:prstGeom prst="rect">
+            <a:avLst/>
+          </a:prstGeom>
+        </p:spPr>
+      </p:pic>
+      <p:sp>
+        <p:nvSpPr>
+          <p:cNvPr id="3" name="角丸四角形 2"/>
+          <p:cNvSpPr/>
+          <p:nvPr/>
+        </p:nvSpPr>
+        <p:spPr>
+          <a:xfrm>
+            <a:off x="539552" y="4149080"/>
+            <a:ext cx="7704856" cy="1152128"/>
+          </a:xfrm>
+          <a:prstGeom prst="roundRect">
+            <a:avLst/>
+          </a:prstGeom>
+          <a:ln w="57150">
+            <a:solidFill>
+              <a:srgbClr val="FF0000"/>
+            </a:solidFill>
+          </a:ln>
+        </p:spPr>
+        <p:txBody>
+          <a:bodyPr wrap="square" rtlCol="0" anchor="ctr">
+            <a:spAutoFit/>
+          </a:bodyPr>
+          <a:lstStyle/>
+          <a:p>
+            <a:pPr algn="ctr"/>
+            <a:endParaRPr kumimoji="1" lang="ja-JP" altLang="en-US" sz="2400" dirty="0" smtClean="0"/>
+          </a:p>
+        </p:txBody>
+      </p:sp>
+      <p:sp>
+        <p:nvSpPr>
+          <p:cNvPr id="4" name="角丸四角形 3"/>
+          <p:cNvSpPr/>
+          <p:nvPr/>
+        </p:nvSpPr>
+        <p:spPr>
+          <a:xfrm>
+            <a:off x="7596336" y="4437112"/>
+            <a:ext cx="504056" cy="368424"/>
+          </a:xfrm>
+          <a:prstGeom prst="roundRect">
+            <a:avLst/>
+          </a:prstGeom>
+          <a:ln w="57150">
+            <a:solidFill>
+              <a:srgbClr val="FF0000"/>
+            </a:solidFill>
+          </a:ln>
+        </p:spPr>
+        <p:txBody>
+          <a:bodyPr wrap="square" rtlCol="0" anchor="ctr">
+            <a:spAutoFit/>
+          </a:bodyPr>
+          <a:lstStyle/>
+          <a:p>
+            <a:pPr algn="ctr"/>
+            <a:endParaRPr kumimoji="1" lang="ja-JP" altLang="en-US" sz="2400" dirty="0" smtClean="0"/>
+          </a:p>
+        </p:txBody>
+      </p:sp>
+    </p:spTree>
+    <p:extLst>
+      <p:ext uri="{BB962C8B-B14F-4D97-AF65-F5344CB8AC3E}">
+        <p14:creationId xmlns:p14="http://schemas.microsoft.com/office/powerpoint/2010/main" val="3240204251"/>
+      </p:ext>
+    </p:extLst>
+  </p:cSld>
+  <p:clrMapOvr>
+    <a:masterClrMapping/>
+  </p:clrMapOvr>
+</p:sld>
+</file>
+
+<file path=ppt/slides/slide7.xml><?xml version="1.0" encoding="utf-8"?>
+<p:sld xmlns:a="http://schemas.openxmlformats.org/drawingml/2006/main" xmlns:r="http://schemas.openxmlformats.org/officeDocument/2006/relationships" xmlns:p="http://schemas.openxmlformats.org/presentationml/2006/main">
+  <p:cSld>
+    <p:spTree>
+      <p:nvGrpSpPr>
+        <p:cNvPr id="1" name=""/>
+        <p:cNvGrpSpPr/>
+        <p:nvPr/>
+      </p:nvGrpSpPr>
+      <p:grpSpPr>
+        <a:xfrm>
+          <a:off x="0" y="0"/>
+          <a:ext cx="0" cy="0"/>
+          <a:chOff x="0" y="0"/>
+          <a:chExt cx="0" cy="0"/>
+        </a:xfrm>
+      </p:grpSpPr>
+      <p:sp>
+        <p:nvSpPr>
+          <p:cNvPr id="2" name="楕円 1"/>
+          <p:cNvSpPr/>
+          <p:nvPr/>
+        </p:nvSpPr>
+        <p:spPr>
+          <a:xfrm>
+            <a:off x="2883872" y="6093296"/>
+            <a:ext cx="432048" cy="432048"/>
+          </a:xfrm>
+          <a:prstGeom prst="ellipse">
+            <a:avLst/>
+          </a:prstGeom>
+          <a:solidFill>
+            <a:srgbClr val="011893"/>
+          </a:solidFill>
+          <a:ln>
+            <a:solidFill>
+              <a:schemeClr val="tx1"/>
+            </a:solidFill>
+          </a:ln>
+        </p:spPr>
+        <p:style>
+          <a:lnRef idx="2">
+            <a:schemeClr val="accent1">
+              <a:shade val="50000"/>
+            </a:schemeClr>
+          </a:lnRef>
+          <a:fillRef idx="1">
+            <a:schemeClr val="accent1"/>
+          </a:fillRef>
+          <a:effectRef idx="0">
+            <a:schemeClr val="accent1"/>
+          </a:effectRef>
+          <a:fontRef idx="minor">
+            <a:schemeClr val="lt1"/>
+          </a:fontRef>
+        </p:style>
+        <p:txBody>
+          <a:bodyPr rtlCol="0" anchor="ctr"/>
+          <a:lstStyle/>
+          <a:p>
+            <a:pPr algn="ctr"/>
+            <a:endParaRPr kumimoji="1" lang="ja-JP" altLang="en-US" dirty="0"/>
+          </a:p>
+        </p:txBody>
+      </p:sp>
+      <p:sp>
+        <p:nvSpPr>
+          <p:cNvPr id="3" name="楕円 2"/>
+          <p:cNvSpPr/>
+          <p:nvPr/>
+        </p:nvSpPr>
+        <p:spPr>
+          <a:xfrm>
+            <a:off x="4324032" y="6093296"/>
+            <a:ext cx="432048" cy="432048"/>
+          </a:xfrm>
+          <a:prstGeom prst="ellipse">
+            <a:avLst/>
+          </a:prstGeom>
+          <a:solidFill>
+            <a:srgbClr val="011893"/>
+          </a:solidFill>
+          <a:ln>
+            <a:solidFill>
+              <a:schemeClr val="tx1"/>
+            </a:solidFill>
+          </a:ln>
+        </p:spPr>
+        <p:style>
+          <a:lnRef idx="2">
+            <a:schemeClr val="accent1">
+              <a:shade val="50000"/>
+            </a:schemeClr>
+          </a:lnRef>
+          <a:fillRef idx="1">
+            <a:schemeClr val="accent1"/>
+          </a:fillRef>
+          <a:effectRef idx="0">
+            <a:schemeClr val="accent1"/>
+          </a:effectRef>
+          <a:fontRef idx="minor">
+            <a:schemeClr val="lt1"/>
+          </a:fontRef>
+        </p:style>
+        <p:txBody>
+          <a:bodyPr rtlCol="0" anchor="ctr"/>
+          <a:lstStyle/>
+          <a:p>
+            <a:pPr algn="ctr"/>
+            <a:endParaRPr kumimoji="1" lang="ja-JP" altLang="en-US" dirty="0"/>
+          </a:p>
+        </p:txBody>
+      </p:sp>
+      <p:cxnSp>
+        <p:nvCxnSpPr>
+          <p:cNvPr id="4" name="直線コネクタ 3"/>
+          <p:cNvCxnSpPr/>
+          <p:nvPr/>
+        </p:nvCxnSpPr>
+        <p:spPr>
+          <a:xfrm>
+            <a:off x="3315920" y="6309320"/>
+            <a:ext cx="1008112" cy="0"/>
+          </a:xfrm>
+          <a:prstGeom prst="line">
+            <a:avLst/>
+          </a:prstGeom>
+          <a:ln w="57150">
+            <a:solidFill>
+              <a:schemeClr val="tx1"/>
+            </a:solidFill>
+            <a:headEnd type="none" w="med" len="med"/>
+            <a:tailEnd type="none" w="med" len="med"/>
+          </a:ln>
+        </p:spPr>
+        <p:style>
+          <a:lnRef idx="1">
+            <a:schemeClr val="accent1"/>
+          </a:lnRef>
+          <a:fillRef idx="0">
+            <a:schemeClr val="accent1"/>
+          </a:fillRef>
+          <a:effectRef idx="0">
+            <a:schemeClr val="accent1"/>
+          </a:effectRef>
+          <a:fontRef idx="minor">
+            <a:schemeClr val="tx1"/>
+          </a:fontRef>
+        </p:style>
+      </p:cxnSp>
+      <p:sp>
+        <p:nvSpPr>
+          <p:cNvPr id="5" name="テキスト ボックス 4"/>
+          <p:cNvSpPr txBox="1"/>
+          <p:nvPr/>
+        </p:nvSpPr>
+        <p:spPr>
+          <a:xfrm>
+            <a:off x="2667848" y="5589240"/>
+            <a:ext cx="877163" cy="369332"/>
+          </a:xfrm>
+          <a:prstGeom prst="rect">
+            <a:avLst/>
+          </a:prstGeom>
+          <a:noFill/>
+        </p:spPr>
+        <p:txBody>
+          <a:bodyPr wrap="none" rtlCol="0">
+            <a:spAutoFit/>
+          </a:bodyPr>
+          <a:lstStyle/>
+          <a:p>
+            <a:r>
+              <a:rPr kumimoji="1" lang="ja-JP" altLang="en-US" dirty="0" smtClean="0"/>
+              <a:t>二日前</a:t>
+            </a:r>
+            <a:endParaRPr kumimoji="1" lang="ja-JP" altLang="en-US" dirty="0"/>
+          </a:p>
+        </p:txBody>
+      </p:sp>
+      <p:sp>
+        <p:nvSpPr>
+          <p:cNvPr id="12" name="角丸四角形 11"/>
+          <p:cNvSpPr/>
+          <p:nvPr/>
+        </p:nvSpPr>
+        <p:spPr>
+          <a:xfrm>
+            <a:off x="5148064" y="1196752"/>
+            <a:ext cx="1440160" cy="720080"/>
+          </a:xfrm>
+          <a:prstGeom prst="roundRect">
+            <a:avLst/>
+          </a:prstGeom>
+          <a:noFill/>
+          <a:ln w="28575">
+            <a:solidFill>
+              <a:schemeClr val="tx1"/>
+            </a:solidFill>
+            <a:prstDash val="dash"/>
+          </a:ln>
+        </p:spPr>
+        <p:style>
+          <a:lnRef idx="2">
+            <a:schemeClr val="accent1">
+              <a:shade val="50000"/>
+            </a:schemeClr>
+          </a:lnRef>
+          <a:fillRef idx="1">
+            <a:schemeClr val="accent1"/>
+          </a:fillRef>
+          <a:effectRef idx="0">
+            <a:schemeClr val="accent1"/>
+          </a:effectRef>
+          <a:fontRef idx="minor">
+            <a:schemeClr val="lt1"/>
+          </a:fontRef>
+        </p:style>
+        <p:txBody>
+          <a:bodyPr rtlCol="0" anchor="ctr"/>
+          <a:lstStyle/>
+          <a:p>
+            <a:pPr algn="ctr"/>
+            <a:endParaRPr kumimoji="1" lang="ja-JP" altLang="en-US" dirty="0"/>
+          </a:p>
+        </p:txBody>
+      </p:sp>
+      <p:sp>
+        <p:nvSpPr>
+          <p:cNvPr id="14" name="テキスト ボックス 13"/>
+          <p:cNvSpPr txBox="1"/>
+          <p:nvPr/>
+        </p:nvSpPr>
+        <p:spPr>
+          <a:xfrm>
+            <a:off x="5508104" y="620688"/>
+            <a:ext cx="1067921" cy="461665"/>
+          </a:xfrm>
+          <a:prstGeom prst="rect">
+            <a:avLst/>
+          </a:prstGeom>
+          <a:noFill/>
+        </p:spPr>
+        <p:txBody>
+          <a:bodyPr wrap="none" rtlCol="0">
+            <a:spAutoFit/>
+          </a:bodyPr>
+          <a:lstStyle/>
+          <a:p>
+            <a:r>
+              <a:rPr kumimoji="1" lang="en-US" altLang="ja-JP" sz="2400" dirty="0" smtClean="0"/>
+              <a:t>GitHub</a:t>
+            </a:r>
+            <a:endParaRPr kumimoji="1" lang="ja-JP" altLang="en-US" sz="2400" dirty="0" smtClean="0"/>
+          </a:p>
+        </p:txBody>
+      </p:sp>
+      <p:sp>
+        <p:nvSpPr>
+          <p:cNvPr id="15" name="テキスト ボックス 14"/>
+          <p:cNvSpPr txBox="1"/>
+          <p:nvPr/>
+        </p:nvSpPr>
+        <p:spPr>
+          <a:xfrm>
+            <a:off x="1403648" y="620688"/>
+            <a:ext cx="1314784" cy="461665"/>
+          </a:xfrm>
+          <a:prstGeom prst="rect">
+            <a:avLst/>
+          </a:prstGeom>
+          <a:noFill/>
+        </p:spPr>
+        <p:txBody>
+          <a:bodyPr wrap="none" rtlCol="0">
+            <a:spAutoFit/>
+          </a:bodyPr>
+          <a:lstStyle/>
+          <a:p>
+            <a:r>
+              <a:rPr lang="ja-JP" altLang="en-US" sz="2400" dirty="0"/>
+              <a:t>ローカル</a:t>
+            </a:r>
+            <a:endParaRPr kumimoji="1" lang="ja-JP" altLang="en-US" sz="2400" dirty="0" smtClean="0"/>
+          </a:p>
+        </p:txBody>
+      </p:sp>
+      <p:sp>
+        <p:nvSpPr>
+          <p:cNvPr id="16" name="楕円 15"/>
+          <p:cNvSpPr/>
+          <p:nvPr/>
+        </p:nvSpPr>
+        <p:spPr>
+          <a:xfrm>
+            <a:off x="5508104" y="1340768"/>
+            <a:ext cx="432048" cy="432048"/>
+          </a:xfrm>
+          <a:prstGeom prst="ellipse">
+            <a:avLst/>
+          </a:prstGeom>
+          <a:solidFill>
+            <a:srgbClr val="011893"/>
+          </a:solidFill>
+          <a:ln>
+            <a:solidFill>
+              <a:schemeClr val="tx1"/>
+            </a:solidFill>
+          </a:ln>
+        </p:spPr>
+        <p:style>
+          <a:lnRef idx="2">
+            <a:schemeClr val="accent1">
+              <a:shade val="50000"/>
+            </a:schemeClr>
+          </a:lnRef>
+          <a:fillRef idx="1">
+            <a:schemeClr val="accent1"/>
+          </a:fillRef>
+          <a:effectRef idx="0">
+            <a:schemeClr val="accent1"/>
+          </a:effectRef>
+          <a:fontRef idx="minor">
+            <a:schemeClr val="lt1"/>
+          </a:fontRef>
+        </p:style>
+        <p:txBody>
+          <a:bodyPr rtlCol="0" anchor="ctr"/>
+          <a:lstStyle/>
+          <a:p>
+            <a:pPr algn="ctr"/>
+            <a:endParaRPr kumimoji="1" lang="ja-JP" altLang="en-US" dirty="0"/>
+          </a:p>
+        </p:txBody>
+      </p:sp>
+      <p:sp>
+        <p:nvSpPr>
+          <p:cNvPr id="17" name="テキスト ボックス 16"/>
+          <p:cNvSpPr txBox="1"/>
+          <p:nvPr/>
+        </p:nvSpPr>
+        <p:spPr>
+          <a:xfrm>
+            <a:off x="251520" y="116632"/>
+            <a:ext cx="4032448" cy="461665"/>
+          </a:xfrm>
+          <a:prstGeom prst="rect">
+            <a:avLst/>
+          </a:prstGeom>
+          <a:noFill/>
+        </p:spPr>
+        <p:txBody>
+          <a:bodyPr wrap="square" rtlCol="0">
+            <a:spAutoFit/>
+          </a:bodyPr>
+          <a:lstStyle/>
+          <a:p>
+            <a:r>
+              <a:rPr kumimoji="1" lang="en-US" altLang="ja-JP" sz="2400" dirty="0" smtClean="0"/>
+              <a:t>1. GitHub</a:t>
+            </a:r>
+            <a:r>
+              <a:rPr kumimoji="1" lang="ja-JP" altLang="en-US" sz="2400" dirty="0" smtClean="0"/>
+              <a:t>で</a:t>
+            </a:r>
+            <a:r>
+              <a:rPr lang="ja-JP" altLang="en-US" sz="2400" dirty="0" smtClean="0"/>
+              <a:t>リポジトリを作成</a:t>
+            </a:r>
+            <a:endParaRPr kumimoji="1" lang="en-US" altLang="ja-JP" sz="2400" dirty="0" smtClean="0"/>
+          </a:p>
+        </p:txBody>
+      </p:sp>
+      <p:sp>
+        <p:nvSpPr>
+          <p:cNvPr id="18" name="テキスト ボックス 17"/>
+          <p:cNvSpPr txBox="1"/>
+          <p:nvPr/>
+        </p:nvSpPr>
+        <p:spPr>
+          <a:xfrm>
+            <a:off x="251520" y="2420888"/>
+            <a:ext cx="4032448" cy="461665"/>
+          </a:xfrm>
+          <a:prstGeom prst="rect">
+            <a:avLst/>
+          </a:prstGeom>
+          <a:noFill/>
+        </p:spPr>
+        <p:txBody>
+          <a:bodyPr wrap="square" rtlCol="0">
+            <a:spAutoFit/>
+          </a:bodyPr>
+          <a:lstStyle/>
+          <a:p>
+            <a:r>
+              <a:rPr kumimoji="1" lang="en-US" altLang="ja-JP" sz="2400" dirty="0" smtClean="0"/>
+              <a:t>2. </a:t>
+            </a:r>
+            <a:r>
+              <a:rPr kumimoji="1" lang="ja-JP" altLang="en-US" sz="2400" dirty="0" smtClean="0"/>
+              <a:t>ローカルに</a:t>
+            </a:r>
+            <a:r>
+              <a:rPr kumimoji="1" lang="en-US" altLang="ja-JP" sz="2400" dirty="0" smtClean="0"/>
+              <a:t>clone</a:t>
+            </a:r>
+            <a:endParaRPr lang="en-US" altLang="ja-JP" sz="2400" dirty="0" smtClean="0"/>
+          </a:p>
+        </p:txBody>
+      </p:sp>
+      <p:sp>
+        <p:nvSpPr>
+          <p:cNvPr id="19" name="角丸四角形 18"/>
+          <p:cNvSpPr/>
+          <p:nvPr/>
+        </p:nvSpPr>
+        <p:spPr>
+          <a:xfrm>
+            <a:off x="5076056" y="3356992"/>
+            <a:ext cx="1800200" cy="1008112"/>
+          </a:xfrm>
+          <a:prstGeom prst="roundRect">
+            <a:avLst/>
+          </a:prstGeom>
+          <a:noFill/>
+          <a:ln w="28575">
+            <a:solidFill>
+              <a:schemeClr val="tx1"/>
+            </a:solidFill>
+            <a:prstDash val="dash"/>
+          </a:ln>
+        </p:spPr>
+        <p:style>
+          <a:lnRef idx="2">
+            <a:schemeClr val="accent1">
+              <a:shade val="50000"/>
+            </a:schemeClr>
+          </a:lnRef>
+          <a:fillRef idx="1">
+            <a:schemeClr val="accent1"/>
+          </a:fillRef>
+          <a:effectRef idx="0">
+            <a:schemeClr val="accent1"/>
+          </a:effectRef>
+          <a:fontRef idx="minor">
+            <a:schemeClr val="lt1"/>
+          </a:fontRef>
+        </p:style>
+        <p:txBody>
+          <a:bodyPr rtlCol="0" anchor="ctr"/>
+          <a:lstStyle/>
+          <a:p>
+            <a:pPr algn="ctr"/>
+            <a:endParaRPr kumimoji="1" lang="ja-JP" altLang="en-US" dirty="0"/>
+          </a:p>
+        </p:txBody>
+      </p:sp>
+      <p:sp>
+        <p:nvSpPr>
+          <p:cNvPr id="20" name="テキスト ボックス 19"/>
+          <p:cNvSpPr txBox="1"/>
+          <p:nvPr/>
+        </p:nvSpPr>
+        <p:spPr>
+          <a:xfrm>
+            <a:off x="5436096" y="2780928"/>
+            <a:ext cx="1067921" cy="461665"/>
+          </a:xfrm>
+          <a:prstGeom prst="rect">
+            <a:avLst/>
+          </a:prstGeom>
+          <a:noFill/>
+        </p:spPr>
+        <p:txBody>
+          <a:bodyPr wrap="none" rtlCol="0">
+            <a:spAutoFit/>
+          </a:bodyPr>
+          <a:lstStyle/>
+          <a:p>
+            <a:r>
+              <a:rPr kumimoji="1" lang="en-US" altLang="ja-JP" sz="2400" dirty="0" smtClean="0"/>
+              <a:t>GitHub</a:t>
+            </a:r>
+            <a:endParaRPr kumimoji="1" lang="ja-JP" altLang="en-US" sz="2400" dirty="0" smtClean="0"/>
+          </a:p>
+        </p:txBody>
+      </p:sp>
+      <p:sp>
+        <p:nvSpPr>
+          <p:cNvPr id="21" name="テキスト ボックス 20"/>
+          <p:cNvSpPr txBox="1"/>
+          <p:nvPr/>
+        </p:nvSpPr>
+        <p:spPr>
+          <a:xfrm>
+            <a:off x="1403648" y="2780928"/>
+            <a:ext cx="1314784" cy="461665"/>
+          </a:xfrm>
+          <a:prstGeom prst="rect">
+            <a:avLst/>
+          </a:prstGeom>
+          <a:noFill/>
+        </p:spPr>
+        <p:txBody>
+          <a:bodyPr wrap="none" rtlCol="0">
+            <a:spAutoFit/>
+          </a:bodyPr>
+          <a:lstStyle/>
+          <a:p>
+            <a:r>
+              <a:rPr lang="ja-JP" altLang="en-US" sz="2400" dirty="0"/>
+              <a:t>ローカル</a:t>
+            </a:r>
+            <a:endParaRPr kumimoji="1" lang="ja-JP" altLang="en-US" sz="2400" dirty="0" smtClean="0"/>
+          </a:p>
+        </p:txBody>
+      </p:sp>
+      <p:sp>
+        <p:nvSpPr>
+          <p:cNvPr id="22" name="楕円 21"/>
+          <p:cNvSpPr/>
+          <p:nvPr/>
+        </p:nvSpPr>
+        <p:spPr>
+          <a:xfrm>
+            <a:off x="5724128" y="3645024"/>
+            <a:ext cx="432048" cy="432048"/>
+          </a:xfrm>
+          <a:prstGeom prst="ellipse">
+            <a:avLst/>
+          </a:prstGeom>
+          <a:solidFill>
+            <a:srgbClr val="011893"/>
+          </a:solidFill>
+          <a:ln>
+            <a:solidFill>
+              <a:schemeClr val="tx1"/>
+            </a:solidFill>
+          </a:ln>
+        </p:spPr>
+        <p:style>
+          <a:lnRef idx="2">
+            <a:schemeClr val="accent1">
+              <a:shade val="50000"/>
+            </a:schemeClr>
+          </a:lnRef>
+          <a:fillRef idx="1">
+            <a:schemeClr val="accent1"/>
+          </a:fillRef>
+          <a:effectRef idx="0">
+            <a:schemeClr val="accent1"/>
+          </a:effectRef>
+          <a:fontRef idx="minor">
+            <a:schemeClr val="lt1"/>
+          </a:fontRef>
+        </p:style>
+        <p:txBody>
+          <a:bodyPr rtlCol="0" anchor="ctr"/>
+          <a:lstStyle/>
+          <a:p>
+            <a:pPr algn="ctr"/>
+            <a:endParaRPr kumimoji="1" lang="ja-JP" altLang="en-US" dirty="0"/>
+          </a:p>
+        </p:txBody>
+      </p:sp>
+      <p:sp>
+        <p:nvSpPr>
+          <p:cNvPr id="23" name="テキスト ボックス 22"/>
+          <p:cNvSpPr txBox="1"/>
+          <p:nvPr/>
+        </p:nvSpPr>
+        <p:spPr>
+          <a:xfrm>
+            <a:off x="323528" y="3789040"/>
+            <a:ext cx="4032448" cy="461665"/>
+          </a:xfrm>
+          <a:prstGeom prst="rect">
+            <a:avLst/>
+          </a:prstGeom>
+          <a:noFill/>
+        </p:spPr>
+        <p:txBody>
+          <a:bodyPr wrap="square" rtlCol="0">
+            <a:spAutoFit/>
+          </a:bodyPr>
+          <a:lstStyle/>
+          <a:p>
+            <a:r>
+              <a:rPr kumimoji="1" lang="en-US" altLang="ja-JP" sz="2400" dirty="0" smtClean="0"/>
+              <a:t>2. </a:t>
+            </a:r>
+            <a:r>
+              <a:rPr kumimoji="1" lang="ja-JP" altLang="en-US" sz="2400" dirty="0" smtClean="0"/>
+              <a:t>ローカル</a:t>
+            </a:r>
+            <a:r>
+              <a:rPr lang="ja-JP" altLang="en-US" sz="2400" dirty="0" smtClean="0"/>
+              <a:t>で修正</a:t>
+            </a:r>
+            <a:endParaRPr lang="en-US" altLang="ja-JP" sz="2400" dirty="0" smtClean="0"/>
+          </a:p>
+        </p:txBody>
+      </p:sp>
+      <p:sp>
+        <p:nvSpPr>
+          <p:cNvPr id="24" name="テキスト ボックス 23"/>
+          <p:cNvSpPr txBox="1"/>
+          <p:nvPr/>
+        </p:nvSpPr>
+        <p:spPr>
+          <a:xfrm>
+            <a:off x="251520" y="5013176"/>
+            <a:ext cx="4032448" cy="461665"/>
+          </a:xfrm>
+          <a:prstGeom prst="rect">
+            <a:avLst/>
+          </a:prstGeom>
+          <a:noFill/>
+        </p:spPr>
+        <p:txBody>
+          <a:bodyPr wrap="square" rtlCol="0">
+            <a:spAutoFit/>
+          </a:bodyPr>
+          <a:lstStyle/>
+          <a:p>
+            <a:r>
+              <a:rPr kumimoji="1" lang="en-US" altLang="ja-JP" sz="2400" dirty="0" smtClean="0"/>
+              <a:t>2. GitHub</a:t>
+            </a:r>
+            <a:r>
+              <a:rPr lang="ja-JP" altLang="en-US" sz="2400" dirty="0" smtClean="0"/>
+              <a:t>に</a:t>
+            </a:r>
+            <a:r>
+              <a:rPr lang="en-US" altLang="ja-JP" sz="2400" dirty="0" smtClean="0"/>
+              <a:t>push</a:t>
+            </a:r>
+          </a:p>
+        </p:txBody>
+      </p:sp>
+    </p:spTree>
+    <p:extLst>
+      <p:ext uri="{BB962C8B-B14F-4D97-AF65-F5344CB8AC3E}">
+        <p14:creationId xmlns:p14="http://schemas.microsoft.com/office/powerpoint/2010/main" val="975731591"/>
+      </p:ext>
+    </p:extLst>
+  </p:cSld>
+  <p:clrMapOvr>
+    <a:masterClrMapping/>
+  </p:clrMapOvr>
+</p:sld>
+</file>
+
+<file path=ppt/slides/slide8.xml><?xml version="1.0" encoding="utf-8"?>
+<p:sld xmlns:a="http://schemas.openxmlformats.org/drawingml/2006/main" xmlns:r="http://schemas.openxmlformats.org/officeDocument/2006/relationships" xmlns:p="http://schemas.openxmlformats.org/presentationml/2006/main">
+  <p:cSld>
+    <p:spTree>
+      <p:nvGrpSpPr>
+        <p:cNvPr id="1" name=""/>
+        <p:cNvGrpSpPr/>
+        <p:nvPr/>
+      </p:nvGrpSpPr>
+      <p:grpSpPr>
+        <a:xfrm>
+          <a:off x="0" y="0"/>
+          <a:ext cx="0" cy="0"/>
+          <a:chOff x="0" y="0"/>
+          <a:chExt cx="0" cy="0"/>
+        </a:xfrm>
+      </p:grpSpPr>
       <p:sp>
         <p:nvSpPr>
           <p:cNvPr id="33" name="正方形/長方形 32"/>
@@ -3305,7 +2349,7 @@
         </p:nvSpPr>
         <p:spPr>
           <a:xfrm>
-            <a:off x="4283968" y="1340768"/>
+            <a:off x="7236296" y="1340768"/>
             <a:ext cx="1440160" cy="576064"/>
           </a:xfrm>
           <a:prstGeom prst="roundRect">
@@ -3352,7 +2396,7 @@
         </p:nvSpPr>
         <p:spPr>
           <a:xfrm>
-            <a:off x="4860032" y="1484784"/>
+            <a:off x="7812360" y="1484784"/>
             <a:ext cx="288032" cy="288032"/>
           </a:xfrm>
           <a:prstGeom prst="ellipse">
@@ -3409,7 +2453,7 @@
           <a:noFill/>
           <a:ln w="28575">
             <a:solidFill>
-              <a:srgbClr val="FF0000"/>
+              <a:schemeClr val="tx1"/>
             </a:solidFill>
             <a:prstDash val="dash"/>
           </a:ln>
@@ -3441,24 +2485,25 @@
       </p:sp>
       <p:sp>
         <p:nvSpPr>
-          <p:cNvPr id="6" name="角丸四角形 5"/>
+          <p:cNvPr id="5" name="楕円 4"/>
           <p:cNvSpPr/>
           <p:nvPr/>
         </p:nvSpPr>
         <p:spPr>
           <a:xfrm>
-            <a:off x="4283968" y="2420888"/>
-            <a:ext cx="1440160" cy="576064"/>
-          </a:xfrm>
-          <a:prstGeom prst="roundRect">
-            <a:avLst/>
-          </a:prstGeom>
-          <a:noFill/>
-          <a:ln w="28575">
+            <a:off x="7812360" y="2564904"/>
+            <a:ext cx="288032" cy="288032"/>
+          </a:xfrm>
+          <a:prstGeom prst="ellipse">
+            <a:avLst/>
+          </a:prstGeom>
+          <a:solidFill>
+            <a:srgbClr val="011893"/>
+          </a:solidFill>
+          <a:ln>
             <a:solidFill>
               <a:schemeClr val="tx1"/>
             </a:solidFill>
-            <a:prstDash val="dash"/>
           </a:ln>
         </p:spPr>
         <p:style>
@@ -3488,25 +2533,24 @@
       </p:sp>
       <p:sp>
         <p:nvSpPr>
-          <p:cNvPr id="7" name="楕円 6"/>
+          <p:cNvPr id="6" name="角丸四角形 5"/>
           <p:cNvSpPr/>
           <p:nvPr/>
         </p:nvSpPr>
         <p:spPr>
           <a:xfrm>
-            <a:off x="4860032" y="2564904"/>
-            <a:ext cx="288032" cy="288032"/>
-          </a:xfrm>
-          <a:prstGeom prst="ellipse">
-            <a:avLst/>
-          </a:prstGeom>
-          <a:solidFill>
-            <a:srgbClr val="011893"/>
-          </a:solidFill>
-          <a:ln>
+            <a:off x="4283968" y="2420888"/>
+            <a:ext cx="1440160" cy="576064"/>
+          </a:xfrm>
+          <a:prstGeom prst="roundRect">
+            <a:avLst/>
+          </a:prstGeom>
+          <a:noFill/>
+          <a:ln w="28575">
             <a:solidFill>
               <a:schemeClr val="tx1"/>
             </a:solidFill>
+            <a:prstDash val="dash"/>
           </a:ln>
         </p:spPr>
         <p:style>
@@ -3536,24 +2580,25 @@
       </p:sp>
       <p:sp>
         <p:nvSpPr>
-          <p:cNvPr id="13" name="角丸四角形 12"/>
+          <p:cNvPr id="7" name="楕円 6"/>
           <p:cNvSpPr/>
           <p:nvPr/>
         </p:nvSpPr>
         <p:spPr>
           <a:xfrm>
-            <a:off x="7236296" y="3501008"/>
-            <a:ext cx="1440160" cy="576064"/>
-          </a:xfrm>
-          <a:prstGeom prst="roundRect">
-            <a:avLst/>
-          </a:prstGeom>
-          <a:noFill/>
-          <a:ln w="28575">
+            <a:off x="4860032" y="2564904"/>
+            <a:ext cx="288032" cy="288032"/>
+          </a:xfrm>
+          <a:prstGeom prst="ellipse">
+            <a:avLst/>
+          </a:prstGeom>
+          <a:solidFill>
+            <a:srgbClr val="011893"/>
+          </a:solidFill>
+          <a:ln>
             <a:solidFill>
               <a:schemeClr val="tx1"/>
             </a:solidFill>
-            <a:prstDash val="dash"/>
           </a:ln>
         </p:spPr>
         <p:style>
@@ -3583,13 +2628,13 @@
       </p:sp>
       <p:sp>
         <p:nvSpPr>
-          <p:cNvPr id="15" name="角丸四角形 14"/>
+          <p:cNvPr id="8" name="角丸四角形 7"/>
           <p:cNvSpPr/>
           <p:nvPr/>
         </p:nvSpPr>
         <p:spPr>
           <a:xfrm>
-            <a:off x="4283968" y="4581128"/>
+            <a:off x="4283968" y="3501008"/>
             <a:ext cx="1440160" cy="576064"/>
           </a:xfrm>
           <a:prstGeom prst="roundRect">
@@ -3630,13 +2675,13 @@
       </p:sp>
       <p:sp>
         <p:nvSpPr>
-          <p:cNvPr id="16" name="楕円 15"/>
+          <p:cNvPr id="9" name="楕円 8"/>
           <p:cNvSpPr/>
           <p:nvPr/>
         </p:nvSpPr>
         <p:spPr>
           <a:xfrm>
-            <a:off x="4860032" y="4725144"/>
+            <a:off x="4499992" y="3645024"/>
             <a:ext cx="288032" cy="288032"/>
           </a:xfrm>
           <a:prstGeom prst="ellipse">
@@ -3678,24 +2723,25 @@
       </p:sp>
       <p:sp>
         <p:nvSpPr>
-          <p:cNvPr id="21" name="角丸四角形 20"/>
+          <p:cNvPr id="10" name="楕円 9"/>
           <p:cNvSpPr/>
           <p:nvPr/>
         </p:nvSpPr>
         <p:spPr>
           <a:xfrm>
-            <a:off x="7236296" y="4581128"/>
-            <a:ext cx="1440160" cy="576064"/>
-          </a:xfrm>
-          <a:prstGeom prst="roundRect">
-            <a:avLst/>
-          </a:prstGeom>
-          <a:noFill/>
-          <a:ln w="28575">
+            <a:off x="5220072" y="3645024"/>
+            <a:ext cx="288032" cy="288032"/>
+          </a:xfrm>
+          <a:prstGeom prst="ellipse">
+            <a:avLst/>
+          </a:prstGeom>
+          <a:solidFill>
+            <a:srgbClr val="FF0000"/>
+          </a:solidFill>
+          <a:ln>
             <a:solidFill>
               <a:schemeClr val="tx1"/>
             </a:solidFill>
-            <a:prstDash val="dash"/>
           </a:ln>
         </p:spPr>
         <p:style>
@@ -3723,27 +2769,67 @@
           </a:p>
         </p:txBody>
       </p:sp>
-      <p:sp>
-        <p:nvSpPr>
-          <p:cNvPr id="23" name="楕円 22"/>
+      <p:cxnSp>
+        <p:nvCxnSpPr>
+          <p:cNvPr id="12" name="直線コネクタ 11"/>
+          <p:cNvCxnSpPr>
+            <a:stCxn id="10" idx="2"/>
+            <a:endCxn id="9" idx="6"/>
+          </p:cNvCxnSpPr>
+          <p:nvPr/>
+        </p:nvCxnSpPr>
+        <p:spPr>
+          <a:xfrm flipH="1">
+            <a:off x="4788024" y="3789040"/>
+            <a:ext cx="432048" cy="0"/>
+          </a:xfrm>
+          <a:prstGeom prst="line">
+            <a:avLst/>
+          </a:prstGeom>
+          <a:ln>
+            <a:solidFill>
+              <a:srgbClr val="FF0000"/>
+            </a:solidFill>
+            <a:headEnd type="none"/>
+            <a:tailEnd type="none"/>
+          </a:ln>
+          <a:effectLst/>
+        </p:spPr>
+        <p:style>
+          <a:lnRef idx="2">
+            <a:schemeClr val="accent1"/>
+          </a:lnRef>
+          <a:fillRef idx="0">
+            <a:schemeClr val="accent1"/>
+          </a:fillRef>
+          <a:effectRef idx="1">
+            <a:schemeClr val="accent1"/>
+          </a:effectRef>
+          <a:fontRef idx="minor">
+            <a:schemeClr val="tx1"/>
+          </a:fontRef>
+        </p:style>
+      </p:cxnSp>
+      <p:sp>
+        <p:nvSpPr>
+          <p:cNvPr id="13" name="角丸四角形 12"/>
           <p:cNvSpPr/>
           <p:nvPr/>
         </p:nvSpPr>
         <p:spPr>
           <a:xfrm>
-            <a:off x="7812360" y="4725144"/>
-            <a:ext cx="288032" cy="288032"/>
-          </a:xfrm>
-          <a:prstGeom prst="ellipse">
-            <a:avLst/>
-          </a:prstGeom>
-          <a:solidFill>
-            <a:srgbClr val="FF0000"/>
-          </a:solidFill>
-          <a:ln>
+            <a:off x="7236296" y="3501008"/>
+            <a:ext cx="1440160" cy="576064"/>
+          </a:xfrm>
+          <a:prstGeom prst="roundRect">
+            <a:avLst/>
+          </a:prstGeom>
+          <a:noFill/>
+          <a:ln w="28575">
             <a:solidFill>
               <a:schemeClr val="tx1"/>
             </a:solidFill>
+            <a:prstDash val="dash"/>
           </a:ln>
         </p:spPr>
         <p:style>
@@ -3773,13 +2859,429 @@
       </p:sp>
       <p:sp>
         <p:nvSpPr>
-          <p:cNvPr id="26" name="左矢印 25"/>
+          <p:cNvPr id="14" name="楕円 13"/>
           <p:cNvSpPr/>
           <p:nvPr/>
         </p:nvSpPr>
         <p:spPr>
-          <a:xfrm rot="10800000">
-            <a:off x="6228184" y="4653136"/>
+          <a:xfrm>
+            <a:off x="7812360" y="3645024"/>
+            <a:ext cx="288032" cy="288032"/>
+          </a:xfrm>
+          <a:prstGeom prst="ellipse">
+            <a:avLst/>
+          </a:prstGeom>
+          <a:solidFill>
+            <a:srgbClr val="011893"/>
+          </a:solidFill>
+          <a:ln>
+            <a:solidFill>
+              <a:schemeClr val="tx1"/>
+            </a:solidFill>
+          </a:ln>
+        </p:spPr>
+        <p:style>
+          <a:lnRef idx="2">
+            <a:schemeClr val="accent1">
+              <a:shade val="50000"/>
+            </a:schemeClr>
+          </a:lnRef>
+          <a:fillRef idx="1">
+            <a:schemeClr val="accent1"/>
+          </a:fillRef>
+          <a:effectRef idx="0">
+            <a:schemeClr val="accent1"/>
+          </a:effectRef>
+          <a:fontRef idx="minor">
+            <a:schemeClr val="lt1"/>
+          </a:fontRef>
+        </p:style>
+        <p:txBody>
+          <a:bodyPr rtlCol="0" anchor="ctr"/>
+          <a:lstStyle/>
+          <a:p>
+            <a:pPr algn="ctr"/>
+            <a:endParaRPr kumimoji="1" lang="ja-JP" altLang="en-US" dirty="0"/>
+          </a:p>
+        </p:txBody>
+      </p:sp>
+      <p:sp>
+        <p:nvSpPr>
+          <p:cNvPr id="15" name="角丸四角形 14"/>
+          <p:cNvSpPr/>
+          <p:nvPr/>
+        </p:nvSpPr>
+        <p:spPr>
+          <a:xfrm>
+            <a:off x="4283968" y="4581128"/>
+            <a:ext cx="1440160" cy="576064"/>
+          </a:xfrm>
+          <a:prstGeom prst="roundRect">
+            <a:avLst/>
+          </a:prstGeom>
+          <a:noFill/>
+          <a:ln w="28575">
+            <a:solidFill>
+              <a:schemeClr val="tx1"/>
+            </a:solidFill>
+            <a:prstDash val="dash"/>
+          </a:ln>
+        </p:spPr>
+        <p:style>
+          <a:lnRef idx="2">
+            <a:schemeClr val="accent1">
+              <a:shade val="50000"/>
+            </a:schemeClr>
+          </a:lnRef>
+          <a:fillRef idx="1">
+            <a:schemeClr val="accent1"/>
+          </a:fillRef>
+          <a:effectRef idx="0">
+            <a:schemeClr val="accent1"/>
+          </a:effectRef>
+          <a:fontRef idx="minor">
+            <a:schemeClr val="lt1"/>
+          </a:fontRef>
+        </p:style>
+        <p:txBody>
+          <a:bodyPr rtlCol="0" anchor="ctr"/>
+          <a:lstStyle/>
+          <a:p>
+            <a:pPr algn="ctr"/>
+            <a:endParaRPr kumimoji="1" lang="ja-JP" altLang="en-US" dirty="0"/>
+          </a:p>
+        </p:txBody>
+      </p:sp>
+      <p:sp>
+        <p:nvSpPr>
+          <p:cNvPr id="16" name="楕円 15"/>
+          <p:cNvSpPr/>
+          <p:nvPr/>
+        </p:nvSpPr>
+        <p:spPr>
+          <a:xfrm>
+            <a:off x="4499992" y="4725144"/>
+            <a:ext cx="288032" cy="288032"/>
+          </a:xfrm>
+          <a:prstGeom prst="ellipse">
+            <a:avLst/>
+          </a:prstGeom>
+          <a:solidFill>
+            <a:srgbClr val="011893"/>
+          </a:solidFill>
+          <a:ln>
+            <a:solidFill>
+              <a:schemeClr val="tx1"/>
+            </a:solidFill>
+          </a:ln>
+        </p:spPr>
+        <p:style>
+          <a:lnRef idx="2">
+            <a:schemeClr val="accent1">
+              <a:shade val="50000"/>
+            </a:schemeClr>
+          </a:lnRef>
+          <a:fillRef idx="1">
+            <a:schemeClr val="accent1"/>
+          </a:fillRef>
+          <a:effectRef idx="0">
+            <a:schemeClr val="accent1"/>
+          </a:effectRef>
+          <a:fontRef idx="minor">
+            <a:schemeClr val="lt1"/>
+          </a:fontRef>
+        </p:style>
+        <p:txBody>
+          <a:bodyPr rtlCol="0" anchor="ctr"/>
+          <a:lstStyle/>
+          <a:p>
+            <a:pPr algn="ctr"/>
+            <a:endParaRPr kumimoji="1" lang="ja-JP" altLang="en-US" dirty="0"/>
+          </a:p>
+        </p:txBody>
+      </p:sp>
+      <p:sp>
+        <p:nvSpPr>
+          <p:cNvPr id="17" name="楕円 16"/>
+          <p:cNvSpPr/>
+          <p:nvPr/>
+        </p:nvSpPr>
+        <p:spPr>
+          <a:xfrm>
+            <a:off x="5220072" y="4725144"/>
+            <a:ext cx="288032" cy="288032"/>
+          </a:xfrm>
+          <a:prstGeom prst="ellipse">
+            <a:avLst/>
+          </a:prstGeom>
+          <a:solidFill>
+            <a:srgbClr val="002060"/>
+          </a:solidFill>
+          <a:ln>
+            <a:solidFill>
+              <a:schemeClr val="tx1"/>
+            </a:solidFill>
+          </a:ln>
+        </p:spPr>
+        <p:style>
+          <a:lnRef idx="2">
+            <a:schemeClr val="accent1">
+              <a:shade val="50000"/>
+            </a:schemeClr>
+          </a:lnRef>
+          <a:fillRef idx="1">
+            <a:schemeClr val="accent1"/>
+          </a:fillRef>
+          <a:effectRef idx="0">
+            <a:schemeClr val="accent1"/>
+          </a:effectRef>
+          <a:fontRef idx="minor">
+            <a:schemeClr val="lt1"/>
+          </a:fontRef>
+        </p:style>
+        <p:txBody>
+          <a:bodyPr rtlCol="0" anchor="ctr"/>
+          <a:lstStyle/>
+          <a:p>
+            <a:pPr algn="ctr"/>
+            <a:endParaRPr kumimoji="1" lang="ja-JP" altLang="en-US" dirty="0"/>
+          </a:p>
+        </p:txBody>
+      </p:sp>
+      <p:cxnSp>
+        <p:nvCxnSpPr>
+          <p:cNvPr id="18" name="直線コネクタ 17"/>
+          <p:cNvCxnSpPr>
+            <a:stCxn id="17" idx="2"/>
+            <a:endCxn id="16" idx="6"/>
+          </p:cNvCxnSpPr>
+          <p:nvPr/>
+        </p:nvCxnSpPr>
+        <p:spPr>
+          <a:xfrm flipH="1">
+            <a:off x="4788024" y="4869160"/>
+            <a:ext cx="432048" cy="0"/>
+          </a:xfrm>
+          <a:prstGeom prst="line">
+            <a:avLst/>
+          </a:prstGeom>
+          <a:ln>
+            <a:solidFill>
+              <a:schemeClr val="tx1"/>
+            </a:solidFill>
+            <a:headEnd type="none"/>
+            <a:tailEnd type="none"/>
+          </a:ln>
+          <a:effectLst/>
+        </p:spPr>
+        <p:style>
+          <a:lnRef idx="2">
+            <a:schemeClr val="accent1"/>
+          </a:lnRef>
+          <a:fillRef idx="0">
+            <a:schemeClr val="accent1"/>
+          </a:fillRef>
+          <a:effectRef idx="1">
+            <a:schemeClr val="accent1"/>
+          </a:effectRef>
+          <a:fontRef idx="minor">
+            <a:schemeClr val="tx1"/>
+          </a:fontRef>
+        </p:style>
+      </p:cxnSp>
+      <p:sp>
+        <p:nvSpPr>
+          <p:cNvPr id="21" name="角丸四角形 20"/>
+          <p:cNvSpPr/>
+          <p:nvPr/>
+        </p:nvSpPr>
+        <p:spPr>
+          <a:xfrm>
+            <a:off x="7236296" y="4581128"/>
+            <a:ext cx="1440160" cy="576064"/>
+          </a:xfrm>
+          <a:prstGeom prst="roundRect">
+            <a:avLst/>
+          </a:prstGeom>
+          <a:noFill/>
+          <a:ln w="28575">
+            <a:solidFill>
+              <a:schemeClr val="tx1"/>
+            </a:solidFill>
+            <a:prstDash val="dash"/>
+          </a:ln>
+        </p:spPr>
+        <p:style>
+          <a:lnRef idx="2">
+            <a:schemeClr val="accent1">
+              <a:shade val="50000"/>
+            </a:schemeClr>
+          </a:lnRef>
+          <a:fillRef idx="1">
+            <a:schemeClr val="accent1"/>
+          </a:fillRef>
+          <a:effectRef idx="0">
+            <a:schemeClr val="accent1"/>
+          </a:effectRef>
+          <a:fontRef idx="minor">
+            <a:schemeClr val="lt1"/>
+          </a:fontRef>
+        </p:style>
+        <p:txBody>
+          <a:bodyPr rtlCol="0" anchor="ctr"/>
+          <a:lstStyle/>
+          <a:p>
+            <a:pPr algn="ctr"/>
+            <a:endParaRPr kumimoji="1" lang="ja-JP" altLang="en-US" dirty="0"/>
+          </a:p>
+        </p:txBody>
+      </p:sp>
+      <p:sp>
+        <p:nvSpPr>
+          <p:cNvPr id="22" name="楕円 21"/>
+          <p:cNvSpPr/>
+          <p:nvPr/>
+        </p:nvSpPr>
+        <p:spPr>
+          <a:xfrm>
+            <a:off x="7452320" y="4725144"/>
+            <a:ext cx="288032" cy="288032"/>
+          </a:xfrm>
+          <a:prstGeom prst="ellipse">
+            <a:avLst/>
+          </a:prstGeom>
+          <a:solidFill>
+            <a:srgbClr val="011893"/>
+          </a:solidFill>
+          <a:ln>
+            <a:solidFill>
+              <a:schemeClr val="tx1"/>
+            </a:solidFill>
+          </a:ln>
+        </p:spPr>
+        <p:style>
+          <a:lnRef idx="2">
+            <a:schemeClr val="accent1">
+              <a:shade val="50000"/>
+            </a:schemeClr>
+          </a:lnRef>
+          <a:fillRef idx="1">
+            <a:schemeClr val="accent1"/>
+          </a:fillRef>
+          <a:effectRef idx="0">
+            <a:schemeClr val="accent1"/>
+          </a:effectRef>
+          <a:fontRef idx="minor">
+            <a:schemeClr val="lt1"/>
+          </a:fontRef>
+        </p:style>
+        <p:txBody>
+          <a:bodyPr rtlCol="0" anchor="ctr"/>
+          <a:lstStyle/>
+          <a:p>
+            <a:pPr algn="ctr"/>
+            <a:endParaRPr kumimoji="1" lang="ja-JP" altLang="en-US" dirty="0"/>
+          </a:p>
+        </p:txBody>
+      </p:sp>
+      <p:sp>
+        <p:nvSpPr>
+          <p:cNvPr id="23" name="楕円 22"/>
+          <p:cNvSpPr/>
+          <p:nvPr/>
+        </p:nvSpPr>
+        <p:spPr>
+          <a:xfrm>
+            <a:off x="8172400" y="4725144"/>
+            <a:ext cx="288032" cy="288032"/>
+          </a:xfrm>
+          <a:prstGeom prst="ellipse">
+            <a:avLst/>
+          </a:prstGeom>
+          <a:solidFill>
+            <a:srgbClr val="FF0000"/>
+          </a:solidFill>
+          <a:ln>
+            <a:solidFill>
+              <a:schemeClr val="tx1"/>
+            </a:solidFill>
+          </a:ln>
+        </p:spPr>
+        <p:style>
+          <a:lnRef idx="2">
+            <a:schemeClr val="accent1">
+              <a:shade val="50000"/>
+            </a:schemeClr>
+          </a:lnRef>
+          <a:fillRef idx="1">
+            <a:schemeClr val="accent1"/>
+          </a:fillRef>
+          <a:effectRef idx="0">
+            <a:schemeClr val="accent1"/>
+          </a:effectRef>
+          <a:fontRef idx="minor">
+            <a:schemeClr val="lt1"/>
+          </a:fontRef>
+        </p:style>
+        <p:txBody>
+          <a:bodyPr rtlCol="0" anchor="ctr"/>
+          <a:lstStyle/>
+          <a:p>
+            <a:pPr algn="ctr"/>
+            <a:endParaRPr kumimoji="1" lang="ja-JP" altLang="en-US" dirty="0"/>
+          </a:p>
+        </p:txBody>
+      </p:sp>
+      <p:cxnSp>
+        <p:nvCxnSpPr>
+          <p:cNvPr id="24" name="直線コネクタ 23"/>
+          <p:cNvCxnSpPr>
+            <a:stCxn id="23" idx="2"/>
+            <a:endCxn id="22" idx="6"/>
+          </p:cNvCxnSpPr>
+          <p:nvPr/>
+        </p:nvCxnSpPr>
+        <p:spPr>
+          <a:xfrm flipH="1">
+            <a:off x="7740352" y="4869160"/>
+            <a:ext cx="432048" cy="0"/>
+          </a:xfrm>
+          <a:prstGeom prst="line">
+            <a:avLst/>
+          </a:prstGeom>
+          <a:ln>
+            <a:solidFill>
+              <a:srgbClr val="FF0000"/>
+            </a:solidFill>
+            <a:headEnd type="none"/>
+            <a:tailEnd type="none"/>
+          </a:ln>
+          <a:effectLst/>
+        </p:spPr>
+        <p:style>
+          <a:lnRef idx="2">
+            <a:schemeClr val="accent1"/>
+          </a:lnRef>
+          <a:fillRef idx="0">
+            <a:schemeClr val="accent1"/>
+          </a:fillRef>
+          <a:effectRef idx="1">
+            <a:schemeClr val="accent1"/>
+          </a:effectRef>
+          <a:fontRef idx="minor">
+            <a:schemeClr val="tx1"/>
+          </a:fontRef>
+        </p:style>
+      </p:cxnSp>
+      <p:sp>
+        <p:nvSpPr>
+          <p:cNvPr id="25" name="左矢印 24"/>
+          <p:cNvSpPr/>
+          <p:nvPr/>
+        </p:nvSpPr>
+        <p:spPr>
+          <a:xfrm>
+            <a:off x="6228184" y="2492896"/>
             <a:ext cx="504056" cy="412624"/>
           </a:xfrm>
           <a:prstGeom prst="leftArrow">
@@ -3807,14 +3309,48 @@
       </p:sp>
       <p:sp>
         <p:nvSpPr>
-          <p:cNvPr id="28" name="テキスト ボックス 27"/>
+          <p:cNvPr id="26" name="左矢印 25"/>
+          <p:cNvSpPr/>
+          <p:nvPr/>
+        </p:nvSpPr>
+        <p:spPr>
+          <a:xfrm rot="10800000">
+            <a:off x="6228184" y="4653136"/>
+            <a:ext cx="504056" cy="412624"/>
+          </a:xfrm>
+          <a:prstGeom prst="leftArrow">
+            <a:avLst/>
+          </a:prstGeom>
+          <a:solidFill>
+            <a:srgbClr val="FF0000"/>
+          </a:solidFill>
+          <a:ln w="19050">
+            <a:solidFill>
+              <a:schemeClr val="tx1"/>
+            </a:solidFill>
+          </a:ln>
+        </p:spPr>
+        <p:txBody>
+          <a:bodyPr wrap="square" rtlCol="0" anchor="ctr">
+            <a:spAutoFit/>
+          </a:bodyPr>
+          <a:lstStyle/>
+          <a:p>
+            <a:pPr algn="ctr"/>
+            <a:endParaRPr kumimoji="1" lang="ja-JP" altLang="en-US" sz="2400" dirty="0" smtClean="0"/>
+          </a:p>
+        </p:txBody>
+      </p:sp>
+      <p:sp>
+        <p:nvSpPr>
+          <p:cNvPr id="27" name="テキスト ボックス 26"/>
           <p:cNvSpPr txBox="1"/>
           <p:nvPr/>
         </p:nvSpPr>
         <p:spPr>
           <a:xfrm>
-            <a:off x="5868144" y="4221088"/>
-            <a:ext cx="1176925" cy="461665"/>
+            <a:off x="5868144" y="1988840"/>
+            <a:ext cx="1249060" cy="461665"/>
           </a:xfrm>
           <a:prstGeom prst="rect">
             <a:avLst/>
@@ -3829,7 +3365,7 @@
           <a:p>
             <a:r>
               <a:rPr kumimoji="1" lang="en-US" altLang="ja-JP" sz="2400" dirty="0" smtClean="0"/>
-              <a:t>git push</a:t>
+              <a:t>git clone</a:t>
             </a:r>
             <a:endParaRPr kumimoji="1" lang="ja-JP" altLang="en-US" sz="2400" dirty="0" smtClean="0"/>
           </a:p>
@@ -3837,14 +3373,14 @@
       </p:sp>
       <p:sp>
         <p:nvSpPr>
-          <p:cNvPr id="32" name="テキスト ボックス 31"/>
+          <p:cNvPr id="28" name="テキスト ボックス 27"/>
           <p:cNvSpPr txBox="1"/>
           <p:nvPr/>
         </p:nvSpPr>
         <p:spPr>
           <a:xfrm>
-            <a:off x="7380312" y="692696"/>
-            <a:ext cx="1067921" cy="461665"/>
+            <a:off x="5868144" y="4221088"/>
+            <a:ext cx="1176925" cy="461665"/>
           </a:xfrm>
           <a:prstGeom prst="rect">
             <a:avLst/>
@@ -3859,7 +3395,7 @@
           <a:p>
             <a:r>
               <a:rPr kumimoji="1" lang="en-US" altLang="ja-JP" sz="2400" dirty="0" smtClean="0"/>
-              <a:t>GitHub</a:t>
+              <a:t>git push</a:t>
             </a:r>
             <a:endParaRPr kumimoji="1" lang="ja-JP" altLang="en-US" sz="2400" dirty="0" smtClean="0"/>
           </a:p>
@@ -3867,14 +3403,14 @@
       </p:sp>
       <p:sp>
         <p:nvSpPr>
-          <p:cNvPr id="34" name="テキスト ボックス 33"/>
+          <p:cNvPr id="32" name="テキスト ボックス 31"/>
           <p:cNvSpPr txBox="1"/>
           <p:nvPr/>
         </p:nvSpPr>
         <p:spPr>
           <a:xfrm>
-            <a:off x="4337336" y="692696"/>
-            <a:ext cx="1314784" cy="461665"/>
+            <a:off x="7380312" y="692696"/>
+            <a:ext cx="1067921" cy="461665"/>
           </a:xfrm>
           <a:prstGeom prst="rect">
             <a:avLst/>
@@ -3888,8 +3424,8 @@
           <a:lstStyle/>
           <a:p>
             <a:r>
-              <a:rPr kumimoji="1" lang="ja-JP" altLang="en-US" sz="2400" dirty="0" smtClean="0"/>
-              <a:t>ローカル</a:t>
+              <a:rPr kumimoji="1" lang="en-US" altLang="ja-JP" sz="2400" dirty="0" smtClean="0"/>
+              <a:t>GitHub</a:t>
             </a:r>
             <a:endParaRPr kumimoji="1" lang="ja-JP" altLang="en-US" sz="2400" dirty="0" smtClean="0"/>
           </a:p>
@@ -3897,14 +3433,14 @@
       </p:sp>
       <p:sp>
         <p:nvSpPr>
-          <p:cNvPr id="35" name="テキスト ボックス 34"/>
+          <p:cNvPr id="34" name="テキスト ボックス 33"/>
           <p:cNvSpPr txBox="1"/>
           <p:nvPr/>
         </p:nvSpPr>
         <p:spPr>
           <a:xfrm>
-            <a:off x="107504" y="1412776"/>
-            <a:ext cx="3953326" cy="461665"/>
+            <a:off x="4337336" y="692696"/>
+            <a:ext cx="1314784" cy="461665"/>
           </a:xfrm>
           <a:prstGeom prst="rect">
             <a:avLst/>
@@ -3918,14 +3454,42 @@
           <a:lstStyle/>
           <a:p>
             <a:r>
+              <a:rPr kumimoji="1" lang="ja-JP" altLang="en-US" sz="2400" dirty="0" smtClean="0"/>
+              <a:t>ローカル</a:t>
+            </a:r>
+          </a:p>
+        </p:txBody>
+      </p:sp>
+      <p:sp>
+        <p:nvSpPr>
+          <p:cNvPr id="35" name="テキスト ボックス 34"/>
+          <p:cNvSpPr txBox="1"/>
+          <p:nvPr/>
+        </p:nvSpPr>
+        <p:spPr>
+          <a:xfrm>
+            <a:off x="107504" y="1412776"/>
+            <a:ext cx="3635932" cy="461665"/>
+          </a:xfrm>
+          <a:prstGeom prst="rect">
+            <a:avLst/>
+          </a:prstGeom>
+          <a:noFill/>
+        </p:spPr>
+        <p:txBody>
+          <a:bodyPr wrap="none" rtlCol="0">
+            <a:spAutoFit/>
+          </a:bodyPr>
+          <a:lstStyle/>
+          <a:p>
+            <a:r>
               <a:rPr kumimoji="1" lang="en-US" altLang="ja-JP" sz="2400" dirty="0" smtClean="0"/>
-              <a:t>1. </a:t>
+              <a:t>1 GitHub</a:t>
             </a:r>
             <a:r>
               <a:rPr kumimoji="1" lang="ja-JP" altLang="en-US" sz="2400" dirty="0" smtClean="0"/>
-              <a:t>ローカルでリポジトリを作る</a:t>
-            </a:r>
-            <a:endParaRPr kumimoji="1" lang="ja-JP" altLang="en-US" sz="2400" dirty="0" smtClean="0"/>
+              <a:t>でリポジトリを作る</a:t>
+            </a:r>
           </a:p>
         </p:txBody>
       </p:sp>
@@ -3938,7 +3502,7 @@
         <p:spPr>
           <a:xfrm>
             <a:off x="107504" y="2492896"/>
-            <a:ext cx="4032448" cy="461665"/>
+            <a:ext cx="3579339" cy="461665"/>
           </a:xfrm>
           <a:prstGeom prst="rect">
             <a:avLst/>
@@ -3956,6 +3520,853 @@
               <a:t>2</a:t>
             </a:r>
             <a:r>
+              <a:rPr kumimoji="1" lang="en-US" altLang="ja-JP" sz="2400" dirty="0" smtClean="0"/>
+              <a:t> </a:t>
+            </a:r>
+            <a:r>
+              <a:rPr kumimoji="1" lang="ja-JP" altLang="en-US" sz="2400" dirty="0" smtClean="0"/>
+              <a:t>ローカルにクローン</a:t>
+            </a:r>
+          </a:p>
+        </p:txBody>
+      </p:sp>
+      <p:sp>
+        <p:nvSpPr>
+          <p:cNvPr id="37" name="テキスト ボックス 36"/>
+          <p:cNvSpPr txBox="1"/>
+          <p:nvPr/>
+        </p:nvSpPr>
+        <p:spPr>
+          <a:xfrm>
+            <a:off x="107504" y="3573016"/>
+            <a:ext cx="3903847" cy="461665"/>
+          </a:xfrm>
+          <a:prstGeom prst="rect">
+            <a:avLst/>
+          </a:prstGeom>
+          <a:noFill/>
+        </p:spPr>
+        <p:txBody>
+          <a:bodyPr wrap="square" rtlCol="0">
+            <a:spAutoFit/>
+          </a:bodyPr>
+          <a:lstStyle/>
+          <a:p>
+            <a:r>
+              <a:rPr lang="en-US" altLang="ja-JP" sz="2400" dirty="0" smtClean="0"/>
+              <a:t>3 </a:t>
+            </a:r>
+            <a:r>
+              <a:rPr lang="ja-JP" altLang="en-US" sz="2400" dirty="0" smtClean="0"/>
+              <a:t>ローカルで修正 </a:t>
+            </a:r>
+            <a:r>
+              <a:rPr lang="en-US" altLang="ja-JP" sz="2400" dirty="0" smtClean="0"/>
+              <a:t>(</a:t>
+            </a:r>
+            <a:r>
+              <a:rPr lang="ja-JP" altLang="en-US" sz="2400" dirty="0" smtClean="0"/>
+              <a:t>歴史追加</a:t>
+            </a:r>
+            <a:r>
+              <a:rPr lang="en-US" altLang="ja-JP" sz="2400" dirty="0" smtClean="0"/>
+              <a:t>)</a:t>
+            </a:r>
+            <a:endParaRPr kumimoji="1" lang="ja-JP" altLang="en-US" sz="2400" dirty="0" smtClean="0"/>
+          </a:p>
+        </p:txBody>
+      </p:sp>
+      <p:sp>
+        <p:nvSpPr>
+          <p:cNvPr id="38" name="テキスト ボックス 37"/>
+          <p:cNvSpPr txBox="1"/>
+          <p:nvPr/>
+        </p:nvSpPr>
+        <p:spPr>
+          <a:xfrm>
+            <a:off x="107504" y="4653136"/>
+            <a:ext cx="3903847" cy="461665"/>
+          </a:xfrm>
+          <a:prstGeom prst="rect">
+            <a:avLst/>
+          </a:prstGeom>
+          <a:noFill/>
+        </p:spPr>
+        <p:txBody>
+          <a:bodyPr wrap="square" rtlCol="0">
+            <a:spAutoFit/>
+          </a:bodyPr>
+          <a:lstStyle/>
+          <a:p>
+            <a:r>
+              <a:rPr lang="en-US" altLang="ja-JP" sz="2400" dirty="0" smtClean="0"/>
+              <a:t>4 </a:t>
+            </a:r>
+            <a:r>
+              <a:rPr lang="ja-JP" altLang="en-US" sz="2400" dirty="0" smtClean="0"/>
+              <a:t>リモートにプッシュ</a:t>
+            </a:r>
+            <a:endParaRPr kumimoji="1" lang="ja-JP" altLang="en-US" sz="2400" dirty="0" smtClean="0"/>
+          </a:p>
+        </p:txBody>
+      </p:sp>
+    </p:spTree>
+    <p:extLst>
+      <p:ext uri="{BB962C8B-B14F-4D97-AF65-F5344CB8AC3E}">
+        <p14:creationId xmlns:p14="http://schemas.microsoft.com/office/powerpoint/2010/main" val="88631909"/>
+      </p:ext>
+    </p:extLst>
+  </p:cSld>
+  <p:clrMapOvr>
+    <a:masterClrMapping/>
+  </p:clrMapOvr>
+</p:sld>
+</file>
+
+<file path=ppt/slides/slide9.xml><?xml version="1.0" encoding="utf-8"?>
+<p:sld xmlns:a="http://schemas.openxmlformats.org/drawingml/2006/main" xmlns:r="http://schemas.openxmlformats.org/officeDocument/2006/relationships" xmlns:p="http://schemas.openxmlformats.org/presentationml/2006/main">
+  <p:cSld>
+    <p:spTree>
+      <p:nvGrpSpPr>
+        <p:cNvPr id="1" name=""/>
+        <p:cNvGrpSpPr/>
+        <p:nvPr/>
+      </p:nvGrpSpPr>
+      <p:grpSpPr>
+        <a:xfrm>
+          <a:off x="0" y="0"/>
+          <a:ext cx="0" cy="0"/>
+          <a:chOff x="0" y="0"/>
+          <a:chExt cx="0" cy="0"/>
+        </a:xfrm>
+      </p:grpSpPr>
+      <p:sp>
+        <p:nvSpPr>
+          <p:cNvPr id="33" name="正方形/長方形 32"/>
+          <p:cNvSpPr/>
+          <p:nvPr/>
+        </p:nvSpPr>
+        <p:spPr>
+          <a:xfrm>
+            <a:off x="4067944" y="548680"/>
+            <a:ext cx="1872208" cy="5040560"/>
+          </a:xfrm>
+          <a:prstGeom prst="rect">
+            <a:avLst/>
+          </a:prstGeom>
+          <a:solidFill>
+            <a:schemeClr val="accent3">
+              <a:lumMod val="20000"/>
+              <a:lumOff val="80000"/>
+            </a:schemeClr>
+          </a:solidFill>
+          <a:ln w="57150">
+            <a:noFill/>
+          </a:ln>
+        </p:spPr>
+        <p:txBody>
+          <a:bodyPr wrap="square" rtlCol="0" anchor="ctr">
+            <a:spAutoFit/>
+          </a:bodyPr>
+          <a:lstStyle/>
+          <a:p>
+            <a:pPr algn="ctr"/>
+            <a:endParaRPr kumimoji="1" lang="ja-JP" altLang="en-US" sz="2400" dirty="0" smtClean="0"/>
+          </a:p>
+        </p:txBody>
+      </p:sp>
+      <p:sp>
+        <p:nvSpPr>
+          <p:cNvPr id="31" name="正方形/長方形 30"/>
+          <p:cNvSpPr/>
+          <p:nvPr/>
+        </p:nvSpPr>
+        <p:spPr>
+          <a:xfrm>
+            <a:off x="7020272" y="548680"/>
+            <a:ext cx="1872208" cy="5040560"/>
+          </a:xfrm>
+          <a:prstGeom prst="rect">
+            <a:avLst/>
+          </a:prstGeom>
+          <a:solidFill>
+            <a:schemeClr val="accent6">
+              <a:lumMod val="20000"/>
+              <a:lumOff val="80000"/>
+            </a:schemeClr>
+          </a:solidFill>
+          <a:ln w="57150">
+            <a:noFill/>
+          </a:ln>
+        </p:spPr>
+        <p:txBody>
+          <a:bodyPr wrap="square" rtlCol="0" anchor="ctr">
+            <a:spAutoFit/>
+          </a:bodyPr>
+          <a:lstStyle/>
+          <a:p>
+            <a:pPr algn="ctr"/>
+            <a:endParaRPr kumimoji="1" lang="ja-JP" altLang="en-US" sz="2400" dirty="0" smtClean="0"/>
+          </a:p>
+        </p:txBody>
+      </p:sp>
+      <p:sp>
+        <p:nvSpPr>
+          <p:cNvPr id="2" name="角丸四角形 1"/>
+          <p:cNvSpPr/>
+          <p:nvPr/>
+        </p:nvSpPr>
+        <p:spPr>
+          <a:xfrm>
+            <a:off x="4283968" y="1340768"/>
+            <a:ext cx="1440160" cy="576064"/>
+          </a:xfrm>
+          <a:prstGeom prst="roundRect">
+            <a:avLst/>
+          </a:prstGeom>
+          <a:noFill/>
+          <a:ln w="28575">
+            <a:solidFill>
+              <a:schemeClr val="tx1"/>
+            </a:solidFill>
+            <a:prstDash val="dash"/>
+          </a:ln>
+        </p:spPr>
+        <p:style>
+          <a:lnRef idx="2">
+            <a:schemeClr val="accent1">
+              <a:shade val="50000"/>
+            </a:schemeClr>
+          </a:lnRef>
+          <a:fillRef idx="1">
+            <a:schemeClr val="accent1"/>
+          </a:fillRef>
+          <a:effectRef idx="0">
+            <a:schemeClr val="accent1"/>
+          </a:effectRef>
+          <a:fontRef idx="minor">
+            <a:schemeClr val="lt1"/>
+          </a:fontRef>
+        </p:style>
+        <p:txBody>
+          <a:bodyPr rtlCol="0" anchor="ctr"/>
+          <a:lstStyle/>
+          <a:p>
+            <a:pPr algn="ctr"/>
+            <a:endParaRPr kumimoji="1" lang="ja-JP" altLang="en-US" dirty="0"/>
+          </a:p>
+        </p:txBody>
+      </p:sp>
+      <p:sp>
+        <p:nvSpPr>
+          <p:cNvPr id="3" name="楕円 2"/>
+          <p:cNvSpPr/>
+          <p:nvPr/>
+        </p:nvSpPr>
+        <p:spPr>
+          <a:xfrm>
+            <a:off x="4860032" y="1484784"/>
+            <a:ext cx="288032" cy="288032"/>
+          </a:xfrm>
+          <a:prstGeom prst="ellipse">
+            <a:avLst/>
+          </a:prstGeom>
+          <a:solidFill>
+            <a:srgbClr val="FF0000"/>
+          </a:solidFill>
+          <a:ln>
+            <a:solidFill>
+              <a:schemeClr val="tx1"/>
+            </a:solidFill>
+          </a:ln>
+        </p:spPr>
+        <p:style>
+          <a:lnRef idx="2">
+            <a:schemeClr val="accent1">
+              <a:shade val="50000"/>
+            </a:schemeClr>
+          </a:lnRef>
+          <a:fillRef idx="1">
+            <a:schemeClr val="accent1"/>
+          </a:fillRef>
+          <a:effectRef idx="0">
+            <a:schemeClr val="accent1"/>
+          </a:effectRef>
+          <a:fontRef idx="minor">
+            <a:schemeClr val="lt1"/>
+          </a:fontRef>
+        </p:style>
+        <p:txBody>
+          <a:bodyPr rtlCol="0" anchor="ctr"/>
+          <a:lstStyle/>
+          <a:p>
+            <a:pPr algn="ctr"/>
+            <a:endParaRPr kumimoji="1" lang="ja-JP" altLang="en-US" dirty="0"/>
+          </a:p>
+        </p:txBody>
+      </p:sp>
+      <p:sp>
+        <p:nvSpPr>
+          <p:cNvPr id="4" name="角丸四角形 3"/>
+          <p:cNvSpPr/>
+          <p:nvPr/>
+        </p:nvSpPr>
+        <p:spPr>
+          <a:xfrm>
+            <a:off x="7236296" y="2420888"/>
+            <a:ext cx="1440160" cy="576064"/>
+          </a:xfrm>
+          <a:prstGeom prst="roundRect">
+            <a:avLst/>
+          </a:prstGeom>
+          <a:noFill/>
+          <a:ln w="28575">
+            <a:solidFill>
+              <a:srgbClr val="FF0000"/>
+            </a:solidFill>
+            <a:prstDash val="dash"/>
+          </a:ln>
+        </p:spPr>
+        <p:style>
+          <a:lnRef idx="2">
+            <a:schemeClr val="accent1">
+              <a:shade val="50000"/>
+            </a:schemeClr>
+          </a:lnRef>
+          <a:fillRef idx="1">
+            <a:schemeClr val="accent1"/>
+          </a:fillRef>
+          <a:effectRef idx="0">
+            <a:schemeClr val="accent1"/>
+          </a:effectRef>
+          <a:fontRef idx="minor">
+            <a:schemeClr val="lt1"/>
+          </a:fontRef>
+        </p:style>
+        <p:txBody>
+          <a:bodyPr rtlCol="0" anchor="ctr"/>
+          <a:lstStyle/>
+          <a:p>
+            <a:pPr algn="ctr"/>
+            <a:endParaRPr kumimoji="1" lang="ja-JP" altLang="en-US" dirty="0"/>
+          </a:p>
+        </p:txBody>
+      </p:sp>
+      <p:sp>
+        <p:nvSpPr>
+          <p:cNvPr id="6" name="角丸四角形 5"/>
+          <p:cNvSpPr/>
+          <p:nvPr/>
+        </p:nvSpPr>
+        <p:spPr>
+          <a:xfrm>
+            <a:off x="4283968" y="2420888"/>
+            <a:ext cx="1440160" cy="576064"/>
+          </a:xfrm>
+          <a:prstGeom prst="roundRect">
+            <a:avLst/>
+          </a:prstGeom>
+          <a:noFill/>
+          <a:ln w="28575">
+            <a:solidFill>
+              <a:schemeClr val="tx1"/>
+            </a:solidFill>
+            <a:prstDash val="dash"/>
+          </a:ln>
+        </p:spPr>
+        <p:style>
+          <a:lnRef idx="2">
+            <a:schemeClr val="accent1">
+              <a:shade val="50000"/>
+            </a:schemeClr>
+          </a:lnRef>
+          <a:fillRef idx="1">
+            <a:schemeClr val="accent1"/>
+          </a:fillRef>
+          <a:effectRef idx="0">
+            <a:schemeClr val="accent1"/>
+          </a:effectRef>
+          <a:fontRef idx="minor">
+            <a:schemeClr val="lt1"/>
+          </a:fontRef>
+        </p:style>
+        <p:txBody>
+          <a:bodyPr rtlCol="0" anchor="ctr"/>
+          <a:lstStyle/>
+          <a:p>
+            <a:pPr algn="ctr"/>
+            <a:endParaRPr kumimoji="1" lang="ja-JP" altLang="en-US" dirty="0"/>
+          </a:p>
+        </p:txBody>
+      </p:sp>
+      <p:sp>
+        <p:nvSpPr>
+          <p:cNvPr id="7" name="楕円 6"/>
+          <p:cNvSpPr/>
+          <p:nvPr/>
+        </p:nvSpPr>
+        <p:spPr>
+          <a:xfrm>
+            <a:off x="4860032" y="2564904"/>
+            <a:ext cx="288032" cy="288032"/>
+          </a:xfrm>
+          <a:prstGeom prst="ellipse">
+            <a:avLst/>
+          </a:prstGeom>
+          <a:solidFill>
+            <a:srgbClr val="011893"/>
+          </a:solidFill>
+          <a:ln>
+            <a:solidFill>
+              <a:schemeClr val="tx1"/>
+            </a:solidFill>
+          </a:ln>
+        </p:spPr>
+        <p:style>
+          <a:lnRef idx="2">
+            <a:schemeClr val="accent1">
+              <a:shade val="50000"/>
+            </a:schemeClr>
+          </a:lnRef>
+          <a:fillRef idx="1">
+            <a:schemeClr val="accent1"/>
+          </a:fillRef>
+          <a:effectRef idx="0">
+            <a:schemeClr val="accent1"/>
+          </a:effectRef>
+          <a:fontRef idx="minor">
+            <a:schemeClr val="lt1"/>
+          </a:fontRef>
+        </p:style>
+        <p:txBody>
+          <a:bodyPr rtlCol="0" anchor="ctr"/>
+          <a:lstStyle/>
+          <a:p>
+            <a:pPr algn="ctr"/>
+            <a:endParaRPr kumimoji="1" lang="ja-JP" altLang="en-US" dirty="0"/>
+          </a:p>
+        </p:txBody>
+      </p:sp>
+      <p:sp>
+        <p:nvSpPr>
+          <p:cNvPr id="13" name="角丸四角形 12"/>
+          <p:cNvSpPr/>
+          <p:nvPr/>
+        </p:nvSpPr>
+        <p:spPr>
+          <a:xfrm>
+            <a:off x="7236296" y="3501008"/>
+            <a:ext cx="1440160" cy="576064"/>
+          </a:xfrm>
+          <a:prstGeom prst="roundRect">
+            <a:avLst/>
+          </a:prstGeom>
+          <a:noFill/>
+          <a:ln w="28575">
+            <a:solidFill>
+              <a:schemeClr val="tx1"/>
+            </a:solidFill>
+            <a:prstDash val="dash"/>
+          </a:ln>
+        </p:spPr>
+        <p:style>
+          <a:lnRef idx="2">
+            <a:schemeClr val="accent1">
+              <a:shade val="50000"/>
+            </a:schemeClr>
+          </a:lnRef>
+          <a:fillRef idx="1">
+            <a:schemeClr val="accent1"/>
+          </a:fillRef>
+          <a:effectRef idx="0">
+            <a:schemeClr val="accent1"/>
+          </a:effectRef>
+          <a:fontRef idx="minor">
+            <a:schemeClr val="lt1"/>
+          </a:fontRef>
+        </p:style>
+        <p:txBody>
+          <a:bodyPr rtlCol="0" anchor="ctr"/>
+          <a:lstStyle/>
+          <a:p>
+            <a:pPr algn="ctr"/>
+            <a:endParaRPr kumimoji="1" lang="ja-JP" altLang="en-US" dirty="0"/>
+          </a:p>
+        </p:txBody>
+      </p:sp>
+      <p:sp>
+        <p:nvSpPr>
+          <p:cNvPr id="15" name="角丸四角形 14"/>
+          <p:cNvSpPr/>
+          <p:nvPr/>
+        </p:nvSpPr>
+        <p:spPr>
+          <a:xfrm>
+            <a:off x="4283968" y="4581128"/>
+            <a:ext cx="1440160" cy="576064"/>
+          </a:xfrm>
+          <a:prstGeom prst="roundRect">
+            <a:avLst/>
+          </a:prstGeom>
+          <a:noFill/>
+          <a:ln w="28575">
+            <a:solidFill>
+              <a:schemeClr val="tx1"/>
+            </a:solidFill>
+            <a:prstDash val="dash"/>
+          </a:ln>
+        </p:spPr>
+        <p:style>
+          <a:lnRef idx="2">
+            <a:schemeClr val="accent1">
+              <a:shade val="50000"/>
+            </a:schemeClr>
+          </a:lnRef>
+          <a:fillRef idx="1">
+            <a:schemeClr val="accent1"/>
+          </a:fillRef>
+          <a:effectRef idx="0">
+            <a:schemeClr val="accent1"/>
+          </a:effectRef>
+          <a:fontRef idx="minor">
+            <a:schemeClr val="lt1"/>
+          </a:fontRef>
+        </p:style>
+        <p:txBody>
+          <a:bodyPr rtlCol="0" anchor="ctr"/>
+          <a:lstStyle/>
+          <a:p>
+            <a:pPr algn="ctr"/>
+            <a:endParaRPr kumimoji="1" lang="ja-JP" altLang="en-US" dirty="0"/>
+          </a:p>
+        </p:txBody>
+      </p:sp>
+      <p:sp>
+        <p:nvSpPr>
+          <p:cNvPr id="16" name="楕円 15"/>
+          <p:cNvSpPr/>
+          <p:nvPr/>
+        </p:nvSpPr>
+        <p:spPr>
+          <a:xfrm>
+            <a:off x="4860032" y="4725144"/>
+            <a:ext cx="288032" cy="288032"/>
+          </a:xfrm>
+          <a:prstGeom prst="ellipse">
+            <a:avLst/>
+          </a:prstGeom>
+          <a:solidFill>
+            <a:srgbClr val="011893"/>
+          </a:solidFill>
+          <a:ln>
+            <a:solidFill>
+              <a:schemeClr val="tx1"/>
+            </a:solidFill>
+          </a:ln>
+        </p:spPr>
+        <p:style>
+          <a:lnRef idx="2">
+            <a:schemeClr val="accent1">
+              <a:shade val="50000"/>
+            </a:schemeClr>
+          </a:lnRef>
+          <a:fillRef idx="1">
+            <a:schemeClr val="accent1"/>
+          </a:fillRef>
+          <a:effectRef idx="0">
+            <a:schemeClr val="accent1"/>
+          </a:effectRef>
+          <a:fontRef idx="minor">
+            <a:schemeClr val="lt1"/>
+          </a:fontRef>
+        </p:style>
+        <p:txBody>
+          <a:bodyPr rtlCol="0" anchor="ctr"/>
+          <a:lstStyle/>
+          <a:p>
+            <a:pPr algn="ctr"/>
+            <a:endParaRPr kumimoji="1" lang="ja-JP" altLang="en-US" dirty="0"/>
+          </a:p>
+        </p:txBody>
+      </p:sp>
+      <p:sp>
+        <p:nvSpPr>
+          <p:cNvPr id="21" name="角丸四角形 20"/>
+          <p:cNvSpPr/>
+          <p:nvPr/>
+        </p:nvSpPr>
+        <p:spPr>
+          <a:xfrm>
+            <a:off x="7236296" y="4581128"/>
+            <a:ext cx="1440160" cy="576064"/>
+          </a:xfrm>
+          <a:prstGeom prst="roundRect">
+            <a:avLst/>
+          </a:prstGeom>
+          <a:noFill/>
+          <a:ln w="28575">
+            <a:solidFill>
+              <a:schemeClr val="tx1"/>
+            </a:solidFill>
+            <a:prstDash val="dash"/>
+          </a:ln>
+        </p:spPr>
+        <p:style>
+          <a:lnRef idx="2">
+            <a:schemeClr val="accent1">
+              <a:shade val="50000"/>
+            </a:schemeClr>
+          </a:lnRef>
+          <a:fillRef idx="1">
+            <a:schemeClr val="accent1"/>
+          </a:fillRef>
+          <a:effectRef idx="0">
+            <a:schemeClr val="accent1"/>
+          </a:effectRef>
+          <a:fontRef idx="minor">
+            <a:schemeClr val="lt1"/>
+          </a:fontRef>
+        </p:style>
+        <p:txBody>
+          <a:bodyPr rtlCol="0" anchor="ctr"/>
+          <a:lstStyle/>
+          <a:p>
+            <a:pPr algn="ctr"/>
+            <a:endParaRPr kumimoji="1" lang="ja-JP" altLang="en-US" dirty="0"/>
+          </a:p>
+        </p:txBody>
+      </p:sp>
+      <p:sp>
+        <p:nvSpPr>
+          <p:cNvPr id="23" name="楕円 22"/>
+          <p:cNvSpPr/>
+          <p:nvPr/>
+        </p:nvSpPr>
+        <p:spPr>
+          <a:xfrm>
+            <a:off x="7812360" y="4725144"/>
+            <a:ext cx="288032" cy="288032"/>
+          </a:xfrm>
+          <a:prstGeom prst="ellipse">
+            <a:avLst/>
+          </a:prstGeom>
+          <a:solidFill>
+            <a:srgbClr val="FF0000"/>
+          </a:solidFill>
+          <a:ln>
+            <a:solidFill>
+              <a:schemeClr val="tx1"/>
+            </a:solidFill>
+          </a:ln>
+        </p:spPr>
+        <p:style>
+          <a:lnRef idx="2">
+            <a:schemeClr val="accent1">
+              <a:shade val="50000"/>
+            </a:schemeClr>
+          </a:lnRef>
+          <a:fillRef idx="1">
+            <a:schemeClr val="accent1"/>
+          </a:fillRef>
+          <a:effectRef idx="0">
+            <a:schemeClr val="accent1"/>
+          </a:effectRef>
+          <a:fontRef idx="minor">
+            <a:schemeClr val="lt1"/>
+          </a:fontRef>
+        </p:style>
+        <p:txBody>
+          <a:bodyPr rtlCol="0" anchor="ctr"/>
+          <a:lstStyle/>
+          <a:p>
+            <a:pPr algn="ctr"/>
+            <a:endParaRPr kumimoji="1" lang="ja-JP" altLang="en-US" dirty="0"/>
+          </a:p>
+        </p:txBody>
+      </p:sp>
+      <p:sp>
+        <p:nvSpPr>
+          <p:cNvPr id="26" name="左矢印 25"/>
+          <p:cNvSpPr/>
+          <p:nvPr/>
+        </p:nvSpPr>
+        <p:spPr>
+          <a:xfrm rot="10800000">
+            <a:off x="6228184" y="4653136"/>
+            <a:ext cx="504056" cy="412624"/>
+          </a:xfrm>
+          <a:prstGeom prst="leftArrow">
+            <a:avLst/>
+          </a:prstGeom>
+          <a:solidFill>
+            <a:srgbClr val="FF0000"/>
+          </a:solidFill>
+          <a:ln w="19050">
+            <a:solidFill>
+              <a:schemeClr val="tx1"/>
+            </a:solidFill>
+          </a:ln>
+        </p:spPr>
+        <p:txBody>
+          <a:bodyPr wrap="square" rtlCol="0" anchor="ctr">
+            <a:spAutoFit/>
+          </a:bodyPr>
+          <a:lstStyle/>
+          <a:p>
+            <a:pPr algn="ctr"/>
+            <a:endParaRPr kumimoji="1" lang="ja-JP" altLang="en-US" sz="2400" dirty="0" smtClean="0"/>
+          </a:p>
+        </p:txBody>
+      </p:sp>
+      <p:sp>
+        <p:nvSpPr>
+          <p:cNvPr id="28" name="テキスト ボックス 27"/>
+          <p:cNvSpPr txBox="1"/>
+          <p:nvPr/>
+        </p:nvSpPr>
+        <p:spPr>
+          <a:xfrm>
+            <a:off x="5868144" y="4221088"/>
+            <a:ext cx="1176925" cy="461665"/>
+          </a:xfrm>
+          <a:prstGeom prst="rect">
+            <a:avLst/>
+          </a:prstGeom>
+          <a:noFill/>
+        </p:spPr>
+        <p:txBody>
+          <a:bodyPr wrap="none" rtlCol="0">
+            <a:spAutoFit/>
+          </a:bodyPr>
+          <a:lstStyle/>
+          <a:p>
+            <a:r>
+              <a:rPr kumimoji="1" lang="en-US" altLang="ja-JP" sz="2400" dirty="0" smtClean="0"/>
+              <a:t>git push</a:t>
+            </a:r>
+            <a:endParaRPr kumimoji="1" lang="ja-JP" altLang="en-US" sz="2400" dirty="0" smtClean="0"/>
+          </a:p>
+        </p:txBody>
+      </p:sp>
+      <p:sp>
+        <p:nvSpPr>
+          <p:cNvPr id="32" name="テキスト ボックス 31"/>
+          <p:cNvSpPr txBox="1"/>
+          <p:nvPr/>
+        </p:nvSpPr>
+        <p:spPr>
+          <a:xfrm>
+            <a:off x="7380312" y="692696"/>
+            <a:ext cx="1067921" cy="461665"/>
+          </a:xfrm>
+          <a:prstGeom prst="rect">
+            <a:avLst/>
+          </a:prstGeom>
+          <a:noFill/>
+        </p:spPr>
+        <p:txBody>
+          <a:bodyPr wrap="none" rtlCol="0">
+            <a:spAutoFit/>
+          </a:bodyPr>
+          <a:lstStyle/>
+          <a:p>
+            <a:r>
+              <a:rPr kumimoji="1" lang="en-US" altLang="ja-JP" sz="2400" dirty="0" smtClean="0"/>
+              <a:t>GitHub</a:t>
+            </a:r>
+            <a:endParaRPr kumimoji="1" lang="ja-JP" altLang="en-US" sz="2400" dirty="0" smtClean="0"/>
+          </a:p>
+        </p:txBody>
+      </p:sp>
+      <p:sp>
+        <p:nvSpPr>
+          <p:cNvPr id="34" name="テキスト ボックス 33"/>
+          <p:cNvSpPr txBox="1"/>
+          <p:nvPr/>
+        </p:nvSpPr>
+        <p:spPr>
+          <a:xfrm>
+            <a:off x="4337336" y="692696"/>
+            <a:ext cx="1314784" cy="461665"/>
+          </a:xfrm>
+          <a:prstGeom prst="rect">
+            <a:avLst/>
+          </a:prstGeom>
+          <a:noFill/>
+        </p:spPr>
+        <p:txBody>
+          <a:bodyPr wrap="none" rtlCol="0">
+            <a:spAutoFit/>
+          </a:bodyPr>
+          <a:lstStyle/>
+          <a:p>
+            <a:r>
+              <a:rPr kumimoji="1" lang="ja-JP" altLang="en-US" sz="2400" dirty="0" smtClean="0"/>
+              <a:t>ローカル</a:t>
+            </a:r>
+          </a:p>
+        </p:txBody>
+      </p:sp>
+      <p:sp>
+        <p:nvSpPr>
+          <p:cNvPr id="35" name="テキスト ボックス 34"/>
+          <p:cNvSpPr txBox="1"/>
+          <p:nvPr/>
+        </p:nvSpPr>
+        <p:spPr>
+          <a:xfrm>
+            <a:off x="107504" y="1412776"/>
+            <a:ext cx="3953326" cy="461665"/>
+          </a:xfrm>
+          <a:prstGeom prst="rect">
+            <a:avLst/>
+          </a:prstGeom>
+          <a:noFill/>
+        </p:spPr>
+        <p:txBody>
+          <a:bodyPr wrap="none" rtlCol="0">
+            <a:spAutoFit/>
+          </a:bodyPr>
+          <a:lstStyle/>
+          <a:p>
+            <a:r>
+              <a:rPr kumimoji="1" lang="en-US" altLang="ja-JP" sz="2400" dirty="0" smtClean="0"/>
+              <a:t>1. </a:t>
+            </a:r>
+            <a:r>
+              <a:rPr kumimoji="1" lang="ja-JP" altLang="en-US" sz="2400" dirty="0" smtClean="0"/>
+              <a:t>ローカルでリポジトリを作る</a:t>
+            </a:r>
+          </a:p>
+        </p:txBody>
+      </p:sp>
+      <p:sp>
+        <p:nvSpPr>
+          <p:cNvPr id="36" name="テキスト ボックス 35"/>
+          <p:cNvSpPr txBox="1"/>
+          <p:nvPr/>
+        </p:nvSpPr>
+        <p:spPr>
+          <a:xfrm>
+            <a:off x="107504" y="2492896"/>
+            <a:ext cx="4032448" cy="461665"/>
+          </a:xfrm>
+          <a:prstGeom prst="rect">
+            <a:avLst/>
+          </a:prstGeom>
+          <a:noFill/>
+        </p:spPr>
+        <p:txBody>
+          <a:bodyPr wrap="square" rtlCol="0">
+            <a:spAutoFit/>
+          </a:bodyPr>
+          <a:lstStyle/>
+          <a:p>
+            <a:r>
+              <a:rPr lang="en-US" altLang="ja-JP" sz="2400" dirty="0"/>
+              <a:t>2</a:t>
+            </a:r>
+            <a:r>
               <a:rPr lang="en-US" altLang="ja-JP" sz="2400" dirty="0" smtClean="0"/>
               <a:t>. </a:t>
             </a:r>
@@ -3967,7 +4378,6 @@
               <a:rPr kumimoji="1" lang="ja-JP" altLang="en-US" sz="2400" dirty="0" smtClean="0"/>
               <a:t>に空リポジトリを作る</a:t>
             </a:r>
-            <a:endParaRPr kumimoji="1" lang="ja-JP" altLang="en-US" sz="2400" dirty="0" smtClean="0"/>
           </a:p>
         </p:txBody>
       </p:sp>

--- a/github/fig/fig.pptx
+++ b/github/fig/fig.pptx
@@ -5,7 +5,7 @@
     <p:sldMasterId id="2147483648" r:id="rId1"/>
   </p:sldMasterIdLst>
   <p:notesMasterIdLst>
-    <p:notesMasterId r:id="rId11"/>
+    <p:notesMasterId r:id="rId14"/>
   </p:notesMasterIdLst>
   <p:sldIdLst>
     <p:sldId id="256" r:id="rId2"/>
@@ -17,6 +17,9 @@
     <p:sldId id="259" r:id="rId8"/>
     <p:sldId id="260" r:id="rId9"/>
     <p:sldId id="261" r:id="rId10"/>
+    <p:sldId id="266" r:id="rId11"/>
+    <p:sldId id="267" r:id="rId12"/>
+    <p:sldId id="265" r:id="rId13"/>
   </p:sldIdLst>
   <p:sldSz cx="9144000" cy="6858000" type="screen4x3"/>
   <p:notesSz cx="6858000" cy="9144000"/>
@@ -220,7 +223,7 @@
             <a:fld id="{D2C63D3F-0352-EF45-A95C-C8137A1B6577}" type="datetimeFigureOut">
               <a:rPr lang="ja-JP" altLang="en-US" smtClean="0"/>
               <a:pPr/>
-              <a:t>2021/4/7</a:t>
+              <a:t>2021/4/8</a:t>
             </a:fld>
             <a:endParaRPr lang="ja-JP" altLang="en-US" dirty="0"/>
           </a:p>
@@ -1036,6 +1039,459 @@
     <p:extLst>
       <p:ext uri="{BB962C8B-B14F-4D97-AF65-F5344CB8AC3E}">
         <p14:creationId xmlns:p14="http://schemas.microsoft.com/office/powerpoint/2010/main" val="2732920721"/>
+      </p:ext>
+    </p:extLst>
+  </p:cSld>
+  <p:clrMapOvr>
+    <a:masterClrMapping/>
+  </p:clrMapOvr>
+</p:sld>
+</file>
+
+<file path=ppt/slides/slide10.xml><?xml version="1.0" encoding="utf-8"?>
+<p:sld xmlns:a="http://schemas.openxmlformats.org/drawingml/2006/main" xmlns:r="http://schemas.openxmlformats.org/officeDocument/2006/relationships" xmlns:p="http://schemas.openxmlformats.org/presentationml/2006/main">
+  <p:cSld>
+    <p:spTree>
+      <p:nvGrpSpPr>
+        <p:cNvPr id="1" name=""/>
+        <p:cNvGrpSpPr/>
+        <p:nvPr/>
+      </p:nvGrpSpPr>
+      <p:grpSpPr>
+        <a:xfrm>
+          <a:off x="0" y="0"/>
+          <a:ext cx="0" cy="0"/>
+          <a:chOff x="0" y="0"/>
+          <a:chExt cx="0" cy="0"/>
+        </a:xfrm>
+      </p:grpSpPr>
+      <p:pic>
+        <p:nvPicPr>
+          <p:cNvPr id="2" name="図 1"/>
+          <p:cNvPicPr>
+            <a:picLocks noChangeAspect="1"/>
+          </p:cNvPicPr>
+          <p:nvPr/>
+        </p:nvPicPr>
+        <p:blipFill>
+          <a:blip r:embed="rId2"/>
+          <a:stretch>
+            <a:fillRect/>
+          </a:stretch>
+        </p:blipFill>
+        <p:spPr>
+          <a:xfrm>
+            <a:off x="206150" y="1901746"/>
+            <a:ext cx="8731699" cy="3054507"/>
+          </a:xfrm>
+          <a:prstGeom prst="rect">
+            <a:avLst/>
+          </a:prstGeom>
+        </p:spPr>
+      </p:pic>
+      <p:sp>
+        <p:nvSpPr>
+          <p:cNvPr id="3" name="角丸四角形 2"/>
+          <p:cNvSpPr/>
+          <p:nvPr/>
+        </p:nvSpPr>
+        <p:spPr>
+          <a:xfrm>
+            <a:off x="2483768" y="2060848"/>
+            <a:ext cx="504056" cy="432048"/>
+          </a:xfrm>
+          <a:prstGeom prst="roundRect">
+            <a:avLst/>
+          </a:prstGeom>
+          <a:ln w="57150">
+            <a:solidFill>
+              <a:srgbClr val="FF0000"/>
+            </a:solidFill>
+          </a:ln>
+        </p:spPr>
+        <p:txBody>
+          <a:bodyPr wrap="square" rtlCol="0" anchor="ctr">
+            <a:spAutoFit/>
+          </a:bodyPr>
+          <a:lstStyle/>
+          <a:p>
+            <a:pPr algn="ctr"/>
+            <a:endParaRPr kumimoji="1" lang="ja-JP" altLang="en-US" sz="2400" dirty="0" smtClean="0"/>
+          </a:p>
+        </p:txBody>
+      </p:sp>
+      <p:sp>
+        <p:nvSpPr>
+          <p:cNvPr id="4" name="テキスト ボックス 3"/>
+          <p:cNvSpPr txBox="1"/>
+          <p:nvPr/>
+        </p:nvSpPr>
+        <p:spPr>
+          <a:xfrm>
+            <a:off x="3491880" y="1412776"/>
+            <a:ext cx="1426994" cy="461665"/>
+          </a:xfrm>
+          <a:prstGeom prst="rect">
+            <a:avLst/>
+          </a:prstGeom>
+          <a:noFill/>
+        </p:spPr>
+        <p:txBody>
+          <a:bodyPr wrap="none" rtlCol="0">
+            <a:spAutoFit/>
+          </a:bodyPr>
+          <a:lstStyle/>
+          <a:p>
+            <a:r>
+              <a:rPr kumimoji="1" lang="en-US" altLang="ja-JP" sz="2400" smtClean="0"/>
+              <a:t>issue</a:t>
+            </a:r>
+            <a:r>
+              <a:rPr kumimoji="1" lang="ja-JP" altLang="en-US" sz="2400" smtClean="0"/>
+              <a:t>番号</a:t>
+            </a:r>
+            <a:endParaRPr kumimoji="1" lang="ja-JP" altLang="en-US" sz="2400" dirty="0" smtClean="0"/>
+          </a:p>
+        </p:txBody>
+      </p:sp>
+      <p:cxnSp>
+        <p:nvCxnSpPr>
+          <p:cNvPr id="6" name="直線矢印コネクタ 5"/>
+          <p:cNvCxnSpPr>
+            <a:stCxn id="4" idx="1"/>
+          </p:cNvCxnSpPr>
+          <p:nvPr/>
+        </p:nvCxnSpPr>
+        <p:spPr>
+          <a:xfrm flipH="1">
+            <a:off x="3059832" y="1643609"/>
+            <a:ext cx="432048" cy="417239"/>
+          </a:xfrm>
+          <a:prstGeom prst="straightConnector1">
+            <a:avLst/>
+          </a:prstGeom>
+          <a:ln>
+            <a:solidFill>
+              <a:schemeClr val="tx1"/>
+            </a:solidFill>
+            <a:headEnd type="none"/>
+            <a:tailEnd type="triangle"/>
+          </a:ln>
+          <a:effectLst/>
+        </p:spPr>
+        <p:style>
+          <a:lnRef idx="2">
+            <a:schemeClr val="accent1"/>
+          </a:lnRef>
+          <a:fillRef idx="0">
+            <a:schemeClr val="accent1"/>
+          </a:fillRef>
+          <a:effectRef idx="1">
+            <a:schemeClr val="accent1"/>
+          </a:effectRef>
+          <a:fontRef idx="minor">
+            <a:schemeClr val="tx1"/>
+          </a:fontRef>
+        </p:style>
+      </p:cxnSp>
+    </p:spTree>
+    <p:extLst>
+      <p:ext uri="{BB962C8B-B14F-4D97-AF65-F5344CB8AC3E}">
+        <p14:creationId xmlns:p14="http://schemas.microsoft.com/office/powerpoint/2010/main" val="1313920592"/>
+      </p:ext>
+    </p:extLst>
+  </p:cSld>
+  <p:clrMapOvr>
+    <a:masterClrMapping/>
+  </p:clrMapOvr>
+</p:sld>
+</file>
+
+<file path=ppt/slides/slide11.xml><?xml version="1.0" encoding="utf-8"?>
+<p:sld xmlns:a="http://schemas.openxmlformats.org/drawingml/2006/main" xmlns:r="http://schemas.openxmlformats.org/officeDocument/2006/relationships" xmlns:p="http://schemas.openxmlformats.org/presentationml/2006/main">
+  <p:cSld>
+    <p:spTree>
+      <p:nvGrpSpPr>
+        <p:cNvPr id="1" name=""/>
+        <p:cNvGrpSpPr/>
+        <p:nvPr/>
+      </p:nvGrpSpPr>
+      <p:grpSpPr>
+        <a:xfrm>
+          <a:off x="0" y="0"/>
+          <a:ext cx="0" cy="0"/>
+          <a:chOff x="0" y="0"/>
+          <a:chExt cx="0" cy="0"/>
+        </a:xfrm>
+      </p:grpSpPr>
+      <p:pic>
+        <p:nvPicPr>
+          <p:cNvPr id="2" name="図 1"/>
+          <p:cNvPicPr>
+            <a:picLocks noChangeAspect="1"/>
+          </p:cNvPicPr>
+          <p:nvPr/>
+        </p:nvPicPr>
+        <p:blipFill>
+          <a:blip r:embed="rId2"/>
+          <a:stretch>
+            <a:fillRect/>
+          </a:stretch>
+        </p:blipFill>
+        <p:spPr>
+          <a:xfrm>
+            <a:off x="467544" y="836712"/>
+            <a:ext cx="8134768" cy="5169166"/>
+          </a:xfrm>
+          <a:prstGeom prst="rect">
+            <a:avLst/>
+          </a:prstGeom>
+        </p:spPr>
+      </p:pic>
+      <p:sp>
+        <p:nvSpPr>
+          <p:cNvPr id="3" name="角丸四角形 2"/>
+          <p:cNvSpPr/>
+          <p:nvPr/>
+        </p:nvSpPr>
+        <p:spPr>
+          <a:xfrm>
+            <a:off x="683568" y="1988840"/>
+            <a:ext cx="4248472" cy="360040"/>
+          </a:xfrm>
+          <a:prstGeom prst="roundRect">
+            <a:avLst/>
+          </a:prstGeom>
+          <a:ln w="57150">
+            <a:solidFill>
+              <a:srgbClr val="FF0000"/>
+            </a:solidFill>
+          </a:ln>
+        </p:spPr>
+        <p:txBody>
+          <a:bodyPr wrap="square" rtlCol="0" anchor="ctr">
+            <a:spAutoFit/>
+          </a:bodyPr>
+          <a:lstStyle/>
+          <a:p>
+            <a:pPr algn="ctr"/>
+            <a:endParaRPr kumimoji="1" lang="ja-JP" altLang="en-US" sz="2400" dirty="0" smtClean="0"/>
+          </a:p>
+        </p:txBody>
+      </p:sp>
+      <p:sp>
+        <p:nvSpPr>
+          <p:cNvPr id="4" name="角丸四角形 3"/>
+          <p:cNvSpPr/>
+          <p:nvPr/>
+        </p:nvSpPr>
+        <p:spPr>
+          <a:xfrm>
+            <a:off x="611560" y="2708920"/>
+            <a:ext cx="7272808" cy="1440160"/>
+          </a:xfrm>
+          <a:prstGeom prst="roundRect">
+            <a:avLst/>
+          </a:prstGeom>
+          <a:ln w="57150">
+            <a:solidFill>
+              <a:srgbClr val="FF0000"/>
+            </a:solidFill>
+          </a:ln>
+        </p:spPr>
+        <p:txBody>
+          <a:bodyPr wrap="square" rtlCol="0" anchor="ctr">
+            <a:spAutoFit/>
+          </a:bodyPr>
+          <a:lstStyle/>
+          <a:p>
+            <a:pPr algn="ctr"/>
+            <a:endParaRPr kumimoji="1" lang="ja-JP" altLang="en-US" sz="2400" dirty="0" smtClean="0"/>
+          </a:p>
+        </p:txBody>
+      </p:sp>
+      <p:sp>
+        <p:nvSpPr>
+          <p:cNvPr id="5" name="角丸四角形 4"/>
+          <p:cNvSpPr/>
+          <p:nvPr/>
+        </p:nvSpPr>
+        <p:spPr>
+          <a:xfrm>
+            <a:off x="611560" y="4869160"/>
+            <a:ext cx="2304256" cy="360040"/>
+          </a:xfrm>
+          <a:prstGeom prst="roundRect">
+            <a:avLst/>
+          </a:prstGeom>
+          <a:ln w="57150">
+            <a:solidFill>
+              <a:srgbClr val="FF0000"/>
+            </a:solidFill>
+          </a:ln>
+        </p:spPr>
+        <p:txBody>
+          <a:bodyPr wrap="square" rtlCol="0" anchor="ctr">
+            <a:spAutoFit/>
+          </a:bodyPr>
+          <a:lstStyle/>
+          <a:p>
+            <a:pPr algn="ctr"/>
+            <a:endParaRPr kumimoji="1" lang="ja-JP" altLang="en-US" sz="2400" dirty="0" smtClean="0"/>
+          </a:p>
+        </p:txBody>
+      </p:sp>
+    </p:spTree>
+    <p:extLst>
+      <p:ext uri="{BB962C8B-B14F-4D97-AF65-F5344CB8AC3E}">
+        <p14:creationId xmlns:p14="http://schemas.microsoft.com/office/powerpoint/2010/main" val="620696406"/>
+      </p:ext>
+    </p:extLst>
+  </p:cSld>
+  <p:clrMapOvr>
+    <a:masterClrMapping/>
+  </p:clrMapOvr>
+</p:sld>
+</file>
+
+<file path=ppt/slides/slide12.xml><?xml version="1.0" encoding="utf-8"?>
+<p:sld xmlns:a="http://schemas.openxmlformats.org/drawingml/2006/main" xmlns:r="http://schemas.openxmlformats.org/officeDocument/2006/relationships" xmlns:p="http://schemas.openxmlformats.org/presentationml/2006/main">
+  <p:cSld>
+    <p:spTree>
+      <p:nvGrpSpPr>
+        <p:cNvPr id="1" name=""/>
+        <p:cNvGrpSpPr/>
+        <p:nvPr/>
+      </p:nvGrpSpPr>
+      <p:grpSpPr>
+        <a:xfrm>
+          <a:off x="0" y="0"/>
+          <a:ext cx="0" cy="0"/>
+          <a:chOff x="0" y="0"/>
+          <a:chExt cx="0" cy="0"/>
+        </a:xfrm>
+      </p:grpSpPr>
+      <p:pic>
+        <p:nvPicPr>
+          <p:cNvPr id="2" name="図 1"/>
+          <p:cNvPicPr>
+            <a:picLocks noChangeAspect="1"/>
+          </p:cNvPicPr>
+          <p:nvPr/>
+        </p:nvPicPr>
+        <p:blipFill>
+          <a:blip r:embed="rId2"/>
+          <a:stretch>
+            <a:fillRect/>
+          </a:stretch>
+        </p:blipFill>
+        <p:spPr>
+          <a:xfrm>
+            <a:off x="323528" y="1340768"/>
+            <a:ext cx="8338877" cy="4425887"/>
+          </a:xfrm>
+          <a:prstGeom prst="rect">
+            <a:avLst/>
+          </a:prstGeom>
+        </p:spPr>
+      </p:pic>
+      <p:sp>
+        <p:nvSpPr>
+          <p:cNvPr id="3" name="角丸四角形 2"/>
+          <p:cNvSpPr/>
+          <p:nvPr/>
+        </p:nvSpPr>
+        <p:spPr>
+          <a:xfrm>
+            <a:off x="899592" y="2060848"/>
+            <a:ext cx="5400600" cy="432048"/>
+          </a:xfrm>
+          <a:prstGeom prst="roundRect">
+            <a:avLst/>
+          </a:prstGeom>
+          <a:ln w="57150">
+            <a:solidFill>
+              <a:srgbClr val="FF0000"/>
+            </a:solidFill>
+          </a:ln>
+        </p:spPr>
+        <p:txBody>
+          <a:bodyPr wrap="square" rtlCol="0" anchor="ctr">
+            <a:spAutoFit/>
+          </a:bodyPr>
+          <a:lstStyle/>
+          <a:p>
+            <a:pPr algn="ctr"/>
+            <a:endParaRPr kumimoji="1" lang="ja-JP" altLang="en-US" sz="2400" dirty="0" smtClean="0"/>
+          </a:p>
+        </p:txBody>
+      </p:sp>
+      <p:sp>
+        <p:nvSpPr>
+          <p:cNvPr id="4" name="角丸四角形 3"/>
+          <p:cNvSpPr/>
+          <p:nvPr/>
+        </p:nvSpPr>
+        <p:spPr>
+          <a:xfrm>
+            <a:off x="899592" y="3284984"/>
+            <a:ext cx="5472608" cy="1728192"/>
+          </a:xfrm>
+          <a:prstGeom prst="roundRect">
+            <a:avLst/>
+          </a:prstGeom>
+          <a:ln w="57150">
+            <a:solidFill>
+              <a:srgbClr val="FF0000"/>
+            </a:solidFill>
+          </a:ln>
+        </p:spPr>
+        <p:txBody>
+          <a:bodyPr wrap="square" rtlCol="0" anchor="ctr">
+            <a:spAutoFit/>
+          </a:bodyPr>
+          <a:lstStyle/>
+          <a:p>
+            <a:pPr algn="ctr"/>
+            <a:endParaRPr kumimoji="1" lang="ja-JP" altLang="en-US" sz="2400" dirty="0" smtClean="0"/>
+          </a:p>
+        </p:txBody>
+      </p:sp>
+      <p:sp>
+        <p:nvSpPr>
+          <p:cNvPr id="5" name="角丸四角形 4"/>
+          <p:cNvSpPr/>
+          <p:nvPr/>
+        </p:nvSpPr>
+        <p:spPr>
+          <a:xfrm>
+            <a:off x="6407696" y="2996952"/>
+            <a:ext cx="1188640" cy="360040"/>
+          </a:xfrm>
+          <a:prstGeom prst="roundRect">
+            <a:avLst/>
+          </a:prstGeom>
+          <a:ln w="57150">
+            <a:solidFill>
+              <a:srgbClr val="FF0000"/>
+            </a:solidFill>
+          </a:ln>
+        </p:spPr>
+        <p:txBody>
+          <a:bodyPr wrap="square" rtlCol="0" anchor="ctr">
+            <a:spAutoFit/>
+          </a:bodyPr>
+          <a:lstStyle/>
+          <a:p>
+            <a:pPr algn="ctr"/>
+            <a:endParaRPr kumimoji="1" lang="ja-JP" altLang="en-US" sz="2400" dirty="0" smtClean="0"/>
+          </a:p>
+        </p:txBody>
+      </p:sp>
+    </p:spTree>
+    <p:extLst>
+      <p:ext uri="{BB962C8B-B14F-4D97-AF65-F5344CB8AC3E}">
+        <p14:creationId xmlns:p14="http://schemas.microsoft.com/office/powerpoint/2010/main" val="4223083682"/>
       </p:ext>
     </p:extLst>
   </p:cSld>
